--- a/lectures3/Pythonlearn-03-Conditional.pptx
+++ b/lectures3/Pythonlearn-03-Conditional.pptx
@@ -5882,7 +5882,7 @@
               <a:buNone/>
             </a:pPr>
             <a:r>
-              <a:rPr lang="pl" sz="3200" b="0" i="0" u="none" strike="noStrike" cap="none" baseline="0">
+              <a:rPr lang="pl" sz="3200" b="0" i="0" u="none" strike="noStrike" cap="none" baseline="0" dirty="0">
                 <a:solidFill>
                   <a:srgbClr val="FFFF00"/>
                 </a:solidFill>
@@ -5922,7 +5922,7 @@
               <a:buNone/>
             </a:pPr>
             <a:r>
-              <a:rPr lang="pl" sz="3200" b="0" i="0" u="sng" strike="noStrike" cap="none" baseline="0">
+              <a:rPr lang="pl" sz="3200" b="0" i="0" u="sng" strike="noStrike" cap="none" baseline="0" dirty="0">
                 <a:solidFill>
                   <a:srgbClr val="FFFF00"/>
                 </a:solidFill>
@@ -5932,10 +5932,10 @@
                 <a:sym typeface="Cabin"/>
                 <a:hlinkClick r:id="rId3"/>
               </a:rPr>
-              <a:t>www.</a:t>
-            </a:r>
-            <a:r>
-              <a:rPr lang="pl" sz="3200" b="0" i="0" u="sng" baseline="0">
+              <a:t>www.py4e.</a:t>
+            </a:r>
+            <a:r>
+              <a:rPr lang="en-US" sz="3200" b="0" i="0" u="sng" strike="noStrike" cap="none" baseline="0">
                 <a:solidFill>
                   <a:srgbClr val="FFFF00"/>
                 </a:solidFill>
@@ -5945,20 +5945,7 @@
                 <a:sym typeface="Cabin"/>
                 <a:hlinkClick r:id="rId3"/>
               </a:rPr>
-              <a:t>py4e</a:t>
-            </a:r>
-            <a:r>
-              <a:rPr lang="pl" sz="3200" b="0" i="0" u="sng" strike="noStrike" cap="none" baseline="0">
-                <a:solidFill>
-                  <a:srgbClr val="FFFF00"/>
-                </a:solidFill>
-                <a:latin typeface="Arial" charset="0"/>
-                <a:ea typeface="Arial" charset="0"/>
-                <a:cs typeface="Arial" charset="0"/>
-                <a:sym typeface="Cabin"/>
-                <a:hlinkClick r:id="rId3"/>
-              </a:rPr>
-              <a:t>.com</a:t>
+              <a:t>pl</a:t>
             </a:r>
             <a:endParaRPr lang="pl" sz="3200" u="sng" strike="noStrike" cap="none" dirty="0">
               <a:solidFill>
@@ -5968,7 +5955,7 @@
               <a:ea typeface="Arial" charset="0"/>
               <a:cs typeface="Arial" charset="0"/>
               <a:sym typeface="Cabin"/>
-              <a:hlinkClick r:id="rId3"/>
+              <a:hlinkClick r:id="rId4"/>
             </a:endParaRPr>
           </a:p>
         </p:txBody>
@@ -5980,7 +5967,7 @@
           <p:nvPr/>
         </p:nvPicPr>
         <p:blipFill rotWithShape="1">
-          <a:blip r:embed="rId4">
+          <a:blip r:embed="rId5">
             <a:alphaModFix/>
           </a:blip>
           <a:srcRect/>
@@ -6007,7 +5994,7 @@
           <p:nvPr/>
         </p:nvPicPr>
         <p:blipFill rotWithShape="1">
-          <a:blip r:embed="rId5">
+          <a:blip r:embed="rId6">
             <a:alphaModFix/>
           </a:blip>
           <a:srcRect/>
@@ -7184,8 +7171,8 @@
         </p:nvSpPr>
         <p:spPr>
           <a:xfrm>
-            <a:off x="10253910" y="2433028"/>
-            <a:ext cx="3488651" cy="1059575"/>
+            <a:off x="10117182" y="2433028"/>
+            <a:ext cx="3762108" cy="1059575"/>
           </a:xfrm>
           <a:prstGeom prst="rect">
             <a:avLst/>
@@ -7589,6 +7576,7 @@
         <p:nvCxnSpPr>
           <p:cNvPr id="379" name="Shape 379"/>
           <p:cNvCxnSpPr>
+            <a:cxnSpLocks/>
             <a:stCxn id="371" idx="0"/>
             <a:endCxn id="370" idx="2"/>
           </p:cNvCxnSpPr>
@@ -8018,8 +8006,8 @@
         </p:nvSpPr>
         <p:spPr>
           <a:xfrm>
-            <a:off x="1155700" y="2603501"/>
-            <a:ext cx="5874687" cy="5640168"/>
+            <a:off x="1155700" y="2925533"/>
+            <a:ext cx="5874687" cy="5318135"/>
           </a:xfrm>
           <a:prstGeom prst="rect">
             <a:avLst/>
@@ -9203,63 +9191,6 @@
           </a:p>
         </p:txBody>
       </p:sp>
-      <p:sp>
-        <p:nvSpPr>
-          <p:cNvPr id="402" name="Shape 402"/>
-          <p:cNvSpPr txBox="1"/>
-          <p:nvPr/>
-        </p:nvSpPr>
-        <p:spPr>
-          <a:xfrm>
-            <a:off x="9353550" y="3293467"/>
-            <a:ext cx="702609" cy="511890"/>
-          </a:xfrm>
-          <a:prstGeom prst="rect">
-            <a:avLst/>
-          </a:prstGeom>
-          <a:noFill/>
-          <a:ln>
-            <a:noFill/>
-          </a:ln>
-        </p:spPr>
-        <p:txBody>
-          <a:bodyPr lIns="0" tIns="0" rIns="0" bIns="0" anchor="ctr" anchorCtr="0">
-            <a:noAutofit/>
-          </a:bodyPr>
-          <a:lstStyle/>
-          <a:p>
-            <a:pPr marL="0" marR="0" lvl="0" indent="0" algn="ctr" rtl="0">
-              <a:lnSpc>
-                <a:spcPct val="100000"/>
-              </a:lnSpc>
-              <a:spcBef>
-                <a:spcPts val="0"/>
-              </a:spcBef>
-              <a:spcAft>
-                <a:spcPts val="0"/>
-              </a:spcAft>
-              <a:buClr>
-                <a:schemeClr val="lt1"/>
-              </a:buClr>
-              <a:buSzPct val="25000"/>
-              <a:buFont typeface="Cabin"/>
-              <a:buNone/>
-            </a:pPr>
-            <a:r>
-              <a:rPr lang="pl" sz="3200" b="0" i="0" u="none" strike="noStrike" cap="none" baseline="0" dirty="0">
-                <a:solidFill>
-                  <a:schemeClr val="lt1"/>
-                </a:solidFill>
-                <a:latin typeface="Arial" charset="0"/>
-                <a:ea typeface="Arial" charset="0"/>
-                <a:cs typeface="Arial" charset="0"/>
-                <a:sym typeface="Cabin"/>
-              </a:rPr>
-              <a:t>nie</a:t>
-            </a:r>
-          </a:p>
-        </p:txBody>
-      </p:sp>
       <p:cxnSp>
         <p:nvCxnSpPr>
           <p:cNvPr id="403" name="Shape 403"/>
@@ -9377,14 +9308,66 @@
       </p:sp>
       <p:cxnSp>
         <p:nvCxnSpPr>
-          <p:cNvPr id="406" name="Shape 406"/>
+          <p:cNvPr id="407" name="Shape 407"/>
           <p:cNvCxnSpPr/>
           <p:nvPr/>
         </p:nvCxnSpPr>
         <p:spPr>
           <a:xfrm rot="10800000" flipH="1">
-            <a:off x="8805517" y="3915880"/>
-            <a:ext cx="1278272" cy="11633"/>
+            <a:off x="8788067" y="3910062"/>
+            <a:ext cx="17450" cy="683491"/>
+          </a:xfrm>
+          <a:prstGeom prst="straightConnector1">
+            <a:avLst/>
+          </a:prstGeom>
+          <a:noFill/>
+          <a:ln w="63500" cap="rnd" cmpd="sng">
+            <a:solidFill>
+              <a:srgbClr val="FF9900"/>
+            </a:solidFill>
+            <a:prstDash val="solid"/>
+            <a:miter/>
+            <a:headEnd type="stealth" w="med" len="med"/>
+            <a:tailEnd type="none" w="med" len="med"/>
+          </a:ln>
+        </p:spPr>
+      </p:cxnSp>
+      <p:cxnSp>
+        <p:nvCxnSpPr>
+          <p:cNvPr id="409" name="Shape 409"/>
+          <p:cNvCxnSpPr/>
+          <p:nvPr/>
+        </p:nvCxnSpPr>
+        <p:spPr>
+          <a:xfrm flipH="1">
+            <a:off x="8783702" y="6222298"/>
+            <a:ext cx="2856119" cy="2908"/>
+          </a:xfrm>
+          <a:prstGeom prst="straightConnector1">
+            <a:avLst/>
+          </a:prstGeom>
+          <a:noFill/>
+          <a:ln w="63500" cap="rnd" cmpd="sng">
+            <a:solidFill>
+              <a:srgbClr val="FF9900"/>
+            </a:solidFill>
+            <a:prstDash val="solid"/>
+            <a:miter/>
+            <a:headEnd type="stealth" w="med" len="med"/>
+            <a:tailEnd type="none" w="med" len="med"/>
+          </a:ln>
+        </p:spPr>
+      </p:cxnSp>
+      <p:cxnSp>
+        <p:nvCxnSpPr>
+          <p:cNvPr id="410" name="Shape 410"/>
+          <p:cNvCxnSpPr/>
+          <p:nvPr/>
+        </p:nvCxnSpPr>
+        <p:spPr>
+          <a:xfrm rot="10800000">
+            <a:off x="8757526" y="5777302"/>
+            <a:ext cx="8725" cy="423181"/>
           </a:xfrm>
           <a:prstGeom prst="straightConnector1">
             <a:avLst/>
@@ -9403,13 +9386,13 @@
       </p:cxnSp>
       <p:cxnSp>
         <p:nvCxnSpPr>
-          <p:cNvPr id="407" name="Shape 407"/>
+          <p:cNvPr id="411" name="Shape 411"/>
           <p:cNvCxnSpPr/>
           <p:nvPr/>
         </p:nvCxnSpPr>
         <p:spPr>
           <a:xfrm rot="10800000" flipH="1">
-            <a:off x="8788067" y="3910062"/>
+            <a:off x="11650004" y="6283375"/>
             <a:ext cx="17450" cy="683491"/>
           </a:xfrm>
           <a:prstGeom prst="straightConnector1">
@@ -9418,7 +9401,7 @@
           <a:noFill/>
           <a:ln w="63500" cap="rnd" cmpd="sng">
             <a:solidFill>
-              <a:srgbClr val="FF9900"/>
+              <a:srgbClr val="00FFFF"/>
             </a:solidFill>
             <a:prstDash val="solid"/>
             <a:miter/>
@@ -9427,42 +9410,446 @@
           </a:ln>
         </p:spPr>
       </p:cxnSp>
-      <p:cxnSp>
-        <p:nvCxnSpPr>
-          <p:cNvPr id="409" name="Shape 409"/>
-          <p:cNvCxnSpPr/>
+      <p:sp>
+        <p:nvSpPr>
+          <p:cNvPr id="22" name="Shape 418"/>
+          <p:cNvSpPr txBox="1"/>
           <p:nvPr/>
-        </p:nvCxnSpPr>
-        <p:spPr>
-          <a:xfrm flipH="1">
-            <a:off x="8783702" y="6222298"/>
-            <a:ext cx="2856119" cy="2908"/>
-          </a:xfrm>
-          <a:prstGeom prst="straightConnector1">
+        </p:nvSpPr>
+        <p:spPr>
+          <a:xfrm>
+            <a:off x="1109119" y="3549412"/>
+            <a:ext cx="4814099" cy="4009665"/>
+          </a:xfrm>
+          <a:prstGeom prst="rect">
             <a:avLst/>
           </a:prstGeom>
           <a:noFill/>
-          <a:ln w="63500" cap="rnd" cmpd="sng">
+          <a:ln w="9525" cap="flat" cmpd="sng">
+            <a:noFill/>
+            <a:prstDash val="solid"/>
+            <a:round/>
+            <a:headEnd type="none" w="med" len="med"/>
+            <a:tailEnd type="none" w="med" len="med"/>
+          </a:ln>
+        </p:spPr>
+        <p:txBody>
+          <a:bodyPr lIns="0" tIns="0" rIns="0" bIns="0" anchor="ctr" anchorCtr="0">
+            <a:noAutofit/>
+          </a:bodyPr>
+          <a:lstStyle/>
+          <a:p>
+            <a:pPr marL="0" marR="0" lvl="0" indent="0" algn="l" rtl="0">
+              <a:lnSpc>
+                <a:spcPct val="100000"/>
+              </a:lnSpc>
+              <a:spcBef>
+                <a:spcPts val="0"/>
+              </a:spcBef>
+              <a:spcAft>
+                <a:spcPts val="0"/>
+              </a:spcAft>
+              <a:buClr>
+                <a:srgbClr val="FF7F00"/>
+              </a:buClr>
+              <a:buSzPct val="25000"/>
+              <a:buFont typeface="Cabin"/>
+              <a:buNone/>
+            </a:pPr>
+            <a:r>
+              <a:rPr lang="pl" sz="3000" b="0" i="0" u="none" strike="noStrike" cap="none" baseline="0">
+                <a:solidFill>
+                  <a:srgbClr val="FFFFFF"/>
+                </a:solidFill>
+                <a:latin typeface="Courier"/>
+                <a:ea typeface="Courier"/>
+                <a:cs typeface="Courier"/>
+                <a:sym typeface="Courier New"/>
+              </a:rPr>
+              <a:t>x = 4</a:t>
+            </a:r>
+          </a:p>
+          <a:p>
+            <a:pPr marL="0" marR="0" lvl="0" indent="0" algn="ctr" rtl="0">
+              <a:lnSpc>
+                <a:spcPct val="100000"/>
+              </a:lnSpc>
+              <a:spcBef>
+                <a:spcPts val="0"/>
+              </a:spcBef>
+              <a:spcAft>
+                <a:spcPts val="0"/>
+              </a:spcAft>
+              <a:buNone/>
+            </a:pPr>
+            <a:endParaRPr sz="3000" i="0" u="none" strike="noStrike" cap="none" dirty="0">
+              <a:solidFill>
+                <a:schemeClr val="lt1"/>
+              </a:solidFill>
+              <a:latin typeface="Courier"/>
+              <a:ea typeface="Courier"/>
+              <a:cs typeface="Courier"/>
+              <a:sym typeface="Courier New"/>
+            </a:endParaRPr>
+          </a:p>
+          <a:p>
+            <a:pPr marL="0" marR="0" lvl="0" indent="0" algn="l" rtl="0">
+              <a:lnSpc>
+                <a:spcPct val="100000"/>
+              </a:lnSpc>
+              <a:spcBef>
+                <a:spcPts val="0"/>
+              </a:spcBef>
+              <a:spcAft>
+                <a:spcPts val="0"/>
+              </a:spcAft>
+              <a:buClr>
+                <a:srgbClr val="00FF00"/>
+              </a:buClr>
+              <a:buSzPct val="25000"/>
+              <a:buFont typeface="Cabin"/>
+              <a:buNone/>
+            </a:pPr>
+            <a:r>
+              <a:rPr lang="pl" sz="3000" b="0" i="0" u="none" strike="noStrike" cap="none" baseline="0">
+                <a:solidFill>
+                  <a:srgbClr val="00FF00"/>
+                </a:solidFill>
+                <a:latin typeface="Courier"/>
+                <a:ea typeface="Courier"/>
+                <a:cs typeface="Courier"/>
+                <a:sym typeface="Courier New"/>
+              </a:rPr>
+              <a:t>if x &gt; 2 :</a:t>
+            </a:r>
+          </a:p>
+          <a:p>
+            <a:pPr marL="0" marR="0" lvl="0" indent="0" algn="l" rtl="0">
+              <a:lnSpc>
+                <a:spcPct val="100000"/>
+              </a:lnSpc>
+              <a:spcBef>
+                <a:spcPts val="0"/>
+              </a:spcBef>
+              <a:spcAft>
+                <a:spcPts val="0"/>
+              </a:spcAft>
+              <a:buClr>
+                <a:srgbClr val="00FF00"/>
+              </a:buClr>
+              <a:buSzPct val="25000"/>
+              <a:buFont typeface="Cabin"/>
+              <a:buNone/>
+            </a:pPr>
+            <a:r>
+              <a:rPr lang="pl" sz="3000" b="0" i="0" u="none" strike="noStrike" cap="none" baseline="0">
+                <a:solidFill>
+                  <a:srgbClr val="00FF00"/>
+                </a:solidFill>
+                <a:latin typeface="Courier"/>
+                <a:ea typeface="Courier"/>
+                <a:cs typeface="Courier"/>
+                <a:sym typeface="Courier New"/>
+              </a:rPr>
+              <a:t>    print('Więcej')</a:t>
+            </a:r>
+            <a:endParaRPr lang="pl" sz="3000" i="0" u="none" strike="noStrike" cap="none" dirty="0">
+              <a:solidFill>
+                <a:srgbClr val="00FF00"/>
+              </a:solidFill>
+              <a:latin typeface="Courier"/>
+              <a:ea typeface="Courier"/>
+              <a:cs typeface="Courier"/>
+              <a:sym typeface="Courier New"/>
+            </a:endParaRPr>
+          </a:p>
+          <a:p>
+            <a:pPr marL="0" marR="0" lvl="0" indent="0" algn="l" rtl="0">
+              <a:lnSpc>
+                <a:spcPct val="100000"/>
+              </a:lnSpc>
+              <a:spcBef>
+                <a:spcPts val="0"/>
+              </a:spcBef>
+              <a:spcAft>
+                <a:spcPts val="0"/>
+              </a:spcAft>
+              <a:buClr>
+                <a:srgbClr val="FF00FF"/>
+              </a:buClr>
+              <a:buSzPct val="25000"/>
+              <a:buFont typeface="Cabin"/>
+              <a:buNone/>
+            </a:pPr>
+            <a:r>
+              <a:rPr lang="pl" sz="3000" b="0" i="0" u="none" strike="noStrike" cap="none" baseline="0">
+                <a:solidFill>
+                  <a:srgbClr val="FF9900"/>
+                </a:solidFill>
+                <a:latin typeface="Courier"/>
+                <a:ea typeface="Courier"/>
+                <a:cs typeface="Courier"/>
+                <a:sym typeface="Courier New"/>
+              </a:rPr>
+              <a:t>else :</a:t>
+            </a:r>
+          </a:p>
+          <a:p>
+            <a:pPr marL="0" marR="0" lvl="0" indent="0" algn="l" rtl="0">
+              <a:lnSpc>
+                <a:spcPct val="100000"/>
+              </a:lnSpc>
+              <a:spcBef>
+                <a:spcPts val="0"/>
+              </a:spcBef>
+              <a:spcAft>
+                <a:spcPts val="0"/>
+              </a:spcAft>
+              <a:buClr>
+                <a:srgbClr val="FF00FF"/>
+              </a:buClr>
+              <a:buSzPct val="25000"/>
+              <a:buFont typeface="Cabin"/>
+              <a:buNone/>
+            </a:pPr>
+            <a:r>
+              <a:rPr lang="pl" sz="3000" b="0" i="0" u="none" strike="noStrike" cap="none" baseline="0">
+                <a:solidFill>
+                  <a:srgbClr val="FF9900"/>
+                </a:solidFill>
+                <a:latin typeface="Courier"/>
+                <a:ea typeface="Courier"/>
+                <a:cs typeface="Courier"/>
+                <a:sym typeface="Courier New"/>
+              </a:rPr>
+              <a:t>    print('Mniej')</a:t>
+            </a:r>
+            <a:endParaRPr lang="pl" sz="3000" i="0" u="none" strike="noStrike" cap="none" dirty="0">
+              <a:solidFill>
+                <a:srgbClr val="FF9900"/>
+              </a:solidFill>
+              <a:latin typeface="Courier"/>
+              <a:ea typeface="Courier"/>
+              <a:cs typeface="Courier"/>
+              <a:sym typeface="Courier New"/>
+            </a:endParaRPr>
+          </a:p>
+          <a:p>
+            <a:pPr marL="0" marR="0" lvl="0" indent="0" algn="ctr" rtl="0">
+              <a:lnSpc>
+                <a:spcPct val="100000"/>
+              </a:lnSpc>
+              <a:spcBef>
+                <a:spcPts val="0"/>
+              </a:spcBef>
+              <a:spcAft>
+                <a:spcPts val="0"/>
+              </a:spcAft>
+              <a:buNone/>
+            </a:pPr>
+            <a:endParaRPr sz="3000" i="0" u="none" strike="noStrike" cap="none" dirty="0">
+              <a:solidFill>
+                <a:srgbClr val="00FFFF"/>
+              </a:solidFill>
+              <a:latin typeface="Courier"/>
+              <a:ea typeface="Courier"/>
+              <a:cs typeface="Courier"/>
+              <a:sym typeface="Courier New"/>
+            </a:endParaRPr>
+          </a:p>
+          <a:p>
+            <a:pPr marL="0" marR="0" lvl="0" indent="0" algn="l" rtl="0">
+              <a:lnSpc>
+                <a:spcPct val="100000"/>
+              </a:lnSpc>
+              <a:spcBef>
+                <a:spcPts val="0"/>
+              </a:spcBef>
+              <a:spcAft>
+                <a:spcPts val="0"/>
+              </a:spcAft>
+              <a:buClr>
+                <a:srgbClr val="FF7F00"/>
+              </a:buClr>
+              <a:buSzPct val="25000"/>
+              <a:buFont typeface="Cabin"/>
+              <a:buNone/>
+            </a:pPr>
+            <a:r>
+              <a:rPr lang="pl" sz="3000" b="0" i="0" u="none" strike="noStrike" cap="none" baseline="0">
+                <a:solidFill>
+                  <a:srgbClr val="00FFFF"/>
+                </a:solidFill>
+                <a:latin typeface="Courier"/>
+                <a:ea typeface="Courier"/>
+                <a:cs typeface="Courier"/>
+                <a:sym typeface="Courier New"/>
+              </a:rPr>
+              <a:t>print('Wszystko skończone')</a:t>
+            </a:r>
+            <a:endParaRPr lang="pl" sz="3000" i="0" u="none" strike="noStrike" cap="none" dirty="0">
+              <a:solidFill>
+                <a:srgbClr val="00FFFF"/>
+              </a:solidFill>
+              <a:latin typeface="Courier"/>
+              <a:ea typeface="Courier"/>
+              <a:cs typeface="Courier"/>
+              <a:sym typeface="Courier New"/>
+            </a:endParaRPr>
+          </a:p>
+        </p:txBody>
+      </p:sp>
+      <p:sp>
+        <p:nvSpPr>
+          <p:cNvPr id="21" name="Shape 408"/>
+          <p:cNvSpPr txBox="1"/>
+          <p:nvPr/>
+        </p:nvSpPr>
+        <p:spPr>
+          <a:xfrm>
+            <a:off x="7083585" y="4602279"/>
+            <a:ext cx="3393915" cy="1163389"/>
+          </a:xfrm>
+          <a:prstGeom prst="rect">
+            <a:avLst/>
+          </a:prstGeom>
+          <a:noFill/>
+          <a:ln w="50800" cap="rnd" cmpd="sng">
             <a:solidFill>
               <a:srgbClr val="FF9900"/>
             </a:solidFill>
             <a:prstDash val="solid"/>
             <a:miter/>
-            <a:headEnd type="stealth" w="med" len="med"/>
+            <a:headEnd type="none" w="med" len="med"/>
             <a:tailEnd type="none" w="med" len="med"/>
           </a:ln>
         </p:spPr>
-      </p:cxnSp>
+        <p:txBody>
+          <a:bodyPr lIns="0" tIns="0" rIns="0" bIns="0" anchor="ctr" anchorCtr="0">
+            <a:noAutofit/>
+          </a:bodyPr>
+          <a:lstStyle/>
+          <a:p>
+            <a:pPr marL="0" marR="0" lvl="0" indent="0" algn="ctr" rtl="0">
+              <a:lnSpc>
+                <a:spcPct val="100000"/>
+              </a:lnSpc>
+              <a:spcBef>
+                <a:spcPts val="0"/>
+              </a:spcBef>
+              <a:spcAft>
+                <a:spcPts val="0"/>
+              </a:spcAft>
+              <a:buClr>
+                <a:schemeClr val="lt1"/>
+              </a:buClr>
+              <a:buSzPct val="25000"/>
+              <a:buFont typeface="Cabin"/>
+              <a:buNone/>
+            </a:pPr>
+            <a:r>
+              <a:rPr lang="pl" sz="3200" b="0" i="0" u="none" strike="noStrike" cap="none" baseline="0">
+                <a:solidFill>
+                  <a:schemeClr val="lt1"/>
+                </a:solidFill>
+                <a:latin typeface="Arial" charset="0"/>
+                <a:ea typeface="Arial" charset="0"/>
+                <a:cs typeface="Arial" charset="0"/>
+                <a:sym typeface="Cabin"/>
+              </a:rPr>
+              <a:t>print('Nie więcej')</a:t>
+            </a:r>
+            <a:endParaRPr lang="pl" sz="3200" u="none" strike="noStrike" cap="none" dirty="0">
+              <a:solidFill>
+                <a:schemeClr val="lt1"/>
+              </a:solidFill>
+              <a:latin typeface="Arial" charset="0"/>
+              <a:ea typeface="Arial" charset="0"/>
+              <a:cs typeface="Arial" charset="0"/>
+              <a:sym typeface="Cabin"/>
+            </a:endParaRPr>
+          </a:p>
+        </p:txBody>
+      </p:sp>
+      <p:sp>
+        <p:nvSpPr>
+          <p:cNvPr id="23" name="Shape 402">
+            <a:extLst>
+              <a:ext uri="{FF2B5EF4-FFF2-40B4-BE49-F238E27FC236}">
+                <a16:creationId xmlns:a16="http://schemas.microsoft.com/office/drawing/2014/main" id="{09DA41EE-5B28-4888-A45C-DAD6916AE112}"/>
+              </a:ext>
+            </a:extLst>
+          </p:cNvPr>
+          <p:cNvSpPr txBox="1"/>
+          <p:nvPr/>
+        </p:nvSpPr>
+        <p:spPr>
+          <a:xfrm>
+            <a:off x="9225615" y="3293467"/>
+            <a:ext cx="830544" cy="511890"/>
+          </a:xfrm>
+          <a:prstGeom prst="rect">
+            <a:avLst/>
+          </a:prstGeom>
+          <a:noFill/>
+          <a:ln>
+            <a:noFill/>
+          </a:ln>
+        </p:spPr>
+        <p:txBody>
+          <a:bodyPr lIns="0" tIns="0" rIns="0" bIns="0" anchor="ctr" anchorCtr="0">
+            <a:noAutofit/>
+          </a:bodyPr>
+          <a:lstStyle/>
+          <a:p>
+            <a:pPr marL="0" marR="0" lvl="0" indent="0" algn="ctr" rtl="0">
+              <a:lnSpc>
+                <a:spcPct val="100000"/>
+              </a:lnSpc>
+              <a:spcBef>
+                <a:spcPts val="0"/>
+              </a:spcBef>
+              <a:spcAft>
+                <a:spcPts val="0"/>
+              </a:spcAft>
+              <a:buClr>
+                <a:schemeClr val="lt1"/>
+              </a:buClr>
+              <a:buSzPct val="25000"/>
+              <a:buFont typeface="Cabin"/>
+              <a:buNone/>
+            </a:pPr>
+            <a:r>
+              <a:rPr lang="pl" sz="3200" b="0" i="0" u="none" strike="noStrike" cap="none" baseline="0" dirty="0">
+                <a:solidFill>
+                  <a:schemeClr val="lt1"/>
+                </a:solidFill>
+                <a:latin typeface="Arial" charset="0"/>
+                <a:ea typeface="Arial" charset="0"/>
+                <a:cs typeface="Arial" charset="0"/>
+                <a:sym typeface="Cabin"/>
+              </a:rPr>
+              <a:t>nie</a:t>
+            </a:r>
+          </a:p>
+        </p:txBody>
+      </p:sp>
       <p:cxnSp>
         <p:nvCxnSpPr>
-          <p:cNvPr id="410" name="Shape 410"/>
+          <p:cNvPr id="24" name="Shape 406">
+            <a:extLst>
+              <a:ext uri="{FF2B5EF4-FFF2-40B4-BE49-F238E27FC236}">
+                <a16:creationId xmlns:a16="http://schemas.microsoft.com/office/drawing/2014/main" id="{71C09967-33CA-4D0E-9DB5-0145018335E4}"/>
+              </a:ext>
+            </a:extLst>
+          </p:cNvPr>
           <p:cNvCxnSpPr/>
           <p:nvPr/>
         </p:nvCxnSpPr>
         <p:spPr>
-          <a:xfrm rot="10800000">
-            <a:off x="8757526" y="5777302"/>
-            <a:ext cx="8725" cy="423181"/>
+          <a:xfrm>
+            <a:off x="8805517" y="3910062"/>
+            <a:ext cx="1209925" cy="5819"/>
           </a:xfrm>
           <a:prstGeom prst="straightConnector1">
             <a:avLst/>
@@ -9479,42 +9866,22 @@
           </a:ln>
         </p:spPr>
       </p:cxnSp>
-      <p:cxnSp>
-        <p:nvCxnSpPr>
-          <p:cNvPr id="411" name="Shape 411"/>
-          <p:cNvCxnSpPr/>
-          <p:nvPr/>
-        </p:nvCxnSpPr>
-        <p:spPr>
-          <a:xfrm rot="10800000" flipH="1">
-            <a:off x="11650004" y="6283375"/>
-            <a:ext cx="17450" cy="683491"/>
-          </a:xfrm>
-          <a:prstGeom prst="straightConnector1">
-            <a:avLst/>
-          </a:prstGeom>
-          <a:noFill/>
-          <a:ln w="63500" cap="rnd" cmpd="sng">
-            <a:solidFill>
-              <a:srgbClr val="00FFFF"/>
-            </a:solidFill>
-            <a:prstDash val="solid"/>
-            <a:miter/>
-            <a:headEnd type="stealth" w="med" len="med"/>
-            <a:tailEnd type="none" w="med" len="med"/>
-          </a:ln>
-        </p:spPr>
-      </p:cxnSp>
       <p:sp>
         <p:nvSpPr>
-          <p:cNvPr id="412" name="Shape 412"/>
+          <p:cNvPr id="25" name="Shape 412">
+            <a:extLst>
+              <a:ext uri="{FF2B5EF4-FFF2-40B4-BE49-F238E27FC236}">
+                <a16:creationId xmlns:a16="http://schemas.microsoft.com/office/drawing/2014/main" id="{1F7EE9F1-89E1-4BF7-834F-BC2FB8B588C8}"/>
+              </a:ext>
+            </a:extLst>
+          </p:cNvPr>
           <p:cNvSpPr txBox="1"/>
           <p:nvPr/>
         </p:nvSpPr>
         <p:spPr>
           <a:xfrm>
-            <a:off x="9996392" y="6940691"/>
-            <a:ext cx="3176051" cy="1130693"/>
+            <a:off x="10015442" y="6940691"/>
+            <a:ext cx="3176051" cy="1001046"/>
           </a:xfrm>
           <a:prstGeom prst="rect">
             <a:avLst/>
@@ -9554,7 +9921,7 @@
               <a:buNone/>
             </a:pPr>
             <a:r>
-              <a:rPr lang="pl" sz="3300" b="0" i="0" u="none" strike="noStrike" cap="none" baseline="0" dirty="0">
+              <a:rPr lang="pl" sz="3200" b="0" i="0" u="none" strike="noStrike" cap="none" baseline="0" dirty="0">
                 <a:solidFill>
                   <a:schemeClr val="lt1"/>
                 </a:solidFill>
@@ -9564,367 +9931,6 @@
                 <a:sym typeface="Cabin"/>
               </a:rPr>
               <a:t>print('Wszystko skończone')</a:t>
-            </a:r>
-            <a:endParaRPr lang="pl" sz="3300" u="none" strike="noStrike" cap="none" dirty="0">
-              <a:solidFill>
-                <a:schemeClr val="lt1"/>
-              </a:solidFill>
-              <a:latin typeface="Arial" charset="0"/>
-              <a:ea typeface="Arial" charset="0"/>
-              <a:cs typeface="Arial" charset="0"/>
-              <a:sym typeface="Cabin"/>
-            </a:endParaRPr>
-          </a:p>
-        </p:txBody>
-      </p:sp>
-      <p:sp>
-        <p:nvSpPr>
-          <p:cNvPr id="22" name="Shape 418"/>
-          <p:cNvSpPr txBox="1"/>
-          <p:nvPr/>
-        </p:nvSpPr>
-        <p:spPr>
-          <a:xfrm>
-            <a:off x="1109119" y="3549412"/>
-            <a:ext cx="4814099" cy="4009665"/>
-          </a:xfrm>
-          <a:prstGeom prst="rect">
-            <a:avLst/>
-          </a:prstGeom>
-          <a:noFill/>
-          <a:ln w="9525" cap="flat" cmpd="sng">
-            <a:noFill/>
-            <a:prstDash val="solid"/>
-            <a:round/>
-            <a:headEnd type="none" w="med" len="med"/>
-            <a:tailEnd type="none" w="med" len="med"/>
-          </a:ln>
-        </p:spPr>
-        <p:txBody>
-          <a:bodyPr lIns="0" tIns="0" rIns="0" bIns="0" anchor="ctr" anchorCtr="0">
-            <a:noAutofit/>
-          </a:bodyPr>
-          <a:lstStyle/>
-          <a:p>
-            <a:pPr marL="0" marR="0" lvl="0" indent="0" algn="l" rtl="0">
-              <a:lnSpc>
-                <a:spcPct val="100000"/>
-              </a:lnSpc>
-              <a:spcBef>
-                <a:spcPts val="0"/>
-              </a:spcBef>
-              <a:spcAft>
-                <a:spcPts val="0"/>
-              </a:spcAft>
-              <a:buClr>
-                <a:srgbClr val="FF7F00"/>
-              </a:buClr>
-              <a:buSzPct val="25000"/>
-              <a:buFont typeface="Cabin"/>
-              <a:buNone/>
-            </a:pPr>
-            <a:r>
-              <a:rPr lang="pl" sz="3000" b="0" i="0" u="none" strike="noStrike" cap="none" baseline="0">
-                <a:solidFill>
-                  <a:srgbClr val="FFFFFF"/>
-                </a:solidFill>
-                <a:latin typeface="Courier"/>
-                <a:ea typeface="Courier"/>
-                <a:cs typeface="Courier"/>
-                <a:sym typeface="Courier New"/>
-              </a:rPr>
-              <a:t>x = 4</a:t>
-            </a:r>
-          </a:p>
-          <a:p>
-            <a:pPr marL="0" marR="0" lvl="0" indent="0" algn="ctr" rtl="0">
-              <a:lnSpc>
-                <a:spcPct val="100000"/>
-              </a:lnSpc>
-              <a:spcBef>
-                <a:spcPts val="0"/>
-              </a:spcBef>
-              <a:spcAft>
-                <a:spcPts val="0"/>
-              </a:spcAft>
-              <a:buNone/>
-            </a:pPr>
-            <a:endParaRPr sz="3000" i="0" u="none" strike="noStrike" cap="none" dirty="0">
-              <a:solidFill>
-                <a:schemeClr val="lt1"/>
-              </a:solidFill>
-              <a:latin typeface="Courier"/>
-              <a:ea typeface="Courier"/>
-              <a:cs typeface="Courier"/>
-              <a:sym typeface="Courier New"/>
-            </a:endParaRPr>
-          </a:p>
-          <a:p>
-            <a:pPr marL="0" marR="0" lvl="0" indent="0" algn="l" rtl="0">
-              <a:lnSpc>
-                <a:spcPct val="100000"/>
-              </a:lnSpc>
-              <a:spcBef>
-                <a:spcPts val="0"/>
-              </a:spcBef>
-              <a:spcAft>
-                <a:spcPts val="0"/>
-              </a:spcAft>
-              <a:buClr>
-                <a:srgbClr val="00FF00"/>
-              </a:buClr>
-              <a:buSzPct val="25000"/>
-              <a:buFont typeface="Cabin"/>
-              <a:buNone/>
-            </a:pPr>
-            <a:r>
-              <a:rPr lang="pl" sz="3000" b="0" i="0" u="none" strike="noStrike" cap="none" baseline="0">
-                <a:solidFill>
-                  <a:srgbClr val="00FF00"/>
-                </a:solidFill>
-                <a:latin typeface="Courier"/>
-                <a:ea typeface="Courier"/>
-                <a:cs typeface="Courier"/>
-                <a:sym typeface="Courier New"/>
-              </a:rPr>
-              <a:t>if x &gt; 2 :</a:t>
-            </a:r>
-          </a:p>
-          <a:p>
-            <a:pPr marL="0" marR="0" lvl="0" indent="0" algn="l" rtl="0">
-              <a:lnSpc>
-                <a:spcPct val="100000"/>
-              </a:lnSpc>
-              <a:spcBef>
-                <a:spcPts val="0"/>
-              </a:spcBef>
-              <a:spcAft>
-                <a:spcPts val="0"/>
-              </a:spcAft>
-              <a:buClr>
-                <a:srgbClr val="00FF00"/>
-              </a:buClr>
-              <a:buSzPct val="25000"/>
-              <a:buFont typeface="Cabin"/>
-              <a:buNone/>
-            </a:pPr>
-            <a:r>
-              <a:rPr lang="pl" sz="3000" b="0" i="0" u="none" strike="noStrike" cap="none" baseline="0">
-                <a:solidFill>
-                  <a:srgbClr val="00FF00"/>
-                </a:solidFill>
-                <a:latin typeface="Courier"/>
-                <a:ea typeface="Courier"/>
-                <a:cs typeface="Courier"/>
-                <a:sym typeface="Courier New"/>
-              </a:rPr>
-              <a:t>    print('Więcej')</a:t>
-            </a:r>
-            <a:endParaRPr lang="pl" sz="3000" i="0" u="none" strike="noStrike" cap="none" dirty="0">
-              <a:solidFill>
-                <a:srgbClr val="00FF00"/>
-              </a:solidFill>
-              <a:latin typeface="Courier"/>
-              <a:ea typeface="Courier"/>
-              <a:cs typeface="Courier"/>
-              <a:sym typeface="Courier New"/>
-            </a:endParaRPr>
-          </a:p>
-          <a:p>
-            <a:pPr marL="0" marR="0" lvl="0" indent="0" algn="l" rtl="0">
-              <a:lnSpc>
-                <a:spcPct val="100000"/>
-              </a:lnSpc>
-              <a:spcBef>
-                <a:spcPts val="0"/>
-              </a:spcBef>
-              <a:spcAft>
-                <a:spcPts val="0"/>
-              </a:spcAft>
-              <a:buClr>
-                <a:srgbClr val="FF00FF"/>
-              </a:buClr>
-              <a:buSzPct val="25000"/>
-              <a:buFont typeface="Cabin"/>
-              <a:buNone/>
-            </a:pPr>
-            <a:r>
-              <a:rPr lang="pl" sz="3000" b="0" i="0" u="none" strike="noStrike" cap="none" baseline="0">
-                <a:solidFill>
-                  <a:srgbClr val="FF9900"/>
-                </a:solidFill>
-                <a:latin typeface="Courier"/>
-                <a:ea typeface="Courier"/>
-                <a:cs typeface="Courier"/>
-                <a:sym typeface="Courier New"/>
-              </a:rPr>
-              <a:t>else :</a:t>
-            </a:r>
-          </a:p>
-          <a:p>
-            <a:pPr marL="0" marR="0" lvl="0" indent="0" algn="l" rtl="0">
-              <a:lnSpc>
-                <a:spcPct val="100000"/>
-              </a:lnSpc>
-              <a:spcBef>
-                <a:spcPts val="0"/>
-              </a:spcBef>
-              <a:spcAft>
-                <a:spcPts val="0"/>
-              </a:spcAft>
-              <a:buClr>
-                <a:srgbClr val="FF00FF"/>
-              </a:buClr>
-              <a:buSzPct val="25000"/>
-              <a:buFont typeface="Cabin"/>
-              <a:buNone/>
-            </a:pPr>
-            <a:r>
-              <a:rPr lang="pl" sz="3000" b="0" i="0" u="none" strike="noStrike" cap="none" baseline="0">
-                <a:solidFill>
-                  <a:srgbClr val="FF9900"/>
-                </a:solidFill>
-                <a:latin typeface="Courier"/>
-                <a:ea typeface="Courier"/>
-                <a:cs typeface="Courier"/>
-                <a:sym typeface="Courier New"/>
-              </a:rPr>
-              <a:t>    print('Mniej')</a:t>
-            </a:r>
-            <a:endParaRPr lang="pl" sz="3000" i="0" u="none" strike="noStrike" cap="none" dirty="0">
-              <a:solidFill>
-                <a:srgbClr val="FF9900"/>
-              </a:solidFill>
-              <a:latin typeface="Courier"/>
-              <a:ea typeface="Courier"/>
-              <a:cs typeface="Courier"/>
-              <a:sym typeface="Courier New"/>
-            </a:endParaRPr>
-          </a:p>
-          <a:p>
-            <a:pPr marL="0" marR="0" lvl="0" indent="0" algn="ctr" rtl="0">
-              <a:lnSpc>
-                <a:spcPct val="100000"/>
-              </a:lnSpc>
-              <a:spcBef>
-                <a:spcPts val="0"/>
-              </a:spcBef>
-              <a:spcAft>
-                <a:spcPts val="0"/>
-              </a:spcAft>
-              <a:buNone/>
-            </a:pPr>
-            <a:endParaRPr sz="3000" i="0" u="none" strike="noStrike" cap="none" dirty="0">
-              <a:solidFill>
-                <a:srgbClr val="00FFFF"/>
-              </a:solidFill>
-              <a:latin typeface="Courier"/>
-              <a:ea typeface="Courier"/>
-              <a:cs typeface="Courier"/>
-              <a:sym typeface="Courier New"/>
-            </a:endParaRPr>
-          </a:p>
-          <a:p>
-            <a:pPr marL="0" marR="0" lvl="0" indent="0" algn="l" rtl="0">
-              <a:lnSpc>
-                <a:spcPct val="100000"/>
-              </a:lnSpc>
-              <a:spcBef>
-                <a:spcPts val="0"/>
-              </a:spcBef>
-              <a:spcAft>
-                <a:spcPts val="0"/>
-              </a:spcAft>
-              <a:buClr>
-                <a:srgbClr val="FF7F00"/>
-              </a:buClr>
-              <a:buSzPct val="25000"/>
-              <a:buFont typeface="Cabin"/>
-              <a:buNone/>
-            </a:pPr>
-            <a:r>
-              <a:rPr lang="pl" sz="3000" b="0" i="0" u="none" strike="noStrike" cap="none" baseline="0">
-                <a:solidFill>
-                  <a:srgbClr val="00FFFF"/>
-                </a:solidFill>
-                <a:latin typeface="Courier"/>
-                <a:ea typeface="Courier"/>
-                <a:cs typeface="Courier"/>
-                <a:sym typeface="Courier New"/>
-              </a:rPr>
-              <a:t>print('Wszystko skończone')</a:t>
-            </a:r>
-            <a:endParaRPr lang="pl" sz="3000" i="0" u="none" strike="noStrike" cap="none" dirty="0">
-              <a:solidFill>
-                <a:srgbClr val="00FFFF"/>
-              </a:solidFill>
-              <a:latin typeface="Courier"/>
-              <a:ea typeface="Courier"/>
-              <a:cs typeface="Courier"/>
-              <a:sym typeface="Courier New"/>
-            </a:endParaRPr>
-          </a:p>
-        </p:txBody>
-      </p:sp>
-      <p:sp>
-        <p:nvSpPr>
-          <p:cNvPr id="21" name="Shape 408"/>
-          <p:cNvSpPr txBox="1"/>
-          <p:nvPr/>
-        </p:nvSpPr>
-        <p:spPr>
-          <a:xfrm>
-            <a:off x="7083585" y="4602279"/>
-            <a:ext cx="3393915" cy="1163389"/>
-          </a:xfrm>
-          <a:prstGeom prst="rect">
-            <a:avLst/>
-          </a:prstGeom>
-          <a:noFill/>
-          <a:ln w="50800" cap="rnd" cmpd="sng">
-            <a:solidFill>
-              <a:srgbClr val="FF9900"/>
-            </a:solidFill>
-            <a:prstDash val="solid"/>
-            <a:miter/>
-            <a:headEnd type="none" w="med" len="med"/>
-            <a:tailEnd type="none" w="med" len="med"/>
-          </a:ln>
-        </p:spPr>
-        <p:txBody>
-          <a:bodyPr lIns="0" tIns="0" rIns="0" bIns="0" anchor="ctr" anchorCtr="0">
-            <a:noAutofit/>
-          </a:bodyPr>
-          <a:lstStyle/>
-          <a:p>
-            <a:pPr marL="0" marR="0" lvl="0" indent="0" algn="ctr" rtl="0">
-              <a:lnSpc>
-                <a:spcPct val="100000"/>
-              </a:lnSpc>
-              <a:spcBef>
-                <a:spcPts val="0"/>
-              </a:spcBef>
-              <a:spcAft>
-                <a:spcPts val="0"/>
-              </a:spcAft>
-              <a:buClr>
-                <a:schemeClr val="lt1"/>
-              </a:buClr>
-              <a:buSzPct val="25000"/>
-              <a:buFont typeface="Cabin"/>
-              <a:buNone/>
-            </a:pPr>
-            <a:r>
-              <a:rPr lang="pl" sz="3200" b="0" i="0" u="none" strike="noStrike" cap="none" baseline="0">
-                <a:solidFill>
-                  <a:schemeClr val="lt1"/>
-                </a:solidFill>
-                <a:latin typeface="Arial" charset="0"/>
-                <a:ea typeface="Arial" charset="0"/>
-                <a:cs typeface="Arial" charset="0"/>
-                <a:sym typeface="Cabin"/>
-              </a:rPr>
-              <a:t>print('Nie więcej')</a:t>
             </a:r>
             <a:endParaRPr lang="pl" sz="3200" u="none" strike="noStrike" cap="none" dirty="0">
               <a:solidFill>
@@ -10695,63 +10701,6 @@
           </a:p>
         </p:txBody>
       </p:sp>
-      <p:sp>
-        <p:nvSpPr>
-          <p:cNvPr id="30" name="Shape 402"/>
-          <p:cNvSpPr txBox="1"/>
-          <p:nvPr/>
-        </p:nvSpPr>
-        <p:spPr>
-          <a:xfrm>
-            <a:off x="9315450" y="3293467"/>
-            <a:ext cx="740709" cy="511890"/>
-          </a:xfrm>
-          <a:prstGeom prst="rect">
-            <a:avLst/>
-          </a:prstGeom>
-          <a:noFill/>
-          <a:ln>
-            <a:noFill/>
-          </a:ln>
-        </p:spPr>
-        <p:txBody>
-          <a:bodyPr lIns="0" tIns="0" rIns="0" bIns="0" anchor="ctr" anchorCtr="0">
-            <a:noAutofit/>
-          </a:bodyPr>
-          <a:lstStyle/>
-          <a:p>
-            <a:pPr marL="0" marR="0" lvl="0" indent="0" algn="ctr" rtl="0">
-              <a:lnSpc>
-                <a:spcPct val="100000"/>
-              </a:lnSpc>
-              <a:spcBef>
-                <a:spcPts val="0"/>
-              </a:spcBef>
-              <a:spcAft>
-                <a:spcPts val="0"/>
-              </a:spcAft>
-              <a:buClr>
-                <a:schemeClr val="lt1"/>
-              </a:buClr>
-              <a:buSzPct val="25000"/>
-              <a:buFont typeface="Cabin"/>
-              <a:buNone/>
-            </a:pPr>
-            <a:r>
-              <a:rPr lang="pl" sz="3200" b="0" i="0" u="none" strike="noStrike" cap="none" baseline="0" dirty="0">
-                <a:solidFill>
-                  <a:schemeClr val="lt1"/>
-                </a:solidFill>
-                <a:latin typeface="Arial" charset="0"/>
-                <a:ea typeface="Arial" charset="0"/>
-                <a:cs typeface="Arial" charset="0"/>
-                <a:sym typeface="Cabin"/>
-              </a:rPr>
-              <a:t>nie</a:t>
-            </a:r>
-          </a:p>
-        </p:txBody>
-      </p:sp>
       <p:cxnSp>
         <p:nvCxnSpPr>
           <p:cNvPr id="31" name="Shape 403"/>
@@ -10869,14 +10818,66 @@
       </p:sp>
       <p:cxnSp>
         <p:nvCxnSpPr>
-          <p:cNvPr id="34" name="Shape 406"/>
+          <p:cNvPr id="35" name="Shape 407"/>
           <p:cNvCxnSpPr/>
           <p:nvPr/>
         </p:nvCxnSpPr>
         <p:spPr>
           <a:xfrm rot="10800000" flipH="1">
-            <a:off x="8805517" y="3915880"/>
-            <a:ext cx="1278272" cy="11633"/>
+            <a:off x="8788067" y="3910062"/>
+            <a:ext cx="17450" cy="683491"/>
+          </a:xfrm>
+          <a:prstGeom prst="straightConnector1">
+            <a:avLst/>
+          </a:prstGeom>
+          <a:noFill/>
+          <a:ln w="63500" cap="rnd" cmpd="sng">
+            <a:solidFill>
+              <a:srgbClr val="FF9900"/>
+            </a:solidFill>
+            <a:prstDash val="solid"/>
+            <a:miter/>
+            <a:headEnd type="stealth" w="med" len="med"/>
+            <a:tailEnd type="none" w="med" len="med"/>
+          </a:ln>
+        </p:spPr>
+      </p:cxnSp>
+      <p:cxnSp>
+        <p:nvCxnSpPr>
+          <p:cNvPr id="36" name="Shape 409"/>
+          <p:cNvCxnSpPr/>
+          <p:nvPr/>
+        </p:nvCxnSpPr>
+        <p:spPr>
+          <a:xfrm flipH="1">
+            <a:off x="8783702" y="6222298"/>
+            <a:ext cx="2856119" cy="2908"/>
+          </a:xfrm>
+          <a:prstGeom prst="straightConnector1">
+            <a:avLst/>
+          </a:prstGeom>
+          <a:noFill/>
+          <a:ln w="63500" cap="rnd" cmpd="sng">
+            <a:solidFill>
+              <a:srgbClr val="FF9900"/>
+            </a:solidFill>
+            <a:prstDash val="solid"/>
+            <a:miter/>
+            <a:headEnd type="stealth" w="med" len="med"/>
+            <a:tailEnd type="none" w="med" len="med"/>
+          </a:ln>
+        </p:spPr>
+      </p:cxnSp>
+      <p:cxnSp>
+        <p:nvCxnSpPr>
+          <p:cNvPr id="37" name="Shape 410"/>
+          <p:cNvCxnSpPr/>
+          <p:nvPr/>
+        </p:nvCxnSpPr>
+        <p:spPr>
+          <a:xfrm rot="10800000">
+            <a:off x="8757526" y="5777302"/>
+            <a:ext cx="8725" cy="423181"/>
           </a:xfrm>
           <a:prstGeom prst="straightConnector1">
             <a:avLst/>
@@ -10895,13 +10896,13 @@
       </p:cxnSp>
       <p:cxnSp>
         <p:nvCxnSpPr>
-          <p:cNvPr id="35" name="Shape 407"/>
+          <p:cNvPr id="38" name="Shape 411"/>
           <p:cNvCxnSpPr/>
           <p:nvPr/>
         </p:nvCxnSpPr>
         <p:spPr>
           <a:xfrm rot="10800000" flipH="1">
-            <a:off x="8788067" y="3910062"/>
+            <a:off x="11650004" y="6283375"/>
             <a:ext cx="17450" cy="683491"/>
           </a:xfrm>
           <a:prstGeom prst="straightConnector1">
@@ -10910,7 +10911,7 @@
           <a:noFill/>
           <a:ln w="63500" cap="rnd" cmpd="sng">
             <a:solidFill>
-              <a:srgbClr val="FF9900"/>
+              <a:srgbClr val="00FFFF"/>
             </a:solidFill>
             <a:prstDash val="solid"/>
             <a:miter/>
@@ -10919,42 +10920,235 @@
           </a:ln>
         </p:spPr>
       </p:cxnSp>
-      <p:cxnSp>
-        <p:nvCxnSpPr>
-          <p:cNvPr id="36" name="Shape 409"/>
-          <p:cNvCxnSpPr/>
+      <p:sp>
+        <p:nvSpPr>
+          <p:cNvPr id="40" name="Shape 408"/>
+          <p:cNvSpPr txBox="1"/>
           <p:nvPr/>
-        </p:nvCxnSpPr>
-        <p:spPr>
-          <a:xfrm flipH="1">
-            <a:off x="8783702" y="6222298"/>
-            <a:ext cx="2856119" cy="2908"/>
-          </a:xfrm>
-          <a:prstGeom prst="straightConnector1">
+        </p:nvSpPr>
+        <p:spPr>
+          <a:xfrm>
+            <a:off x="7083585" y="4602279"/>
+            <a:ext cx="3393915" cy="1163389"/>
+          </a:xfrm>
+          <a:prstGeom prst="rect">
             <a:avLst/>
           </a:prstGeom>
           <a:noFill/>
-          <a:ln w="63500" cap="rnd" cmpd="sng">
+          <a:ln w="50800" cap="rnd" cmpd="sng">
             <a:solidFill>
               <a:srgbClr val="FF9900"/>
             </a:solidFill>
             <a:prstDash val="solid"/>
             <a:miter/>
-            <a:headEnd type="stealth" w="med" len="med"/>
+            <a:headEnd type="none" w="med" len="med"/>
             <a:tailEnd type="none" w="med" len="med"/>
           </a:ln>
         </p:spPr>
-      </p:cxnSp>
+        <p:txBody>
+          <a:bodyPr lIns="0" tIns="0" rIns="0" bIns="0" anchor="ctr" anchorCtr="0">
+            <a:noAutofit/>
+          </a:bodyPr>
+          <a:lstStyle/>
+          <a:p>
+            <a:pPr marL="0" marR="0" lvl="0" indent="0" algn="ctr" rtl="0">
+              <a:lnSpc>
+                <a:spcPct val="100000"/>
+              </a:lnSpc>
+              <a:spcBef>
+                <a:spcPts val="0"/>
+              </a:spcBef>
+              <a:spcAft>
+                <a:spcPts val="0"/>
+              </a:spcAft>
+              <a:buClr>
+                <a:schemeClr val="lt1"/>
+              </a:buClr>
+              <a:buSzPct val="25000"/>
+              <a:buFont typeface="Cabin"/>
+              <a:buNone/>
+            </a:pPr>
+            <a:r>
+              <a:rPr lang="pl" sz="3200" b="0" i="0" u="none" strike="noStrike" cap="none" baseline="0">
+                <a:solidFill>
+                  <a:schemeClr val="lt1"/>
+                </a:solidFill>
+                <a:latin typeface="Arial" charset="0"/>
+                <a:ea typeface="Arial" charset="0"/>
+                <a:cs typeface="Arial" charset="0"/>
+                <a:sym typeface="Cabin"/>
+              </a:rPr>
+              <a:t>print('Nie więcej')</a:t>
+            </a:r>
+            <a:endParaRPr lang="pl" sz="3200" u="none" strike="noStrike" cap="none" dirty="0">
+              <a:solidFill>
+                <a:schemeClr val="lt1"/>
+              </a:solidFill>
+              <a:latin typeface="Arial" charset="0"/>
+              <a:ea typeface="Arial" charset="0"/>
+              <a:cs typeface="Arial" charset="0"/>
+              <a:sym typeface="Cabin"/>
+            </a:endParaRPr>
+          </a:p>
+        </p:txBody>
+      </p:sp>
+      <p:sp>
+        <p:nvSpPr>
+          <p:cNvPr id="41" name="Shape 412">
+            <a:extLst>
+              <a:ext uri="{FF2B5EF4-FFF2-40B4-BE49-F238E27FC236}">
+                <a16:creationId xmlns:a16="http://schemas.microsoft.com/office/drawing/2014/main" id="{2E556502-1841-41B1-A4C1-D7B32A531992}"/>
+              </a:ext>
+            </a:extLst>
+          </p:cNvPr>
+          <p:cNvSpPr txBox="1"/>
+          <p:nvPr/>
+        </p:nvSpPr>
+        <p:spPr>
+          <a:xfrm>
+            <a:off x="10015442" y="6940691"/>
+            <a:ext cx="3176051" cy="1001046"/>
+          </a:xfrm>
+          <a:prstGeom prst="rect">
+            <a:avLst/>
+          </a:prstGeom>
+          <a:noFill/>
+          <a:ln w="50800" cap="rnd" cmpd="sng">
+            <a:solidFill>
+              <a:srgbClr val="00FFFF"/>
+            </a:solidFill>
+            <a:prstDash val="solid"/>
+            <a:miter/>
+            <a:headEnd type="none" w="med" len="med"/>
+            <a:tailEnd type="none" w="med" len="med"/>
+          </a:ln>
+        </p:spPr>
+        <p:txBody>
+          <a:bodyPr lIns="0" tIns="0" rIns="0" bIns="0" anchor="ctr" anchorCtr="0">
+            <a:noAutofit/>
+          </a:bodyPr>
+          <a:lstStyle/>
+          <a:p>
+            <a:pPr marL="0" marR="0" lvl="0" indent="0" algn="ctr" rtl="0">
+              <a:lnSpc>
+                <a:spcPct val="100000"/>
+              </a:lnSpc>
+              <a:spcBef>
+                <a:spcPts val="0"/>
+              </a:spcBef>
+              <a:spcAft>
+                <a:spcPts val="0"/>
+              </a:spcAft>
+              <a:buClr>
+                <a:schemeClr val="lt1"/>
+              </a:buClr>
+              <a:buSzPct val="25000"/>
+              <a:buFont typeface="Cabin"/>
+              <a:buNone/>
+            </a:pPr>
+            <a:r>
+              <a:rPr lang="pl" sz="3200" b="0" i="0" u="none" strike="noStrike" cap="none" baseline="0" dirty="0">
+                <a:solidFill>
+                  <a:schemeClr val="lt1"/>
+                </a:solidFill>
+                <a:latin typeface="Arial" charset="0"/>
+                <a:ea typeface="Arial" charset="0"/>
+                <a:cs typeface="Arial" charset="0"/>
+                <a:sym typeface="Cabin"/>
+              </a:rPr>
+              <a:t>print('Wszystko skończone')</a:t>
+            </a:r>
+            <a:endParaRPr lang="pl" sz="3200" u="none" strike="noStrike" cap="none" dirty="0">
+              <a:solidFill>
+                <a:schemeClr val="lt1"/>
+              </a:solidFill>
+              <a:latin typeface="Arial" charset="0"/>
+              <a:ea typeface="Arial" charset="0"/>
+              <a:cs typeface="Arial" charset="0"/>
+              <a:sym typeface="Cabin"/>
+            </a:endParaRPr>
+          </a:p>
+        </p:txBody>
+      </p:sp>
+      <p:sp>
+        <p:nvSpPr>
+          <p:cNvPr id="42" name="Shape 402">
+            <a:extLst>
+              <a:ext uri="{FF2B5EF4-FFF2-40B4-BE49-F238E27FC236}">
+                <a16:creationId xmlns:a16="http://schemas.microsoft.com/office/drawing/2014/main" id="{2E945D1F-C4C4-49A0-80F2-7A91435DAC0A}"/>
+              </a:ext>
+            </a:extLst>
+          </p:cNvPr>
+          <p:cNvSpPr txBox="1"/>
+          <p:nvPr/>
+        </p:nvSpPr>
+        <p:spPr>
+          <a:xfrm>
+            <a:off x="9225615" y="3293467"/>
+            <a:ext cx="830544" cy="511890"/>
+          </a:xfrm>
+          <a:prstGeom prst="rect">
+            <a:avLst/>
+          </a:prstGeom>
+          <a:noFill/>
+          <a:ln>
+            <a:noFill/>
+          </a:ln>
+        </p:spPr>
+        <p:txBody>
+          <a:bodyPr lIns="0" tIns="0" rIns="0" bIns="0" anchor="ctr" anchorCtr="0">
+            <a:noAutofit/>
+          </a:bodyPr>
+          <a:lstStyle/>
+          <a:p>
+            <a:pPr marL="0" marR="0" lvl="0" indent="0" algn="ctr" rtl="0">
+              <a:lnSpc>
+                <a:spcPct val="100000"/>
+              </a:lnSpc>
+              <a:spcBef>
+                <a:spcPts val="0"/>
+              </a:spcBef>
+              <a:spcAft>
+                <a:spcPts val="0"/>
+              </a:spcAft>
+              <a:buClr>
+                <a:schemeClr val="lt1"/>
+              </a:buClr>
+              <a:buSzPct val="25000"/>
+              <a:buFont typeface="Cabin"/>
+              <a:buNone/>
+            </a:pPr>
+            <a:r>
+              <a:rPr lang="pl" sz="3200" b="0" i="0" u="none" strike="noStrike" cap="none" baseline="0" dirty="0">
+                <a:solidFill>
+                  <a:schemeClr val="lt1"/>
+                </a:solidFill>
+                <a:latin typeface="Arial" charset="0"/>
+                <a:ea typeface="Arial" charset="0"/>
+                <a:cs typeface="Arial" charset="0"/>
+                <a:sym typeface="Cabin"/>
+              </a:rPr>
+              <a:t>nie</a:t>
+            </a:r>
+          </a:p>
+        </p:txBody>
+      </p:sp>
       <p:cxnSp>
         <p:nvCxnSpPr>
-          <p:cNvPr id="37" name="Shape 410"/>
+          <p:cNvPr id="43" name="Shape 406">
+            <a:extLst>
+              <a:ext uri="{FF2B5EF4-FFF2-40B4-BE49-F238E27FC236}">
+                <a16:creationId xmlns:a16="http://schemas.microsoft.com/office/drawing/2014/main" id="{987B1873-34F9-47F9-ACBF-0889DF70ADDC}"/>
+              </a:ext>
+            </a:extLst>
+          </p:cNvPr>
           <p:cNvCxnSpPr/>
           <p:nvPr/>
         </p:nvCxnSpPr>
         <p:spPr>
-          <a:xfrm rot="10800000">
-            <a:off x="8757526" y="5777302"/>
-            <a:ext cx="8725" cy="423181"/>
+          <a:xfrm>
+            <a:off x="8805517" y="3910062"/>
+            <a:ext cx="1209925" cy="5819"/>
           </a:xfrm>
           <a:prstGeom prst="straightConnector1">
             <a:avLst/>
@@ -10971,176 +11165,6 @@
           </a:ln>
         </p:spPr>
       </p:cxnSp>
-      <p:cxnSp>
-        <p:nvCxnSpPr>
-          <p:cNvPr id="38" name="Shape 411"/>
-          <p:cNvCxnSpPr/>
-          <p:nvPr/>
-        </p:nvCxnSpPr>
-        <p:spPr>
-          <a:xfrm rot="10800000" flipH="1">
-            <a:off x="11650004" y="6283375"/>
-            <a:ext cx="17450" cy="683491"/>
-          </a:xfrm>
-          <a:prstGeom prst="straightConnector1">
-            <a:avLst/>
-          </a:prstGeom>
-          <a:noFill/>
-          <a:ln w="63500" cap="rnd" cmpd="sng">
-            <a:solidFill>
-              <a:srgbClr val="00FFFF"/>
-            </a:solidFill>
-            <a:prstDash val="solid"/>
-            <a:miter/>
-            <a:headEnd type="stealth" w="med" len="med"/>
-            <a:tailEnd type="none" w="med" len="med"/>
-          </a:ln>
-        </p:spPr>
-      </p:cxnSp>
-      <p:sp>
-        <p:nvSpPr>
-          <p:cNvPr id="39" name="Shape 412"/>
-          <p:cNvSpPr txBox="1"/>
-          <p:nvPr/>
-        </p:nvSpPr>
-        <p:spPr>
-          <a:xfrm>
-            <a:off x="10015442" y="6940691"/>
-            <a:ext cx="3176051" cy="1085142"/>
-          </a:xfrm>
-          <a:prstGeom prst="rect">
-            <a:avLst/>
-          </a:prstGeom>
-          <a:noFill/>
-          <a:ln w="50800" cap="rnd" cmpd="sng">
-            <a:solidFill>
-              <a:srgbClr val="00FFFF"/>
-            </a:solidFill>
-            <a:prstDash val="solid"/>
-            <a:miter/>
-            <a:headEnd type="none" w="med" len="med"/>
-            <a:tailEnd type="none" w="med" len="med"/>
-          </a:ln>
-        </p:spPr>
-        <p:txBody>
-          <a:bodyPr lIns="0" tIns="0" rIns="0" bIns="0" anchor="ctr" anchorCtr="0">
-            <a:noAutofit/>
-          </a:bodyPr>
-          <a:lstStyle/>
-          <a:p>
-            <a:pPr marL="0" marR="0" lvl="0" indent="0" algn="ctr" rtl="0">
-              <a:lnSpc>
-                <a:spcPct val="100000"/>
-              </a:lnSpc>
-              <a:spcBef>
-                <a:spcPts val="0"/>
-              </a:spcBef>
-              <a:spcAft>
-                <a:spcPts val="0"/>
-              </a:spcAft>
-              <a:buClr>
-                <a:schemeClr val="lt1"/>
-              </a:buClr>
-              <a:buSzPct val="25000"/>
-              <a:buFont typeface="Cabin"/>
-              <a:buNone/>
-            </a:pPr>
-            <a:r>
-              <a:rPr lang="pl" sz="3300" b="0" i="0" u="none" strike="noStrike" cap="none" baseline="0">
-                <a:solidFill>
-                  <a:schemeClr val="lt1"/>
-                </a:solidFill>
-                <a:latin typeface="Arial" charset="0"/>
-                <a:ea typeface="Arial" charset="0"/>
-                <a:cs typeface="Arial" charset="0"/>
-                <a:sym typeface="Cabin"/>
-              </a:rPr>
-              <a:t>print('Wszystko skończone')</a:t>
-            </a:r>
-            <a:endParaRPr lang="pl" sz="3300" u="none" strike="noStrike" cap="none" dirty="0">
-              <a:solidFill>
-                <a:schemeClr val="lt1"/>
-              </a:solidFill>
-              <a:latin typeface="Arial" charset="0"/>
-              <a:ea typeface="Arial" charset="0"/>
-              <a:cs typeface="Arial" charset="0"/>
-              <a:sym typeface="Cabin"/>
-            </a:endParaRPr>
-          </a:p>
-        </p:txBody>
-      </p:sp>
-      <p:sp>
-        <p:nvSpPr>
-          <p:cNvPr id="40" name="Shape 408"/>
-          <p:cNvSpPr txBox="1"/>
-          <p:nvPr/>
-        </p:nvSpPr>
-        <p:spPr>
-          <a:xfrm>
-            <a:off x="7083585" y="4602279"/>
-            <a:ext cx="3393915" cy="1163389"/>
-          </a:xfrm>
-          <a:prstGeom prst="rect">
-            <a:avLst/>
-          </a:prstGeom>
-          <a:noFill/>
-          <a:ln w="50800" cap="rnd" cmpd="sng">
-            <a:solidFill>
-              <a:srgbClr val="FF9900"/>
-            </a:solidFill>
-            <a:prstDash val="solid"/>
-            <a:miter/>
-            <a:headEnd type="none" w="med" len="med"/>
-            <a:tailEnd type="none" w="med" len="med"/>
-          </a:ln>
-        </p:spPr>
-        <p:txBody>
-          <a:bodyPr lIns="0" tIns="0" rIns="0" bIns="0" anchor="ctr" anchorCtr="0">
-            <a:noAutofit/>
-          </a:bodyPr>
-          <a:lstStyle/>
-          <a:p>
-            <a:pPr marL="0" marR="0" lvl="0" indent="0" algn="ctr" rtl="0">
-              <a:lnSpc>
-                <a:spcPct val="100000"/>
-              </a:lnSpc>
-              <a:spcBef>
-                <a:spcPts val="0"/>
-              </a:spcBef>
-              <a:spcAft>
-                <a:spcPts val="0"/>
-              </a:spcAft>
-              <a:buClr>
-                <a:schemeClr val="lt1"/>
-              </a:buClr>
-              <a:buSzPct val="25000"/>
-              <a:buFont typeface="Cabin"/>
-              <a:buNone/>
-            </a:pPr>
-            <a:r>
-              <a:rPr lang="pl" sz="3200" b="0" i="0" u="none" strike="noStrike" cap="none" baseline="0">
-                <a:solidFill>
-                  <a:schemeClr val="lt1"/>
-                </a:solidFill>
-                <a:latin typeface="Arial" charset="0"/>
-                <a:ea typeface="Arial" charset="0"/>
-                <a:cs typeface="Arial" charset="0"/>
-                <a:sym typeface="Cabin"/>
-              </a:rPr>
-              <a:t>print('Nie więcej')</a:t>
-            </a:r>
-            <a:endParaRPr lang="pl" sz="3200" u="none" strike="noStrike" cap="none" dirty="0">
-              <a:solidFill>
-                <a:schemeClr val="lt1"/>
-              </a:solidFill>
-              <a:latin typeface="Arial" charset="0"/>
-              <a:ea typeface="Arial" charset="0"/>
-              <a:cs typeface="Arial" charset="0"/>
-              <a:sym typeface="Cabin"/>
-            </a:endParaRPr>
-          </a:p>
-        </p:txBody>
-      </p:sp>
     </p:spTree>
     <p:extLst>
       <p:ext uri="{BB962C8B-B14F-4D97-AF65-F5344CB8AC3E}">
@@ -12780,7 +12804,7 @@
               <a:buNone/>
             </a:pPr>
             <a:r>
-              <a:rPr lang="pl" sz="3000" b="0" i="0" u="none" strike="noStrike" cap="none" baseline="0">
+              <a:rPr lang="pl" sz="3000" b="0" i="0" u="none" strike="noStrike" cap="none" baseline="0" dirty="0">
                 <a:solidFill>
                   <a:schemeClr val="bg1"/>
                 </a:solidFill>
@@ -12811,7 +12835,7 @@
               <a:buNone/>
             </a:pPr>
             <a:r>
-              <a:rPr lang="pl" sz="3000" b="0" i="0" u="none" strike="noStrike" cap="none" baseline="0">
+              <a:rPr lang="pl" sz="3000" b="0" i="0" u="none" strike="noStrike" cap="none" baseline="0" dirty="0">
                 <a:solidFill>
                   <a:srgbClr val="FFC000"/>
                 </a:solidFill>
@@ -12831,7 +12855,7 @@
               <a:buSzPct val="25000"/>
             </a:pPr>
             <a:r>
-              <a:rPr lang="pl" sz="3000" b="0" i="0" u="none" strike="noStrike" cap="none" baseline="0">
+              <a:rPr lang="pl" sz="3000" b="0" i="0" u="none" strike="noStrike" cap="none" baseline="0" dirty="0">
                 <a:solidFill>
                   <a:srgbClr val="FFC000"/>
                 </a:solidFill>
@@ -12843,7 +12867,7 @@
               <a:t>    print('mało'</a:t>
             </a:r>
             <a:r>
-              <a:rPr lang="pl" sz="3000" b="0" i="0" u="none" baseline="0">
+              <a:rPr lang="pl" sz="3000" b="0" i="0" u="none" baseline="0" dirty="0">
                 <a:solidFill>
                   <a:srgbClr val="FFC000"/>
                 </a:solidFill>
@@ -12883,7 +12907,7 @@
               <a:buNone/>
             </a:pPr>
             <a:r>
-              <a:rPr lang="pl" sz="3000" b="0" i="0" u="none" strike="noStrike" cap="none" baseline="0">
+              <a:rPr lang="pl" sz="3000" b="0" i="0" u="none" strike="noStrike" cap="none" baseline="0" dirty="0">
                 <a:solidFill>
                   <a:srgbClr val="00FF00"/>
                 </a:solidFill>
@@ -12895,7 +12919,7 @@
               <a:t>elif</a:t>
             </a:r>
             <a:r>
-              <a:rPr lang="pl" sz="3000" b="0" i="0" u="none" strike="noStrike" cap="none" baseline="0">
+              <a:rPr lang="pl" sz="3000" b="0" i="0" u="none" strike="noStrike" cap="none" baseline="0" dirty="0">
                 <a:solidFill>
                   <a:schemeClr val="lt1"/>
                 </a:solidFill>
@@ -12915,7 +12939,7 @@
               <a:buSzPct val="25000"/>
             </a:pPr>
             <a:r>
-              <a:rPr lang="pl" sz="3000" b="0" i="0" u="none" strike="noStrike" cap="none" baseline="0">
+              <a:rPr lang="pl" sz="3000" b="0" i="0" u="none" strike="noStrike" cap="none" baseline="0" dirty="0">
                 <a:solidFill>
                   <a:schemeClr val="lt1"/>
                 </a:solidFill>
@@ -12927,7 +12951,7 @@
               <a:t>    </a:t>
             </a:r>
             <a:r>
-              <a:rPr lang="pl" sz="3000" b="0" i="0" u="none" strike="noStrike" cap="none" baseline="0">
+              <a:rPr lang="pl" sz="3000" b="0" i="0" u="none" strike="noStrike" cap="none" baseline="0" dirty="0">
                 <a:solidFill>
                   <a:srgbClr val="00FF00"/>
                 </a:solidFill>
@@ -12939,7 +12963,7 @@
               <a:t>print(</a:t>
             </a:r>
             <a:r>
-              <a:rPr lang="pl" sz="3000" b="0" i="0" u="none" strike="noStrike" cap="none" baseline="0">
+              <a:rPr lang="pl" sz="3000" b="0" i="0" u="none" strike="noStrike" cap="none" baseline="0" dirty="0">
                 <a:solidFill>
                   <a:schemeClr val="lt1"/>
                 </a:solidFill>
@@ -12951,7 +12975,7 @@
               <a:t>'</a:t>
             </a:r>
             <a:r>
-              <a:rPr lang="pl" sz="3000" b="0" i="0" u="none" baseline="0">
+              <a:rPr lang="pl" sz="3000" b="0" i="0" u="none" baseline="0" dirty="0">
                 <a:solidFill>
                   <a:schemeClr val="lt1"/>
                 </a:solidFill>
@@ -12963,7 +12987,7 @@
               <a:t>Średnio'</a:t>
             </a:r>
             <a:r>
-              <a:rPr lang="pl" sz="3000" b="0" i="0" u="none" baseline="0">
+              <a:rPr lang="pl" sz="3000" b="0" i="0" u="none" baseline="0" dirty="0">
                 <a:solidFill>
                   <a:srgbClr val="00FF00"/>
                 </a:solidFill>
@@ -13003,7 +13027,7 @@
               <a:buNone/>
             </a:pPr>
             <a:r>
-              <a:rPr lang="pl" sz="3000" b="0" i="0" u="none" strike="noStrike" cap="none" baseline="0">
+              <a:rPr lang="pl" sz="3000" b="0" i="0" u="none" strike="noStrike" cap="none" baseline="0" dirty="0">
                 <a:solidFill>
                   <a:srgbClr val="00FF00"/>
                 </a:solidFill>
@@ -13015,7 +13039,7 @@
               <a:t>else</a:t>
             </a:r>
             <a:r>
-              <a:rPr lang="pl" sz="3000" b="0" i="0" u="none" strike="noStrike" cap="none" baseline="0">
+              <a:rPr lang="pl" sz="3000" b="0" i="0" u="none" strike="noStrike" cap="none" baseline="0" dirty="0">
                 <a:solidFill>
                   <a:schemeClr val="lt1"/>
                 </a:solidFill>
@@ -13035,7 +13059,7 @@
               <a:buSzPct val="25000"/>
             </a:pPr>
             <a:r>
-              <a:rPr lang="pl" sz="3000" b="0" i="0" u="none" strike="noStrike" cap="none" baseline="0">
+              <a:rPr lang="pl" sz="3000" b="0" i="0" u="none" strike="noStrike" cap="none" baseline="0" dirty="0">
                 <a:solidFill>
                   <a:schemeClr val="lt1"/>
                 </a:solidFill>
@@ -13047,7 +13071,7 @@
               <a:t>    </a:t>
             </a:r>
             <a:r>
-              <a:rPr lang="pl" sz="3000" b="0" i="0" u="none" strike="noStrike" cap="none" baseline="0">
+              <a:rPr lang="pl" sz="3000" b="0" i="0" u="none" strike="noStrike" cap="none" baseline="0" dirty="0">
                 <a:solidFill>
                   <a:srgbClr val="00FF00"/>
                 </a:solidFill>
@@ -13059,7 +13083,7 @@
               <a:t>print(</a:t>
             </a:r>
             <a:r>
-              <a:rPr lang="pl" sz="3000" b="0" i="0" u="none" strike="noStrike" cap="none" baseline="0">
+              <a:rPr lang="pl" sz="3000" b="0" i="0" u="none" strike="noStrike" cap="none" baseline="0" dirty="0">
                 <a:solidFill>
                   <a:schemeClr val="lt1"/>
                 </a:solidFill>
@@ -13071,7 +13095,7 @@
               <a:t>'DUŻO'</a:t>
             </a:r>
             <a:r>
-              <a:rPr lang="pl" sz="3000" b="0" i="0" u="none" baseline="0">
+              <a:rPr lang="pl" sz="3000" b="0" i="0" u="none" baseline="0" dirty="0">
                 <a:solidFill>
                   <a:srgbClr val="00FF00"/>
                 </a:solidFill>
@@ -13100,7 +13124,7 @@
               <a:buSzPct val="25000"/>
             </a:pPr>
             <a:r>
-              <a:rPr lang="pl" sz="3000" b="0" i="0" u="none" strike="noStrike" cap="none" baseline="0">
+              <a:rPr lang="pl" sz="3000" b="0" i="0" u="none" strike="noStrike" cap="none" baseline="0" dirty="0">
                 <a:solidFill>
                   <a:srgbClr val="FFC000"/>
                 </a:solidFill>
@@ -13112,7 +13136,7 @@
               <a:t>print</a:t>
             </a:r>
             <a:r>
-              <a:rPr lang="pl" sz="3000" b="0" i="0" u="none" baseline="0">
+              <a:rPr lang="pl" sz="3000" b="0" i="0" u="none" baseline="0" dirty="0">
                 <a:solidFill>
                   <a:srgbClr val="FFC000"/>
                 </a:solidFill>
@@ -13124,7 +13148,7 @@
               <a:t>(</a:t>
             </a:r>
             <a:r>
-              <a:rPr lang="pl" sz="3000" b="0" i="0" u="none" strike="noStrike" cap="none" baseline="0">
+              <a:rPr lang="pl" sz="3000" b="0" i="0" u="none" strike="noStrike" cap="none" baseline="0" dirty="0">
                 <a:solidFill>
                   <a:srgbClr val="FFC000"/>
                 </a:solidFill>
@@ -13133,10 +13157,10 @@
                 <a:cs typeface="Courier"/>
                 <a:sym typeface="Courier New"/>
               </a:rPr>
-              <a:t>'Wszystko gotowe'</a:t>
-            </a:r>
-            <a:r>
-              <a:rPr lang="pl" sz="3000" b="0" i="0" u="none" baseline="0">
+              <a:t>'Wszystko skończone'</a:t>
+            </a:r>
+            <a:r>
+              <a:rPr lang="pl" sz="3000" b="0" i="0" u="none" baseline="0" dirty="0">
                 <a:solidFill>
                   <a:srgbClr val="FFC000"/>
                 </a:solidFill>
@@ -14259,7 +14283,7 @@
               <a:buSzPct val="25000"/>
             </a:pPr>
             <a:r>
-              <a:rPr lang="pl" sz="3000" b="0" i="0" u="none" baseline="0">
+              <a:rPr lang="pl" sz="3000" b="0" i="0" u="none" baseline="0" dirty="0">
                 <a:solidFill>
                   <a:schemeClr val="bg1"/>
                 </a:solidFill>
@@ -14299,7 +14323,7 @@
               <a:buNone/>
             </a:pPr>
             <a:r>
-              <a:rPr lang="pl" sz="3000" b="0" i="0" u="none" strike="noStrike" cap="none" baseline="0">
+              <a:rPr lang="pl" sz="3000" b="0" i="0" u="none" strike="noStrike" cap="none" baseline="0" dirty="0">
                 <a:solidFill>
                   <a:srgbClr val="FFC000"/>
                 </a:solidFill>
@@ -14319,7 +14343,7 @@
               <a:buSzPct val="25000"/>
             </a:pPr>
             <a:r>
-              <a:rPr lang="pl" sz="3000" b="0" i="0" u="none" strike="noStrike" cap="none" baseline="0">
+              <a:rPr lang="pl" sz="3000" b="0" i="0" u="none" strike="noStrike" cap="none" baseline="0" dirty="0">
                 <a:solidFill>
                   <a:schemeClr val="lt1"/>
                 </a:solidFill>
@@ -14331,7 +14355,7 @@
               <a:t>    </a:t>
             </a:r>
             <a:r>
-              <a:rPr lang="pl" sz="3000" b="0" i="0" u="none" strike="noStrike" cap="none" baseline="0">
+              <a:rPr lang="pl" sz="3000" b="0" i="0" u="none" strike="noStrike" cap="none" baseline="0" dirty="0">
                 <a:solidFill>
                   <a:srgbClr val="00FF00"/>
                 </a:solidFill>
@@ -14343,7 +14367,7 @@
               <a:t>print(</a:t>
             </a:r>
             <a:r>
-              <a:rPr lang="pl" sz="3000" b="0" i="0" u="none" strike="noStrike" cap="none" baseline="0">
+              <a:rPr lang="pl" sz="3000" b="0" i="0" u="none" strike="noStrike" cap="none" baseline="0" dirty="0">
                 <a:solidFill>
                   <a:schemeClr val="lt1"/>
                 </a:solidFill>
@@ -14355,7 +14379,7 @@
               <a:t>'mało'</a:t>
             </a:r>
             <a:r>
-              <a:rPr lang="pl" sz="3000" b="0" i="0" u="none" baseline="0">
+              <a:rPr lang="pl" sz="3000" b="0" i="0" u="none" baseline="0" dirty="0">
                 <a:solidFill>
                   <a:srgbClr val="00FF00"/>
                 </a:solidFill>
@@ -14395,7 +14419,7 @@
               <a:buNone/>
             </a:pPr>
             <a:r>
-              <a:rPr lang="pl" sz="3000" b="0" i="0" u="none" strike="noStrike" cap="none" baseline="0">
+              <a:rPr lang="pl" sz="3000" b="0" i="0" u="none" strike="noStrike" cap="none" baseline="0" dirty="0">
                 <a:solidFill>
                   <a:srgbClr val="FFC000"/>
                 </a:solidFill>
@@ -14415,7 +14439,7 @@
               <a:buSzPct val="25000"/>
             </a:pPr>
             <a:r>
-              <a:rPr lang="pl" sz="3000" b="0" i="0" u="none" strike="noStrike" cap="none" baseline="0">
+              <a:rPr lang="pl" sz="3000" b="0" i="0" u="none" strike="noStrike" cap="none" baseline="0" dirty="0">
                 <a:solidFill>
                   <a:srgbClr val="FFC000"/>
                 </a:solidFill>
@@ -14427,7 +14451,7 @@
               <a:t>    print('</a:t>
             </a:r>
             <a:r>
-              <a:rPr lang="pl" sz="3000" b="0" i="0" u="none" baseline="0">
+              <a:rPr lang="pl" sz="3000" b="0" i="0" u="none" baseline="0" dirty="0">
                 <a:solidFill>
                   <a:srgbClr val="FFC000"/>
                 </a:solidFill>
@@ -14467,7 +14491,7 @@
               <a:buNone/>
             </a:pPr>
             <a:r>
-              <a:rPr lang="pl" sz="3000" b="0" i="0" u="none" strike="noStrike" cap="none" baseline="0">
+              <a:rPr lang="pl" sz="3000" b="0" i="0" u="none" strike="noStrike" cap="none" baseline="0" dirty="0">
                 <a:solidFill>
                   <a:srgbClr val="00FF00"/>
                 </a:solidFill>
@@ -14479,7 +14503,7 @@
               <a:t>else</a:t>
             </a:r>
             <a:r>
-              <a:rPr lang="pl" sz="3000" b="0" i="0" u="none" strike="noStrike" cap="none" baseline="0">
+              <a:rPr lang="pl" sz="3000" b="0" i="0" u="none" strike="noStrike" cap="none" baseline="0" dirty="0">
                 <a:solidFill>
                   <a:schemeClr val="lt1"/>
                 </a:solidFill>
@@ -14499,7 +14523,7 @@
               <a:buSzPct val="25000"/>
             </a:pPr>
             <a:r>
-              <a:rPr lang="pl" sz="3000" b="0" i="0" u="none" strike="noStrike" cap="none" baseline="0">
+              <a:rPr lang="pl" sz="3000" b="0" i="0" u="none" strike="noStrike" cap="none" baseline="0" dirty="0">
                 <a:solidFill>
                   <a:schemeClr val="lt1"/>
                 </a:solidFill>
@@ -14511,7 +14535,7 @@
               <a:t>    </a:t>
             </a:r>
             <a:r>
-              <a:rPr lang="pl" sz="3000" b="0" i="0" u="none" strike="noStrike" cap="none" baseline="0">
+              <a:rPr lang="pl" sz="3000" b="0" i="0" u="none" strike="noStrike" cap="none" baseline="0" dirty="0">
                 <a:solidFill>
                   <a:srgbClr val="00FF00"/>
                 </a:solidFill>
@@ -14523,7 +14547,7 @@
               <a:t>print(</a:t>
             </a:r>
             <a:r>
-              <a:rPr lang="pl" sz="3000" b="0" i="0" u="none" strike="noStrike" cap="none" baseline="0">
+              <a:rPr lang="pl" sz="3000" b="0" i="0" u="none" strike="noStrike" cap="none" baseline="0" dirty="0">
                 <a:solidFill>
                   <a:schemeClr val="lt1"/>
                 </a:solidFill>
@@ -14535,7 +14559,7 @@
               <a:t>'DUŻO'</a:t>
             </a:r>
             <a:r>
-              <a:rPr lang="pl" sz="3000" b="0" i="0" u="none" baseline="0">
+              <a:rPr lang="pl" sz="3000" b="0" i="0" u="none" baseline="0" dirty="0">
                 <a:solidFill>
                   <a:srgbClr val="00FF00"/>
                 </a:solidFill>
@@ -14564,7 +14588,7 @@
               <a:buSzPct val="25000"/>
             </a:pPr>
             <a:r>
-              <a:rPr lang="pl" sz="3000" b="0" i="0" u="none" strike="noStrike" cap="none" baseline="0">
+              <a:rPr lang="pl" sz="3000" b="0" i="0" u="none" strike="noStrike" cap="none" baseline="0" dirty="0">
                 <a:solidFill>
                   <a:srgbClr val="FFC000"/>
                 </a:solidFill>
@@ -14576,7 +14600,7 @@
               <a:t>print</a:t>
             </a:r>
             <a:r>
-              <a:rPr lang="pl" sz="3000" b="0" i="0" u="none" baseline="0">
+              <a:rPr lang="pl" sz="3000" b="0" i="0" u="none" baseline="0" dirty="0">
                 <a:solidFill>
                   <a:srgbClr val="FFC000"/>
                 </a:solidFill>
@@ -14588,7 +14612,7 @@
               <a:t>(</a:t>
             </a:r>
             <a:r>
-              <a:rPr lang="pl" sz="3000" b="0" i="0" u="none" strike="noStrike" cap="none" baseline="0">
+              <a:rPr lang="pl" sz="3000" b="0" i="0" u="none" strike="noStrike" cap="none" baseline="0" dirty="0">
                 <a:solidFill>
                   <a:srgbClr val="FFC000"/>
                 </a:solidFill>
@@ -14600,7 +14624,7 @@
               <a:t>'Wszystko skończone'</a:t>
             </a:r>
             <a:r>
-              <a:rPr lang="pl" sz="3000" b="0" i="0" u="none" baseline="0">
+              <a:rPr lang="pl" sz="3000" b="0" i="0" u="none" baseline="0" dirty="0">
                 <a:solidFill>
                   <a:srgbClr val="FFC000"/>
                 </a:solidFill>
@@ -20059,7 +20083,31 @@
                 <a:cs typeface="Courier"/>
                 <a:sym typeface="Courier New"/>
               </a:rPr>
-              <a:t>    print(‚Coś </a:t>
+              <a:t>    print(</a:t>
+            </a:r>
+            <a:r>
+              <a:rPr lang="pl" sz="3000" b="0" i="0" u="none" baseline="0" dirty="0">
+                <a:solidFill>
+                  <a:srgbClr val="FF9900"/>
+                </a:solidFill>
+                <a:latin typeface="Courier"/>
+                <a:ea typeface="Courier"/>
+                <a:cs typeface="Courier"/>
+                <a:sym typeface="Courier New"/>
+              </a:rPr>
+              <a:t>'</a:t>
+            </a:r>
+            <a:r>
+              <a:rPr lang="pl" sz="3000" b="0" i="0" u="none" strike="noStrike" cap="none" baseline="0" dirty="0">
+                <a:solidFill>
+                  <a:srgbClr val="FF9900"/>
+                </a:solidFill>
+                <a:latin typeface="Courier"/>
+                <a:ea typeface="Courier"/>
+                <a:cs typeface="Courier"/>
+                <a:sym typeface="Courier New"/>
+              </a:rPr>
+              <a:t>Coś </a:t>
             </a:r>
             <a:r>
               <a:rPr lang="pl" sz="3000" b="0" i="0" u="none" baseline="0" dirty="0">
@@ -20757,14 +20805,14 @@
       </p:grpSpPr>
       <p:sp>
         <p:nvSpPr>
-          <p:cNvPr id="595" name="Shape 595"/>
+          <p:cNvPr id="596" name="Shape 596"/>
           <p:cNvSpPr txBox="1"/>
           <p:nvPr/>
         </p:nvSpPr>
         <p:spPr>
           <a:xfrm>
-            <a:off x="2468884" y="4147704"/>
-            <a:ext cx="5158799" cy="3876599"/>
+            <a:off x="8243248" y="1046297"/>
+            <a:ext cx="7738280" cy="3225899"/>
           </a:xfrm>
           <a:prstGeom prst="rect">
             <a:avLst/>
@@ -20791,299 +20839,14 @@
                 <a:spcPts val="0"/>
               </a:spcAft>
               <a:buClr>
-                <a:srgbClr val="FFFF00"/>
+                <a:schemeClr val="lt1"/>
               </a:buClr>
               <a:buSzPct val="25000"/>
               <a:buFont typeface="Cabin"/>
               <a:buNone/>
             </a:pPr>
             <a:r>
-              <a:rPr lang="pl" sz="3000" b="0" i="0" u="none" strike="noStrike" cap="none" baseline="0">
-                <a:solidFill>
-                  <a:srgbClr val="FFFF00"/>
-                </a:solidFill>
-                <a:latin typeface="Courier"/>
-                <a:ea typeface="Courier"/>
-                <a:cs typeface="Courier"/>
-                <a:sym typeface="Courier New"/>
-              </a:rPr>
-              <a:t>$ cat notry.py </a:t>
-            </a:r>
-          </a:p>
-          <a:p>
-            <a:pPr marL="0" marR="0" lvl="0" indent="0" algn="l" rtl="0">
-              <a:lnSpc>
-                <a:spcPct val="100000"/>
-              </a:lnSpc>
-              <a:spcBef>
-                <a:spcPts val="0"/>
-              </a:spcBef>
-              <a:spcAft>
-                <a:spcPts val="0"/>
-              </a:spcAft>
-              <a:buClr>
-                <a:srgbClr val="FFFF00"/>
-              </a:buClr>
-              <a:buSzPct val="25000"/>
-              <a:buFont typeface="Cabin"/>
-              <a:buNone/>
-            </a:pPr>
-            <a:r>
-              <a:rPr lang="pl" sz="3000" b="0" i="0" u="none" strike="noStrike" cap="none" baseline="0">
-                <a:solidFill>
-                  <a:srgbClr val="FFFF00"/>
-                </a:solidFill>
-                <a:latin typeface="Courier"/>
-                <a:ea typeface="Courier"/>
-                <a:cs typeface="Courier"/>
-                <a:sym typeface="Courier New"/>
-              </a:rPr>
-              <a:t>astr = 'Hello Bob</a:t>
-            </a:r>
-            <a:r>
-              <a:rPr lang="pl" sz="3000" b="0" i="0" u="none" baseline="0">
-                <a:solidFill>
-                  <a:srgbClr val="FFFF00"/>
-                </a:solidFill>
-                <a:latin typeface="Courier"/>
-                <a:ea typeface="Courier"/>
-                <a:cs typeface="Courier"/>
-                <a:sym typeface="Courier New"/>
-              </a:rPr>
-              <a:t>'</a:t>
-            </a:r>
-          </a:p>
-          <a:p>
-            <a:pPr marL="0" marR="0" lvl="0" indent="0" algn="l" rtl="0">
-              <a:lnSpc>
-                <a:spcPct val="100000"/>
-              </a:lnSpc>
-              <a:spcBef>
-                <a:spcPts val="0"/>
-              </a:spcBef>
-              <a:spcAft>
-                <a:spcPts val="0"/>
-              </a:spcAft>
-              <a:buClr>
-                <a:srgbClr val="FFFF00"/>
-              </a:buClr>
-              <a:buSzPct val="25000"/>
-              <a:buFont typeface="Cabin"/>
-              <a:buNone/>
-            </a:pPr>
-            <a:r>
-              <a:rPr lang="pl" sz="3000" b="0" i="0" u="none" strike="noStrike" cap="none" baseline="0">
-                <a:solidFill>
-                  <a:srgbClr val="FFFF00"/>
-                </a:solidFill>
-                <a:latin typeface="Courier"/>
-                <a:ea typeface="Courier"/>
-                <a:cs typeface="Courier"/>
-                <a:sym typeface="Courier New"/>
-              </a:rPr>
-              <a:t>istr = int(astr)</a:t>
-            </a:r>
-          </a:p>
-          <a:p>
-            <a:pPr marL="0" marR="0" lvl="0" indent="0" algn="l" rtl="0">
-              <a:lnSpc>
-                <a:spcPct val="100000"/>
-              </a:lnSpc>
-              <a:spcBef>
-                <a:spcPts val="0"/>
-              </a:spcBef>
-              <a:spcAft>
-                <a:spcPts val="0"/>
-              </a:spcAft>
-              <a:buClr>
-                <a:srgbClr val="FFFF00"/>
-              </a:buClr>
-              <a:buSzPct val="25000"/>
-              <a:buFont typeface="Cabin"/>
-              <a:buNone/>
-            </a:pPr>
-            <a:r>
-              <a:rPr lang="pl" sz="3000" b="0" i="0" u="none" strike="noStrike" cap="none" baseline="0">
-                <a:solidFill>
-                  <a:srgbClr val="FFFF00"/>
-                </a:solidFill>
-                <a:latin typeface="Courier"/>
-                <a:ea typeface="Courier"/>
-                <a:cs typeface="Courier"/>
-                <a:sym typeface="Courier New"/>
-              </a:rPr>
-              <a:t>print('First', istr)</a:t>
-            </a:r>
-            <a:endParaRPr lang="pl" sz="3000" i="0" u="none" strike="noStrike" cap="none" dirty="0">
-              <a:solidFill>
-                <a:srgbClr val="FFFF00"/>
-              </a:solidFill>
-              <a:latin typeface="Courier"/>
-              <a:ea typeface="Courier"/>
-              <a:cs typeface="Courier"/>
-              <a:sym typeface="Courier New"/>
-            </a:endParaRPr>
-          </a:p>
-          <a:p>
-            <a:pPr marL="0" marR="0" lvl="0" indent="0" algn="l" rtl="0">
-              <a:lnSpc>
-                <a:spcPct val="100000"/>
-              </a:lnSpc>
-              <a:spcBef>
-                <a:spcPts val="0"/>
-              </a:spcBef>
-              <a:spcAft>
-                <a:spcPts val="0"/>
-              </a:spcAft>
-              <a:buClr>
-                <a:srgbClr val="FFFF00"/>
-              </a:buClr>
-              <a:buSzPct val="25000"/>
-              <a:buFont typeface="Cabin"/>
-              <a:buNone/>
-            </a:pPr>
-            <a:r>
-              <a:rPr lang="pl" sz="3000" b="0" i="0" u="none" strike="noStrike" cap="none" baseline="0">
-                <a:solidFill>
-                  <a:srgbClr val="FFFF00"/>
-                </a:solidFill>
-                <a:latin typeface="Courier"/>
-                <a:ea typeface="Courier"/>
-                <a:cs typeface="Courier"/>
-                <a:sym typeface="Courier New"/>
-              </a:rPr>
-              <a:t>astr = '123</a:t>
-            </a:r>
-            <a:r>
-              <a:rPr lang="pl" sz="3000" b="0" i="0" u="none" baseline="0">
-                <a:solidFill>
-                  <a:srgbClr val="FFFF00"/>
-                </a:solidFill>
-                <a:latin typeface="Courier"/>
-                <a:ea typeface="Courier"/>
-                <a:cs typeface="Courier"/>
-                <a:sym typeface="Courier New"/>
-              </a:rPr>
-              <a:t>'</a:t>
-            </a:r>
-          </a:p>
-          <a:p>
-            <a:pPr marL="0" marR="0" lvl="0" indent="0" algn="l" rtl="0">
-              <a:lnSpc>
-                <a:spcPct val="100000"/>
-              </a:lnSpc>
-              <a:spcBef>
-                <a:spcPts val="0"/>
-              </a:spcBef>
-              <a:spcAft>
-                <a:spcPts val="0"/>
-              </a:spcAft>
-              <a:buClr>
-                <a:srgbClr val="FFFF00"/>
-              </a:buClr>
-              <a:buSzPct val="25000"/>
-              <a:buFont typeface="Cabin"/>
-              <a:buNone/>
-            </a:pPr>
-            <a:r>
-              <a:rPr lang="pl" sz="3000" b="0" i="0" u="none" strike="noStrike" cap="none" baseline="0">
-                <a:solidFill>
-                  <a:srgbClr val="FFFF00"/>
-                </a:solidFill>
-                <a:latin typeface="Courier"/>
-                <a:ea typeface="Courier"/>
-                <a:cs typeface="Courier"/>
-                <a:sym typeface="Courier New"/>
-              </a:rPr>
-              <a:t>istr = int(astr)</a:t>
-            </a:r>
-          </a:p>
-          <a:p>
-            <a:pPr marL="0" marR="0" lvl="0" indent="0" algn="l" rtl="0">
-              <a:lnSpc>
-                <a:spcPct val="100000"/>
-              </a:lnSpc>
-              <a:spcBef>
-                <a:spcPts val="0"/>
-              </a:spcBef>
-              <a:spcAft>
-                <a:spcPts val="0"/>
-              </a:spcAft>
-              <a:buClr>
-                <a:srgbClr val="FFFF00"/>
-              </a:buClr>
-              <a:buSzPct val="25000"/>
-              <a:buFont typeface="Cabin"/>
-              <a:buNone/>
-            </a:pPr>
-            <a:r>
-              <a:rPr lang="pl" sz="3000" b="0" i="0" u="none" strike="noStrike" cap="none" baseline="0">
-                <a:solidFill>
-                  <a:srgbClr val="FFFF00"/>
-                </a:solidFill>
-                <a:latin typeface="Courier"/>
-                <a:ea typeface="Courier"/>
-                <a:cs typeface="Courier"/>
-                <a:sym typeface="Courier New"/>
-              </a:rPr>
-              <a:t>print('Second', istr)</a:t>
-            </a:r>
-            <a:endParaRPr lang="pl" sz="3000" i="0" u="none" strike="noStrike" cap="none" dirty="0">
-              <a:solidFill>
-                <a:srgbClr val="FFFF00"/>
-              </a:solidFill>
-              <a:latin typeface="Courier"/>
-              <a:ea typeface="Courier"/>
-              <a:cs typeface="Courier"/>
-              <a:sym typeface="Courier New"/>
-            </a:endParaRPr>
-          </a:p>
-        </p:txBody>
-      </p:sp>
-      <p:sp>
-        <p:nvSpPr>
-          <p:cNvPr id="596" name="Shape 596"/>
-          <p:cNvSpPr txBox="1"/>
-          <p:nvPr/>
-        </p:nvSpPr>
-        <p:spPr>
-          <a:xfrm>
-            <a:off x="8039653" y="1046297"/>
-            <a:ext cx="7660182" cy="3225899"/>
-          </a:xfrm>
-          <a:prstGeom prst="rect">
-            <a:avLst/>
-          </a:prstGeom>
-          <a:noFill/>
-          <a:ln>
-            <a:noFill/>
-          </a:ln>
-        </p:spPr>
-        <p:txBody>
-          <a:bodyPr lIns="0" tIns="0" rIns="0" bIns="0" anchor="ctr" anchorCtr="0">
-            <a:noAutofit/>
-          </a:bodyPr>
-          <a:lstStyle/>
-          <a:p>
-            <a:pPr marL="0" marR="0" lvl="0" indent="0" algn="l" rtl="0">
-              <a:lnSpc>
-                <a:spcPct val="100000"/>
-              </a:lnSpc>
-              <a:spcBef>
-                <a:spcPts val="0"/>
-              </a:spcBef>
-              <a:spcAft>
-                <a:spcPts val="0"/>
-              </a:spcAft>
-              <a:buClr>
-                <a:schemeClr val="lt1"/>
-              </a:buClr>
-              <a:buSzPct val="25000"/>
-              <a:buFont typeface="Cabin"/>
-              <a:buNone/>
-            </a:pPr>
-            <a:r>
-              <a:rPr lang="pl" sz="3600" b="0" i="0" u="none" strike="noStrike" cap="none" baseline="0">
+              <a:rPr lang="pl" sz="3600" b="0" i="0" u="none" strike="noStrike" cap="none" baseline="0" dirty="0">
                 <a:solidFill>
                   <a:schemeClr val="lt1"/>
                 </a:solidFill>
@@ -21103,7 +20866,7 @@
               <a:buSzPct val="25000"/>
             </a:pPr>
             <a:r>
-              <a:rPr lang="pl" sz="3600" b="0" i="0" u="none" baseline="0">
+              <a:rPr lang="pl" sz="3600" b="0" i="0" u="none" baseline="0" dirty="0">
                 <a:solidFill>
                   <a:srgbClr val="E06666"/>
                 </a:solidFill>
@@ -21112,7 +20875,88 @@
                 <a:cs typeface="Arial" charset="0"/>
                 <a:sym typeface="Cabin"/>
               </a:rPr>
-              <a:t>Traceback (most recent call last):  File "notry.py", line 2, in &lt;module&gt;    istr = int(astr)ValueError: invalid literal for int() with base 10: 'Hello Bob'</a:t>
+              <a:t>Traceback (most recent call last):</a:t>
+            </a:r>
+            <a:br>
+              <a:rPr lang="en-US" sz="3600" b="0" i="0" u="none" baseline="0" dirty="0">
+                <a:solidFill>
+                  <a:srgbClr val="E06666"/>
+                </a:solidFill>
+                <a:latin typeface="Arial" charset="0"/>
+                <a:ea typeface="Arial" charset="0"/>
+                <a:cs typeface="Arial" charset="0"/>
+                <a:sym typeface="Cabin"/>
+              </a:rPr>
+            </a:br>
+            <a:r>
+              <a:rPr lang="pl" sz="3600" b="0" i="0" u="none" baseline="0" dirty="0">
+                <a:solidFill>
+                  <a:srgbClr val="E06666"/>
+                </a:solidFill>
+                <a:latin typeface="Arial" charset="0"/>
+                <a:ea typeface="Arial" charset="0"/>
+                <a:cs typeface="Arial" charset="0"/>
+                <a:sym typeface="Cabin"/>
+              </a:rPr>
+              <a:t>  File "notry.py", line 2, in &lt;module&gt;</a:t>
+            </a:r>
+            <a:endParaRPr lang="en-US" sz="3600" b="0" i="0" u="none" baseline="0" dirty="0">
+              <a:solidFill>
+                <a:srgbClr val="E06666"/>
+              </a:solidFill>
+              <a:latin typeface="Arial" charset="0"/>
+              <a:ea typeface="Arial" charset="0"/>
+              <a:cs typeface="Arial" charset="0"/>
+              <a:sym typeface="Cabin"/>
+            </a:endParaRPr>
+          </a:p>
+          <a:p>
+            <a:pPr lvl="0" algn="l" rtl="0">
+              <a:buClr>
+                <a:schemeClr val="lt1"/>
+              </a:buClr>
+              <a:buSzPct val="25000"/>
+            </a:pPr>
+            <a:r>
+              <a:rPr lang="pl" sz="3600" b="0" i="0" u="none" baseline="0" dirty="0">
+                <a:solidFill>
+                  <a:srgbClr val="E06666"/>
+                </a:solidFill>
+                <a:latin typeface="Arial" charset="0"/>
+                <a:ea typeface="Arial" charset="0"/>
+                <a:cs typeface="Arial" charset="0"/>
+                <a:sym typeface="Cabin"/>
+              </a:rPr>
+              <a:t>    istr = int(astr)</a:t>
+            </a:r>
+            <a:endParaRPr lang="en-US" sz="3600" b="0" i="0" u="none" baseline="0" dirty="0">
+              <a:solidFill>
+                <a:srgbClr val="E06666"/>
+              </a:solidFill>
+              <a:latin typeface="Arial" charset="0"/>
+              <a:ea typeface="Arial" charset="0"/>
+              <a:cs typeface="Arial" charset="0"/>
+              <a:sym typeface="Cabin"/>
+            </a:endParaRPr>
+          </a:p>
+          <a:p>
+            <a:pPr lvl="0" algn="l" rtl="0">
+              <a:buClr>
+                <a:schemeClr val="lt1"/>
+              </a:buClr>
+              <a:buSzPct val="25000"/>
+            </a:pPr>
+            <a:r>
+              <a:rPr lang="pl" sz="3600" b="0" i="0" u="none" baseline="0" dirty="0">
+                <a:solidFill>
+                  <a:srgbClr val="E06666"/>
+                </a:solidFill>
+                <a:latin typeface="Arial" charset="0"/>
+                <a:ea typeface="Arial" charset="0"/>
+                <a:cs typeface="Arial" charset="0"/>
+                <a:sym typeface="Cabin"/>
+              </a:rPr>
+              <a:t>ValueError: invalid literal for int() with base 10: 'Hello Bob'</a:t>
             </a:r>
             <a:endParaRPr lang="pl" sz="3600" u="none" strike="noStrike" cap="none" dirty="0">
               <a:solidFill>
@@ -21137,8 +20981,8 @@
         </p:nvCxnSpPr>
         <p:spPr>
           <a:xfrm>
-            <a:off x="10837890" y="4272196"/>
-            <a:ext cx="1855586" cy="1122385"/>
+            <a:off x="10837890" y="4421875"/>
+            <a:ext cx="1855586" cy="972706"/>
           </a:xfrm>
           <a:prstGeom prst="straightConnector1">
             <a:avLst/>
@@ -21240,6 +21084,297 @@
               </a:rPr>
               <a:t>skończone</a:t>
             </a:r>
+          </a:p>
+        </p:txBody>
+      </p:sp>
+      <p:sp>
+        <p:nvSpPr>
+          <p:cNvPr id="7" name="Shape 595">
+            <a:extLst>
+              <a:ext uri="{FF2B5EF4-FFF2-40B4-BE49-F238E27FC236}">
+                <a16:creationId xmlns:a16="http://schemas.microsoft.com/office/drawing/2014/main" id="{B7A58A10-DDFB-4FBF-B31E-2D4D7C905000}"/>
+              </a:ext>
+            </a:extLst>
+          </p:cNvPr>
+          <p:cNvSpPr txBox="1"/>
+          <p:nvPr/>
+        </p:nvSpPr>
+        <p:spPr>
+          <a:xfrm>
+            <a:off x="2610642" y="4147704"/>
+            <a:ext cx="5158799" cy="3876599"/>
+          </a:xfrm>
+          <a:prstGeom prst="rect">
+            <a:avLst/>
+          </a:prstGeom>
+          <a:noFill/>
+          <a:ln>
+            <a:noFill/>
+          </a:ln>
+        </p:spPr>
+        <p:txBody>
+          <a:bodyPr lIns="0" tIns="0" rIns="0" bIns="0" anchor="ctr" anchorCtr="0">
+            <a:noAutofit/>
+          </a:bodyPr>
+          <a:lstStyle/>
+          <a:p>
+            <a:pPr marL="0" marR="0" lvl="0" indent="0" algn="l" rtl="0">
+              <a:lnSpc>
+                <a:spcPct val="100000"/>
+              </a:lnSpc>
+              <a:spcBef>
+                <a:spcPts val="0"/>
+              </a:spcBef>
+              <a:spcAft>
+                <a:spcPts val="0"/>
+              </a:spcAft>
+              <a:buClr>
+                <a:srgbClr val="FFFF00"/>
+              </a:buClr>
+              <a:buSzPct val="25000"/>
+              <a:buFont typeface="Cabin"/>
+              <a:buNone/>
+            </a:pPr>
+            <a:r>
+              <a:rPr lang="pl" sz="3000" b="0" i="0" u="none" strike="noStrike" cap="none" baseline="0" dirty="0">
+                <a:solidFill>
+                  <a:srgbClr val="FFFF00"/>
+                </a:solidFill>
+                <a:latin typeface="Courier"/>
+                <a:ea typeface="Courier"/>
+                <a:cs typeface="Courier"/>
+                <a:sym typeface="Courier New"/>
+              </a:rPr>
+              <a:t>$ cat notry.py </a:t>
+            </a:r>
+          </a:p>
+          <a:p>
+            <a:pPr marL="0" marR="0" lvl="0" indent="0" algn="l" rtl="0">
+              <a:lnSpc>
+                <a:spcPct val="100000"/>
+              </a:lnSpc>
+              <a:spcBef>
+                <a:spcPts val="0"/>
+              </a:spcBef>
+              <a:spcAft>
+                <a:spcPts val="0"/>
+              </a:spcAft>
+              <a:buClr>
+                <a:srgbClr val="FFFF00"/>
+              </a:buClr>
+              <a:buSzPct val="25000"/>
+              <a:buFont typeface="Cabin"/>
+              <a:buNone/>
+            </a:pPr>
+            <a:r>
+              <a:rPr lang="pl" sz="3000" b="0" i="0" u="none" strike="noStrike" cap="none" baseline="0" dirty="0">
+                <a:solidFill>
+                  <a:srgbClr val="FFFF00"/>
+                </a:solidFill>
+                <a:latin typeface="Courier"/>
+                <a:ea typeface="Courier"/>
+                <a:cs typeface="Courier"/>
+                <a:sym typeface="Courier New"/>
+              </a:rPr>
+              <a:t>astr = 'Hello Bob</a:t>
+            </a:r>
+            <a:r>
+              <a:rPr lang="pl" sz="3000" b="0" i="0" u="none" baseline="0" dirty="0">
+                <a:solidFill>
+                  <a:srgbClr val="FFFF00"/>
+                </a:solidFill>
+                <a:latin typeface="Courier"/>
+                <a:ea typeface="Courier"/>
+                <a:cs typeface="Courier"/>
+                <a:sym typeface="Courier New"/>
+              </a:rPr>
+              <a:t>'</a:t>
+            </a:r>
+          </a:p>
+          <a:p>
+            <a:pPr marL="0" marR="0" lvl="0" indent="0" algn="l" rtl="0">
+              <a:lnSpc>
+                <a:spcPct val="100000"/>
+              </a:lnSpc>
+              <a:spcBef>
+                <a:spcPts val="0"/>
+              </a:spcBef>
+              <a:spcAft>
+                <a:spcPts val="0"/>
+              </a:spcAft>
+              <a:buClr>
+                <a:srgbClr val="FFFF00"/>
+              </a:buClr>
+              <a:buSzPct val="25000"/>
+              <a:buFont typeface="Cabin"/>
+              <a:buNone/>
+            </a:pPr>
+            <a:r>
+              <a:rPr lang="pl" sz="3000" b="0" i="0" u="none" strike="noStrike" cap="none" baseline="0" dirty="0">
+                <a:solidFill>
+                  <a:srgbClr val="FFFF00"/>
+                </a:solidFill>
+                <a:latin typeface="Courier"/>
+                <a:ea typeface="Courier"/>
+                <a:cs typeface="Courier"/>
+                <a:sym typeface="Courier New"/>
+              </a:rPr>
+              <a:t>istr = int(astr)</a:t>
+            </a:r>
+          </a:p>
+          <a:p>
+            <a:pPr marL="0" marR="0" lvl="0" indent="0" algn="l" rtl="0">
+              <a:lnSpc>
+                <a:spcPct val="100000"/>
+              </a:lnSpc>
+              <a:spcBef>
+                <a:spcPts val="0"/>
+              </a:spcBef>
+              <a:spcAft>
+                <a:spcPts val="0"/>
+              </a:spcAft>
+              <a:buClr>
+                <a:srgbClr val="FFFF00"/>
+              </a:buClr>
+              <a:buSzPct val="25000"/>
+              <a:buFont typeface="Cabin"/>
+              <a:buNone/>
+            </a:pPr>
+            <a:r>
+              <a:rPr lang="pl" sz="3000" b="0" i="0" u="none" strike="noStrike" cap="none" baseline="0" dirty="0">
+                <a:solidFill>
+                  <a:srgbClr val="FFFF00"/>
+                </a:solidFill>
+                <a:latin typeface="Courier"/>
+                <a:ea typeface="Courier"/>
+                <a:cs typeface="Courier"/>
+                <a:sym typeface="Courier New"/>
+              </a:rPr>
+              <a:t>print('First', istr)</a:t>
+            </a:r>
+            <a:endParaRPr lang="pl" sz="3000" i="0" u="none" strike="noStrike" cap="none" dirty="0">
+              <a:solidFill>
+                <a:srgbClr val="FFFF00"/>
+              </a:solidFill>
+              <a:latin typeface="Courier"/>
+              <a:ea typeface="Courier"/>
+              <a:cs typeface="Courier"/>
+              <a:sym typeface="Courier New"/>
+            </a:endParaRPr>
+          </a:p>
+          <a:p>
+            <a:pPr marL="0" marR="0" lvl="0" indent="0" algn="l" rtl="0">
+              <a:lnSpc>
+                <a:spcPct val="100000"/>
+              </a:lnSpc>
+              <a:spcBef>
+                <a:spcPts val="0"/>
+              </a:spcBef>
+              <a:spcAft>
+                <a:spcPts val="0"/>
+              </a:spcAft>
+              <a:buClr>
+                <a:srgbClr val="FFFF00"/>
+              </a:buClr>
+              <a:buSzPct val="25000"/>
+              <a:buFont typeface="Cabin"/>
+              <a:buNone/>
+            </a:pPr>
+            <a:r>
+              <a:rPr lang="pl" sz="3000" b="0" i="0" u="none" strike="noStrike" cap="none" baseline="0" dirty="0">
+                <a:solidFill>
+                  <a:srgbClr val="FFFF00"/>
+                </a:solidFill>
+                <a:latin typeface="Courier"/>
+                <a:ea typeface="Courier"/>
+                <a:cs typeface="Courier"/>
+                <a:sym typeface="Courier New"/>
+              </a:rPr>
+              <a:t>astr = '123</a:t>
+            </a:r>
+            <a:r>
+              <a:rPr lang="pl" sz="3000" b="0" i="0" u="none" baseline="0" dirty="0">
+                <a:solidFill>
+                  <a:srgbClr val="FFFF00"/>
+                </a:solidFill>
+                <a:latin typeface="Courier"/>
+                <a:ea typeface="Courier"/>
+                <a:cs typeface="Courier"/>
+                <a:sym typeface="Courier New"/>
+              </a:rPr>
+              <a:t>'</a:t>
+            </a:r>
+          </a:p>
+          <a:p>
+            <a:pPr marL="0" marR="0" lvl="0" indent="0" algn="l" rtl="0">
+              <a:lnSpc>
+                <a:spcPct val="100000"/>
+              </a:lnSpc>
+              <a:spcBef>
+                <a:spcPts val="0"/>
+              </a:spcBef>
+              <a:spcAft>
+                <a:spcPts val="0"/>
+              </a:spcAft>
+              <a:buClr>
+                <a:srgbClr val="FFFF00"/>
+              </a:buClr>
+              <a:buSzPct val="25000"/>
+              <a:buFont typeface="Cabin"/>
+              <a:buNone/>
+            </a:pPr>
+            <a:r>
+              <a:rPr lang="pl" sz="3000" b="0" i="0" u="none" strike="noStrike" cap="none" baseline="0" dirty="0">
+                <a:solidFill>
+                  <a:srgbClr val="FFFF00"/>
+                </a:solidFill>
+                <a:latin typeface="Courier"/>
+                <a:ea typeface="Courier"/>
+                <a:cs typeface="Courier"/>
+                <a:sym typeface="Courier New"/>
+              </a:rPr>
+              <a:t>istr = int(astr)</a:t>
+            </a:r>
+          </a:p>
+          <a:p>
+            <a:pPr marL="0" marR="0" lvl="0" indent="0" algn="l" rtl="0">
+              <a:lnSpc>
+                <a:spcPct val="100000"/>
+              </a:lnSpc>
+              <a:spcBef>
+                <a:spcPts val="0"/>
+              </a:spcBef>
+              <a:spcAft>
+                <a:spcPts val="0"/>
+              </a:spcAft>
+              <a:buClr>
+                <a:srgbClr val="FFFF00"/>
+              </a:buClr>
+              <a:buSzPct val="25000"/>
+              <a:buFont typeface="Cabin"/>
+              <a:buNone/>
+            </a:pPr>
+            <a:r>
+              <a:rPr lang="pl" sz="3000" b="0" i="0" u="none" strike="noStrike" cap="none" baseline="0" dirty="0">
+                <a:solidFill>
+                  <a:srgbClr val="FFFF00"/>
+                </a:solidFill>
+                <a:latin typeface="Courier"/>
+                <a:ea typeface="Courier"/>
+                <a:cs typeface="Courier"/>
+                <a:sym typeface="Courier New"/>
+              </a:rPr>
+              <a:t>print('Second', istr)</a:t>
+            </a:r>
+            <a:endParaRPr lang="pl" sz="3000" i="0" u="none" strike="noStrike" cap="none" dirty="0">
+              <a:solidFill>
+                <a:srgbClr val="FFFF00"/>
+              </a:solidFill>
+              <a:latin typeface="Courier"/>
+              <a:ea typeface="Courier"/>
+              <a:cs typeface="Courier"/>
+              <a:sym typeface="Courier New"/>
+            </a:endParaRPr>
           </a:p>
         </p:txBody>
       </p:sp>
@@ -21268,390 +21403,18 @@
           <a:chExt cx="0" cy="0"/>
         </a:xfrm>
       </p:grpSpPr>
-      <p:sp>
-        <p:nvSpPr>
-          <p:cNvPr id="595" name="Shape 595"/>
-          <p:cNvSpPr txBox="1"/>
-          <p:nvPr/>
-        </p:nvSpPr>
-        <p:spPr>
-          <a:xfrm>
-            <a:off x="2468884" y="4091999"/>
-            <a:ext cx="5158799" cy="3876599"/>
-          </a:xfrm>
-          <a:prstGeom prst="rect">
-            <a:avLst/>
-          </a:prstGeom>
-          <a:noFill/>
-          <a:ln>
-            <a:noFill/>
-          </a:ln>
-        </p:spPr>
-        <p:txBody>
-          <a:bodyPr lIns="0" tIns="0" rIns="0" bIns="0" anchor="ctr" anchorCtr="0">
-            <a:noAutofit/>
-          </a:bodyPr>
-          <a:lstStyle/>
-          <a:p>
-            <a:pPr marL="0" marR="0" lvl="0" indent="0" algn="l" rtl="0">
-              <a:lnSpc>
-                <a:spcPct val="100000"/>
-              </a:lnSpc>
-              <a:spcBef>
-                <a:spcPts val="0"/>
-              </a:spcBef>
-              <a:spcAft>
-                <a:spcPts val="0"/>
-              </a:spcAft>
-              <a:buClr>
-                <a:srgbClr val="FFFF00"/>
-              </a:buClr>
-              <a:buSzPct val="25000"/>
-              <a:buFont typeface="Cabin"/>
-              <a:buNone/>
-            </a:pPr>
-            <a:r>
-              <a:rPr lang="pl" sz="3000" b="0" i="0" u="none" strike="noStrike" cap="none" baseline="0">
-                <a:solidFill>
-                  <a:srgbClr val="FFFF00"/>
-                </a:solidFill>
-                <a:latin typeface="Courier"/>
-                <a:ea typeface="Courier"/>
-                <a:cs typeface="Courier"/>
-                <a:sym typeface="Courier New"/>
-              </a:rPr>
-              <a:t>$ cat notry.py </a:t>
-            </a:r>
-          </a:p>
-          <a:p>
-            <a:pPr marL="0" marR="0" lvl="0" indent="0" algn="l" rtl="0">
-              <a:lnSpc>
-                <a:spcPct val="100000"/>
-              </a:lnSpc>
-              <a:spcBef>
-                <a:spcPts val="0"/>
-              </a:spcBef>
-              <a:spcAft>
-                <a:spcPts val="0"/>
-              </a:spcAft>
-              <a:buClr>
-                <a:srgbClr val="FFFF00"/>
-              </a:buClr>
-              <a:buSzPct val="25000"/>
-              <a:buFont typeface="Cabin"/>
-              <a:buNone/>
-            </a:pPr>
-            <a:r>
-              <a:rPr lang="pl" sz="3000" b="0" i="0" u="none" strike="noStrike" cap="none" baseline="0">
-                <a:solidFill>
-                  <a:srgbClr val="FFFF00"/>
-                </a:solidFill>
-                <a:latin typeface="Courier"/>
-                <a:ea typeface="Courier"/>
-                <a:cs typeface="Courier"/>
-                <a:sym typeface="Courier New"/>
-              </a:rPr>
-              <a:t>astr = 'Hello Bob</a:t>
-            </a:r>
-            <a:r>
-              <a:rPr lang="pl" sz="3000" b="0" i="0" u="none" baseline="0">
-                <a:solidFill>
-                  <a:srgbClr val="FFFF00"/>
-                </a:solidFill>
-                <a:latin typeface="Courier"/>
-                <a:ea typeface="Courier"/>
-                <a:cs typeface="Courier"/>
-                <a:sym typeface="Courier New"/>
-              </a:rPr>
-              <a:t>'</a:t>
-            </a:r>
-          </a:p>
-          <a:p>
-            <a:pPr marL="0" marR="0" lvl="0" indent="0" algn="l" rtl="0">
-              <a:lnSpc>
-                <a:spcPct val="100000"/>
-              </a:lnSpc>
-              <a:spcBef>
-                <a:spcPts val="0"/>
-              </a:spcBef>
-              <a:spcAft>
-                <a:spcPts val="0"/>
-              </a:spcAft>
-              <a:buClr>
-                <a:srgbClr val="FFFF00"/>
-              </a:buClr>
-              <a:buSzPct val="25000"/>
-              <a:buFont typeface="Cabin"/>
-              <a:buNone/>
-            </a:pPr>
-            <a:r>
-              <a:rPr lang="pl" sz="3000" b="0" i="0" u="none" strike="noStrike" cap="none" baseline="0">
-                <a:solidFill>
-                  <a:srgbClr val="FFFF00"/>
-                </a:solidFill>
-                <a:latin typeface="Courier"/>
-                <a:ea typeface="Courier"/>
-                <a:cs typeface="Courier"/>
-                <a:sym typeface="Courier New"/>
-              </a:rPr>
-              <a:t>istr = int(astr)</a:t>
-            </a:r>
-          </a:p>
-          <a:p>
-            <a:pPr marL="0" marR="0" lvl="0" indent="0" algn="l" rtl="0">
-              <a:lnSpc>
-                <a:spcPct val="100000"/>
-              </a:lnSpc>
-              <a:spcBef>
-                <a:spcPts val="0"/>
-              </a:spcBef>
-              <a:spcAft>
-                <a:spcPts val="0"/>
-              </a:spcAft>
-              <a:buClr>
-                <a:srgbClr val="FFFF00"/>
-              </a:buClr>
-              <a:buSzPct val="25000"/>
-              <a:buFont typeface="Cabin"/>
-              <a:buNone/>
-            </a:pPr>
-            <a:r>
-              <a:rPr lang="pl" sz="3000" b="0" i="0" u="none" strike="noStrike" cap="none" baseline="0">
-                <a:solidFill>
-                  <a:srgbClr val="FFFF00"/>
-                </a:solidFill>
-                <a:latin typeface="Courier"/>
-                <a:ea typeface="Courier"/>
-                <a:cs typeface="Courier"/>
-                <a:sym typeface="Courier New"/>
-              </a:rPr>
-              <a:t>print('First', istr)</a:t>
-            </a:r>
-            <a:endParaRPr lang="pl" sz="3000" i="0" u="none" strike="noStrike" cap="none" dirty="0">
-              <a:solidFill>
-                <a:srgbClr val="FFFF00"/>
-              </a:solidFill>
-              <a:latin typeface="Courier"/>
-              <a:ea typeface="Courier"/>
-              <a:cs typeface="Courier"/>
-              <a:sym typeface="Courier New"/>
-            </a:endParaRPr>
-          </a:p>
-          <a:p>
-            <a:pPr marL="0" marR="0" lvl="0" indent="0" algn="l" rtl="0">
-              <a:lnSpc>
-                <a:spcPct val="100000"/>
-              </a:lnSpc>
-              <a:spcBef>
-                <a:spcPts val="0"/>
-              </a:spcBef>
-              <a:spcAft>
-                <a:spcPts val="0"/>
-              </a:spcAft>
-              <a:buClr>
-                <a:srgbClr val="FFFF00"/>
-              </a:buClr>
-              <a:buSzPct val="25000"/>
-              <a:buFont typeface="Cabin"/>
-              <a:buNone/>
-            </a:pPr>
-            <a:r>
-              <a:rPr lang="pl" sz="3000" b="0" i="0" u="none" strike="noStrike" cap="none" baseline="0">
-                <a:solidFill>
-                  <a:srgbClr val="FFFF00"/>
-                </a:solidFill>
-                <a:latin typeface="Courier"/>
-                <a:ea typeface="Courier"/>
-                <a:cs typeface="Courier"/>
-                <a:sym typeface="Courier New"/>
-              </a:rPr>
-              <a:t>astr = '123</a:t>
-            </a:r>
-            <a:r>
-              <a:rPr lang="pl" sz="3000" b="0" i="0" u="none" baseline="0">
-                <a:solidFill>
-                  <a:srgbClr val="FFFF00"/>
-                </a:solidFill>
-                <a:latin typeface="Courier"/>
-                <a:ea typeface="Courier"/>
-                <a:cs typeface="Courier"/>
-                <a:sym typeface="Courier New"/>
-              </a:rPr>
-              <a:t>'</a:t>
-            </a:r>
-          </a:p>
-          <a:p>
-            <a:pPr marL="0" marR="0" lvl="0" indent="0" algn="l" rtl="0">
-              <a:lnSpc>
-                <a:spcPct val="100000"/>
-              </a:lnSpc>
-              <a:spcBef>
-                <a:spcPts val="0"/>
-              </a:spcBef>
-              <a:spcAft>
-                <a:spcPts val="0"/>
-              </a:spcAft>
-              <a:buClr>
-                <a:srgbClr val="FFFF00"/>
-              </a:buClr>
-              <a:buSzPct val="25000"/>
-              <a:buFont typeface="Cabin"/>
-              <a:buNone/>
-            </a:pPr>
-            <a:r>
-              <a:rPr lang="pl" sz="3000" b="0" i="0" u="none" strike="noStrike" cap="none" baseline="0">
-                <a:solidFill>
-                  <a:srgbClr val="FFFF00"/>
-                </a:solidFill>
-                <a:latin typeface="Courier"/>
-                <a:ea typeface="Courier"/>
-                <a:cs typeface="Courier"/>
-                <a:sym typeface="Courier New"/>
-              </a:rPr>
-              <a:t>istr = int(astr)</a:t>
-            </a:r>
-          </a:p>
-          <a:p>
-            <a:pPr marL="0" marR="0" lvl="0" indent="0" algn="l" rtl="0">
-              <a:lnSpc>
-                <a:spcPct val="100000"/>
-              </a:lnSpc>
-              <a:spcBef>
-                <a:spcPts val="0"/>
-              </a:spcBef>
-              <a:spcAft>
-                <a:spcPts val="0"/>
-              </a:spcAft>
-              <a:buClr>
-                <a:srgbClr val="FFFF00"/>
-              </a:buClr>
-              <a:buSzPct val="25000"/>
-              <a:buFont typeface="Cabin"/>
-              <a:buNone/>
-            </a:pPr>
-            <a:r>
-              <a:rPr lang="pl" sz="3000" b="0" i="0" u="none" strike="noStrike" cap="none" baseline="0">
-                <a:solidFill>
-                  <a:srgbClr val="FFFF00"/>
-                </a:solidFill>
-                <a:latin typeface="Courier"/>
-                <a:ea typeface="Courier"/>
-                <a:cs typeface="Courier"/>
-                <a:sym typeface="Courier New"/>
-              </a:rPr>
-              <a:t>print('Second', istr)</a:t>
-            </a:r>
-            <a:endParaRPr lang="pl" sz="3000" i="0" u="none" strike="noStrike" cap="none" dirty="0">
-              <a:solidFill>
-                <a:srgbClr val="FFFF00"/>
-              </a:solidFill>
-              <a:latin typeface="Courier"/>
-              <a:ea typeface="Courier"/>
-              <a:cs typeface="Courier"/>
-              <a:sym typeface="Courier New"/>
-            </a:endParaRPr>
-          </a:p>
-        </p:txBody>
-      </p:sp>
-      <p:sp>
-        <p:nvSpPr>
-          <p:cNvPr id="596" name="Shape 596"/>
-          <p:cNvSpPr txBox="1"/>
-          <p:nvPr/>
-        </p:nvSpPr>
-        <p:spPr>
-          <a:xfrm>
-            <a:off x="8039653" y="1046297"/>
-            <a:ext cx="7660182" cy="3225899"/>
-          </a:xfrm>
-          <a:prstGeom prst="rect">
-            <a:avLst/>
-          </a:prstGeom>
-          <a:noFill/>
-          <a:ln>
-            <a:noFill/>
-          </a:ln>
-        </p:spPr>
-        <p:txBody>
-          <a:bodyPr lIns="0" tIns="0" rIns="0" bIns="0" anchor="ctr" anchorCtr="0">
-            <a:noAutofit/>
-          </a:bodyPr>
-          <a:lstStyle/>
-          <a:p>
-            <a:pPr marL="0" marR="0" lvl="0" indent="0" algn="l" rtl="0">
-              <a:lnSpc>
-                <a:spcPct val="100000"/>
-              </a:lnSpc>
-              <a:spcBef>
-                <a:spcPts val="0"/>
-              </a:spcBef>
-              <a:spcAft>
-                <a:spcPts val="0"/>
-              </a:spcAft>
-              <a:buClr>
-                <a:schemeClr val="lt1"/>
-              </a:buClr>
-              <a:buSzPct val="25000"/>
-              <a:buFont typeface="Cabin"/>
-              <a:buNone/>
-            </a:pPr>
-            <a:r>
-              <a:rPr lang="pl" sz="3600" b="0" i="0" u="none" strike="noStrike" cap="none" baseline="0">
-                <a:solidFill>
-                  <a:schemeClr val="lt1"/>
-                </a:solidFill>
-                <a:latin typeface="Arial" charset="0"/>
-                <a:ea typeface="Arial" charset="0"/>
-                <a:cs typeface="Arial" charset="0"/>
-                <a:sym typeface="Cabin"/>
-              </a:rPr>
-              <a:t>$ python3 notry.py </a:t>
-            </a:r>
-          </a:p>
-          <a:p>
-            <a:pPr lvl="0" algn="l" rtl="0">
-              <a:buClr>
-                <a:schemeClr val="lt1"/>
-              </a:buClr>
-              <a:buSzPct val="25000"/>
-            </a:pPr>
-            <a:r>
-              <a:rPr lang="pl" sz="3600" b="0" i="0" u="none" baseline="0">
-                <a:solidFill>
-                  <a:srgbClr val="E06666"/>
-                </a:solidFill>
-                <a:latin typeface="Arial" charset="0"/>
-                <a:ea typeface="Arial" charset="0"/>
-                <a:cs typeface="Arial" charset="0"/>
-                <a:sym typeface="Cabin"/>
-              </a:rPr>
-              <a:t>Traceback (most recent call last):  File "notry.py", line 2, in &lt;module&gt;    istr = int(astr)ValueError: invalid literal for int() with base 10: 'Hello Bob'</a:t>
-            </a:r>
-            <a:endParaRPr lang="pl" sz="3600" u="none" strike="noStrike" cap="none" dirty="0">
-              <a:solidFill>
-                <a:srgbClr val="E06666"/>
-              </a:solidFill>
-              <a:latin typeface="Arial" charset="0"/>
-              <a:ea typeface="Arial" charset="0"/>
-              <a:cs typeface="Arial" charset="0"/>
-              <a:sym typeface="Cabin"/>
-            </a:endParaRPr>
-          </a:p>
-        </p:txBody>
-      </p:sp>
       <p:cxnSp>
         <p:nvCxnSpPr>
-          <p:cNvPr id="597" name="Shape 597"/>
+          <p:cNvPr id="6" name="Shape 604"/>
           <p:cNvCxnSpPr>
             <a:cxnSpLocks/>
-            <a:endCxn id="598" idx="1"/>
           </p:cNvCxnSpPr>
           <p:nvPr/>
         </p:nvCxnSpPr>
         <p:spPr>
-          <a:xfrm>
-            <a:off x="10837890" y="4272196"/>
-            <a:ext cx="1855586" cy="1106687"/>
+          <a:xfrm rot="10800000">
+            <a:off x="1127778" y="5626663"/>
+            <a:ext cx="1217400" cy="13499"/>
           </a:xfrm>
           <a:prstGeom prst="straightConnector1">
             <a:avLst/>
@@ -21670,21 +21433,25 @@
       </p:cxnSp>
       <p:sp>
         <p:nvSpPr>
-          <p:cNvPr id="598" name="Shape 598"/>
+          <p:cNvPr id="7" name="Shape 605"/>
           <p:cNvSpPr txBox="1"/>
           <p:nvPr/>
         </p:nvSpPr>
         <p:spPr>
           <a:xfrm>
-            <a:off x="12693476" y="4823081"/>
-            <a:ext cx="2435309" cy="1111603"/>
+            <a:off x="440179" y="3180046"/>
+            <a:ext cx="1904999" cy="2184300"/>
           </a:xfrm>
           <a:prstGeom prst="rect">
             <a:avLst/>
           </a:prstGeom>
           <a:noFill/>
-          <a:ln>
+          <a:ln w="9525" cap="flat" cmpd="sng">
             <a:noFill/>
+            <a:prstDash val="solid"/>
+            <a:round/>
+            <a:headEnd type="none" w="med" len="med"/>
+            <a:tailEnd type="none" w="med" len="med"/>
           </a:ln>
         </p:spPr>
         <p:txBody>
@@ -21720,9 +21487,328 @@
                 <a:cs typeface="Arial" charset="0"/>
                 <a:sym typeface="Cabin"/>
               </a:rPr>
-              <a:t>Wszystko</a:t>
-            </a:r>
-          </a:p>
+              <a:t>Tu program się zatrzyma</a:t>
+            </a:r>
+          </a:p>
+        </p:txBody>
+      </p:sp>
+      <p:sp>
+        <p:nvSpPr>
+          <p:cNvPr id="10" name="Shape 595">
+            <a:extLst>
+              <a:ext uri="{FF2B5EF4-FFF2-40B4-BE49-F238E27FC236}">
+                <a16:creationId xmlns:a16="http://schemas.microsoft.com/office/drawing/2014/main" id="{F9C7374B-3C2D-44A2-B0E4-84956D711CBB}"/>
+              </a:ext>
+            </a:extLst>
+          </p:cNvPr>
+          <p:cNvSpPr txBox="1"/>
+          <p:nvPr/>
+        </p:nvSpPr>
+        <p:spPr>
+          <a:xfrm>
+            <a:off x="2610642" y="4147704"/>
+            <a:ext cx="5158799" cy="3876599"/>
+          </a:xfrm>
+          <a:prstGeom prst="rect">
+            <a:avLst/>
+          </a:prstGeom>
+          <a:noFill/>
+          <a:ln>
+            <a:noFill/>
+          </a:ln>
+        </p:spPr>
+        <p:txBody>
+          <a:bodyPr lIns="0" tIns="0" rIns="0" bIns="0" anchor="ctr" anchorCtr="0">
+            <a:noAutofit/>
+          </a:bodyPr>
+          <a:lstStyle/>
+          <a:p>
+            <a:pPr marL="0" marR="0" lvl="0" indent="0" algn="l" rtl="0">
+              <a:lnSpc>
+                <a:spcPct val="100000"/>
+              </a:lnSpc>
+              <a:spcBef>
+                <a:spcPts val="0"/>
+              </a:spcBef>
+              <a:spcAft>
+                <a:spcPts val="0"/>
+              </a:spcAft>
+              <a:buClr>
+                <a:srgbClr val="FFFF00"/>
+              </a:buClr>
+              <a:buSzPct val="25000"/>
+              <a:buFont typeface="Cabin"/>
+              <a:buNone/>
+            </a:pPr>
+            <a:r>
+              <a:rPr lang="pl" sz="3000" b="0" i="0" u="none" strike="noStrike" cap="none" baseline="0" dirty="0">
+                <a:solidFill>
+                  <a:srgbClr val="FFFF00"/>
+                </a:solidFill>
+                <a:latin typeface="Courier"/>
+                <a:ea typeface="Courier"/>
+                <a:cs typeface="Courier"/>
+                <a:sym typeface="Courier New"/>
+              </a:rPr>
+              <a:t>$ cat notry.py </a:t>
+            </a:r>
+          </a:p>
+          <a:p>
+            <a:pPr marL="0" marR="0" lvl="0" indent="0" algn="l" rtl="0">
+              <a:lnSpc>
+                <a:spcPct val="100000"/>
+              </a:lnSpc>
+              <a:spcBef>
+                <a:spcPts val="0"/>
+              </a:spcBef>
+              <a:spcAft>
+                <a:spcPts val="0"/>
+              </a:spcAft>
+              <a:buClr>
+                <a:srgbClr val="FFFF00"/>
+              </a:buClr>
+              <a:buSzPct val="25000"/>
+              <a:buFont typeface="Cabin"/>
+              <a:buNone/>
+            </a:pPr>
+            <a:r>
+              <a:rPr lang="pl" sz="3000" b="0" i="0" u="none" strike="noStrike" cap="none" baseline="0" dirty="0">
+                <a:solidFill>
+                  <a:srgbClr val="FFFF00"/>
+                </a:solidFill>
+                <a:latin typeface="Courier"/>
+                <a:ea typeface="Courier"/>
+                <a:cs typeface="Courier"/>
+                <a:sym typeface="Courier New"/>
+              </a:rPr>
+              <a:t>astr = 'Hello Bob</a:t>
+            </a:r>
+            <a:r>
+              <a:rPr lang="pl" sz="3000" b="0" i="0" u="none" baseline="0" dirty="0">
+                <a:solidFill>
+                  <a:srgbClr val="FFFF00"/>
+                </a:solidFill>
+                <a:latin typeface="Courier"/>
+                <a:ea typeface="Courier"/>
+                <a:cs typeface="Courier"/>
+                <a:sym typeface="Courier New"/>
+              </a:rPr>
+              <a:t>'</a:t>
+            </a:r>
+          </a:p>
+          <a:p>
+            <a:pPr marL="0" marR="0" lvl="0" indent="0" algn="l" rtl="0">
+              <a:lnSpc>
+                <a:spcPct val="100000"/>
+              </a:lnSpc>
+              <a:spcBef>
+                <a:spcPts val="0"/>
+              </a:spcBef>
+              <a:spcAft>
+                <a:spcPts val="0"/>
+              </a:spcAft>
+              <a:buClr>
+                <a:srgbClr val="FFFF00"/>
+              </a:buClr>
+              <a:buSzPct val="25000"/>
+              <a:buFont typeface="Cabin"/>
+              <a:buNone/>
+            </a:pPr>
+            <a:r>
+              <a:rPr lang="pl" sz="3000" b="0" i="0" u="none" strike="noStrike" cap="none" baseline="0" dirty="0">
+                <a:solidFill>
+                  <a:srgbClr val="FFFF00"/>
+                </a:solidFill>
+                <a:latin typeface="Courier"/>
+                <a:ea typeface="Courier"/>
+                <a:cs typeface="Courier"/>
+                <a:sym typeface="Courier New"/>
+              </a:rPr>
+              <a:t>istr = int(astr)</a:t>
+            </a:r>
+          </a:p>
+          <a:p>
+            <a:pPr marL="0" marR="0" lvl="0" indent="0" algn="l" rtl="0">
+              <a:lnSpc>
+                <a:spcPct val="100000"/>
+              </a:lnSpc>
+              <a:spcBef>
+                <a:spcPts val="0"/>
+              </a:spcBef>
+              <a:spcAft>
+                <a:spcPts val="0"/>
+              </a:spcAft>
+              <a:buClr>
+                <a:srgbClr val="FFFF00"/>
+              </a:buClr>
+              <a:buSzPct val="25000"/>
+              <a:buFont typeface="Cabin"/>
+              <a:buNone/>
+            </a:pPr>
+            <a:r>
+              <a:rPr lang="pl" sz="3000" b="0" i="0" u="none" strike="noStrike" cap="none" baseline="0" dirty="0">
+                <a:solidFill>
+                  <a:srgbClr val="FFFF00"/>
+                </a:solidFill>
+                <a:latin typeface="Courier"/>
+                <a:ea typeface="Courier"/>
+                <a:cs typeface="Courier"/>
+                <a:sym typeface="Courier New"/>
+              </a:rPr>
+              <a:t>print('First', istr)</a:t>
+            </a:r>
+            <a:endParaRPr lang="pl" sz="3000" i="0" u="none" strike="noStrike" cap="none" dirty="0">
+              <a:solidFill>
+                <a:srgbClr val="FFFF00"/>
+              </a:solidFill>
+              <a:latin typeface="Courier"/>
+              <a:ea typeface="Courier"/>
+              <a:cs typeface="Courier"/>
+              <a:sym typeface="Courier New"/>
+            </a:endParaRPr>
+          </a:p>
+          <a:p>
+            <a:pPr marL="0" marR="0" lvl="0" indent="0" algn="l" rtl="0">
+              <a:lnSpc>
+                <a:spcPct val="100000"/>
+              </a:lnSpc>
+              <a:spcBef>
+                <a:spcPts val="0"/>
+              </a:spcBef>
+              <a:spcAft>
+                <a:spcPts val="0"/>
+              </a:spcAft>
+              <a:buClr>
+                <a:srgbClr val="FFFF00"/>
+              </a:buClr>
+              <a:buSzPct val="25000"/>
+              <a:buFont typeface="Cabin"/>
+              <a:buNone/>
+            </a:pPr>
+            <a:r>
+              <a:rPr lang="pl" sz="3000" b="0" i="0" u="none" strike="noStrike" cap="none" baseline="0" dirty="0">
+                <a:solidFill>
+                  <a:srgbClr val="FFFF00"/>
+                </a:solidFill>
+                <a:latin typeface="Courier"/>
+                <a:ea typeface="Courier"/>
+                <a:cs typeface="Courier"/>
+                <a:sym typeface="Courier New"/>
+              </a:rPr>
+              <a:t>astr = '123</a:t>
+            </a:r>
+            <a:r>
+              <a:rPr lang="pl" sz="3000" b="0" i="0" u="none" baseline="0" dirty="0">
+                <a:solidFill>
+                  <a:srgbClr val="FFFF00"/>
+                </a:solidFill>
+                <a:latin typeface="Courier"/>
+                <a:ea typeface="Courier"/>
+                <a:cs typeface="Courier"/>
+                <a:sym typeface="Courier New"/>
+              </a:rPr>
+              <a:t>'</a:t>
+            </a:r>
+          </a:p>
+          <a:p>
+            <a:pPr marL="0" marR="0" lvl="0" indent="0" algn="l" rtl="0">
+              <a:lnSpc>
+                <a:spcPct val="100000"/>
+              </a:lnSpc>
+              <a:spcBef>
+                <a:spcPts val="0"/>
+              </a:spcBef>
+              <a:spcAft>
+                <a:spcPts val="0"/>
+              </a:spcAft>
+              <a:buClr>
+                <a:srgbClr val="FFFF00"/>
+              </a:buClr>
+              <a:buSzPct val="25000"/>
+              <a:buFont typeface="Cabin"/>
+              <a:buNone/>
+            </a:pPr>
+            <a:r>
+              <a:rPr lang="pl" sz="3000" b="0" i="0" u="none" strike="noStrike" cap="none" baseline="0" dirty="0">
+                <a:solidFill>
+                  <a:srgbClr val="FFFF00"/>
+                </a:solidFill>
+                <a:latin typeface="Courier"/>
+                <a:ea typeface="Courier"/>
+                <a:cs typeface="Courier"/>
+                <a:sym typeface="Courier New"/>
+              </a:rPr>
+              <a:t>istr = int(astr)</a:t>
+            </a:r>
+          </a:p>
+          <a:p>
+            <a:pPr marL="0" marR="0" lvl="0" indent="0" algn="l" rtl="0">
+              <a:lnSpc>
+                <a:spcPct val="100000"/>
+              </a:lnSpc>
+              <a:spcBef>
+                <a:spcPts val="0"/>
+              </a:spcBef>
+              <a:spcAft>
+                <a:spcPts val="0"/>
+              </a:spcAft>
+              <a:buClr>
+                <a:srgbClr val="FFFF00"/>
+              </a:buClr>
+              <a:buSzPct val="25000"/>
+              <a:buFont typeface="Cabin"/>
+              <a:buNone/>
+            </a:pPr>
+            <a:r>
+              <a:rPr lang="pl" sz="3000" b="0" i="0" u="none" strike="noStrike" cap="none" baseline="0" dirty="0">
+                <a:solidFill>
+                  <a:srgbClr val="FFFF00"/>
+                </a:solidFill>
+                <a:latin typeface="Courier"/>
+                <a:ea typeface="Courier"/>
+                <a:cs typeface="Courier"/>
+                <a:sym typeface="Courier New"/>
+              </a:rPr>
+              <a:t>print('Second', istr)</a:t>
+            </a:r>
+            <a:endParaRPr lang="pl" sz="3000" i="0" u="none" strike="noStrike" cap="none" dirty="0">
+              <a:solidFill>
+                <a:srgbClr val="FFFF00"/>
+              </a:solidFill>
+              <a:latin typeface="Courier"/>
+              <a:ea typeface="Courier"/>
+              <a:cs typeface="Courier"/>
+              <a:sym typeface="Courier New"/>
+            </a:endParaRPr>
+          </a:p>
+        </p:txBody>
+      </p:sp>
+      <p:sp>
+        <p:nvSpPr>
+          <p:cNvPr id="8" name="Shape 609"/>
+          <p:cNvSpPr txBox="1"/>
+          <p:nvPr/>
+        </p:nvSpPr>
+        <p:spPr>
+          <a:xfrm>
+            <a:off x="2610642" y="5934684"/>
+            <a:ext cx="4819500" cy="2028130"/>
+          </a:xfrm>
+          <a:prstGeom prst="rect">
+            <a:avLst/>
+          </a:prstGeom>
+          <a:solidFill>
+            <a:srgbClr val="E06666"/>
+          </a:solidFill>
+          <a:ln>
+            <a:noFill/>
+          </a:ln>
+        </p:spPr>
+        <p:txBody>
+          <a:bodyPr lIns="0" tIns="0" rIns="0" bIns="0" anchor="t" anchorCtr="0">
+            <a:noAutofit/>
+          </a:bodyPr>
+          <a:lstStyle/>
           <a:p>
             <a:pPr marL="0" marR="0" lvl="0" indent="0" algn="ctr" rtl="0">
               <a:lnSpc>
@@ -21734,8 +21820,59 @@
               <a:spcAft>
                 <a:spcPts val="0"/>
               </a:spcAft>
-              <a:buClr>
-                <a:srgbClr val="FF0000"/>
+              <a:buNone/>
+            </a:pPr>
+            <a:endParaRPr>
+              <a:solidFill>
+                <a:srgbClr val="E06666"/>
+              </a:solidFill>
+            </a:endParaRPr>
+          </a:p>
+        </p:txBody>
+      </p:sp>
+      <p:sp>
+        <p:nvSpPr>
+          <p:cNvPr id="13" name="Shape 596">
+            <a:extLst>
+              <a:ext uri="{FF2B5EF4-FFF2-40B4-BE49-F238E27FC236}">
+                <a16:creationId xmlns:a16="http://schemas.microsoft.com/office/drawing/2014/main" id="{A2706CF7-3172-4284-A622-58ADBF257506}"/>
+              </a:ext>
+            </a:extLst>
+          </p:cNvPr>
+          <p:cNvSpPr txBox="1"/>
+          <p:nvPr/>
+        </p:nvSpPr>
+        <p:spPr>
+          <a:xfrm>
+            <a:off x="8243248" y="1046297"/>
+            <a:ext cx="7738280" cy="3225899"/>
+          </a:xfrm>
+          <a:prstGeom prst="rect">
+            <a:avLst/>
+          </a:prstGeom>
+          <a:noFill/>
+          <a:ln>
+            <a:noFill/>
+          </a:ln>
+        </p:spPr>
+        <p:txBody>
+          <a:bodyPr lIns="0" tIns="0" rIns="0" bIns="0" anchor="ctr" anchorCtr="0">
+            <a:noAutofit/>
+          </a:bodyPr>
+          <a:lstStyle/>
+          <a:p>
+            <a:pPr marL="0" marR="0" lvl="0" indent="0" algn="l" rtl="0">
+              <a:lnSpc>
+                <a:spcPct val="100000"/>
+              </a:lnSpc>
+              <a:spcBef>
+                <a:spcPts val="0"/>
+              </a:spcBef>
+              <a:spcAft>
+                <a:spcPts val="0"/>
+              </a:spcAft>
+              <a:buClr>
+                <a:schemeClr val="lt1"/>
               </a:buClr>
               <a:buSzPct val="25000"/>
               <a:buFont typeface="Cabin"/>
@@ -21744,28 +21881,147 @@
             <a:r>
               <a:rPr lang="pl" sz="3600" b="0" i="0" u="none" strike="noStrike" cap="none" baseline="0" dirty="0">
                 <a:solidFill>
-                  <a:srgbClr val="E06666"/>
+                  <a:schemeClr val="lt1"/>
                 </a:solidFill>
                 <a:latin typeface="Arial" charset="0"/>
                 <a:ea typeface="Arial" charset="0"/>
                 <a:cs typeface="Arial" charset="0"/>
                 <a:sym typeface="Cabin"/>
               </a:rPr>
-              <a:t>skończone</a:t>
-            </a:r>
+              <a:t>$ python3 notry.py </a:t>
+            </a:r>
+          </a:p>
+          <a:p>
+            <a:pPr lvl="0" algn="l" rtl="0">
+              <a:buClr>
+                <a:schemeClr val="lt1"/>
+              </a:buClr>
+              <a:buSzPct val="25000"/>
+            </a:pPr>
+            <a:r>
+              <a:rPr lang="pl" sz="3600" b="0" i="0" u="none" baseline="0" dirty="0">
+                <a:solidFill>
+                  <a:srgbClr val="E06666"/>
+                </a:solidFill>
+                <a:latin typeface="Arial" charset="0"/>
+                <a:ea typeface="Arial" charset="0"/>
+                <a:cs typeface="Arial" charset="0"/>
+                <a:sym typeface="Cabin"/>
+              </a:rPr>
+              <a:t>Traceback (most recent call last):</a:t>
+            </a:r>
+            <a:br>
+              <a:rPr lang="en-US" sz="3600" b="0" i="0" u="none" baseline="0" dirty="0">
+                <a:solidFill>
+                  <a:srgbClr val="E06666"/>
+                </a:solidFill>
+                <a:latin typeface="Arial" charset="0"/>
+                <a:ea typeface="Arial" charset="0"/>
+                <a:cs typeface="Arial" charset="0"/>
+                <a:sym typeface="Cabin"/>
+              </a:rPr>
+            </a:br>
+            <a:r>
+              <a:rPr lang="pl" sz="3600" b="0" i="0" u="none" baseline="0" dirty="0">
+                <a:solidFill>
+                  <a:srgbClr val="E06666"/>
+                </a:solidFill>
+                <a:latin typeface="Arial" charset="0"/>
+                <a:ea typeface="Arial" charset="0"/>
+                <a:cs typeface="Arial" charset="0"/>
+                <a:sym typeface="Cabin"/>
+              </a:rPr>
+              <a:t>  File "notry.py", line 2, in &lt;module&gt;</a:t>
+            </a:r>
+            <a:endParaRPr lang="en-US" sz="3600" b="0" i="0" u="none" baseline="0" dirty="0">
+              <a:solidFill>
+                <a:srgbClr val="E06666"/>
+              </a:solidFill>
+              <a:latin typeface="Arial" charset="0"/>
+              <a:ea typeface="Arial" charset="0"/>
+              <a:cs typeface="Arial" charset="0"/>
+              <a:sym typeface="Cabin"/>
+            </a:endParaRPr>
+          </a:p>
+          <a:p>
+            <a:pPr lvl="0" algn="l" rtl="0">
+              <a:buClr>
+                <a:schemeClr val="lt1"/>
+              </a:buClr>
+              <a:buSzPct val="25000"/>
+            </a:pPr>
+            <a:r>
+              <a:rPr lang="pl" sz="3600" b="0" i="0" u="none" baseline="0" dirty="0">
+                <a:solidFill>
+                  <a:srgbClr val="E06666"/>
+                </a:solidFill>
+                <a:latin typeface="Arial" charset="0"/>
+                <a:ea typeface="Arial" charset="0"/>
+                <a:cs typeface="Arial" charset="0"/>
+                <a:sym typeface="Cabin"/>
+              </a:rPr>
+              <a:t>    istr = int(astr)</a:t>
+            </a:r>
+            <a:endParaRPr lang="en-US" sz="3600" b="0" i="0" u="none" baseline="0" dirty="0">
+              <a:solidFill>
+                <a:srgbClr val="E06666"/>
+              </a:solidFill>
+              <a:latin typeface="Arial" charset="0"/>
+              <a:ea typeface="Arial" charset="0"/>
+              <a:cs typeface="Arial" charset="0"/>
+              <a:sym typeface="Cabin"/>
+            </a:endParaRPr>
+          </a:p>
+          <a:p>
+            <a:pPr lvl="0" algn="l" rtl="0">
+              <a:buClr>
+                <a:schemeClr val="lt1"/>
+              </a:buClr>
+              <a:buSzPct val="25000"/>
+            </a:pPr>
+            <a:r>
+              <a:rPr lang="pl" sz="3600" b="0" i="0" u="none" baseline="0" dirty="0">
+                <a:solidFill>
+                  <a:srgbClr val="E06666"/>
+                </a:solidFill>
+                <a:latin typeface="Arial" charset="0"/>
+                <a:ea typeface="Arial" charset="0"/>
+                <a:cs typeface="Arial" charset="0"/>
+                <a:sym typeface="Cabin"/>
+              </a:rPr>
+              <a:t>ValueError: invalid literal for int() with base 10: 'Hello Bob'</a:t>
+            </a:r>
+            <a:endParaRPr lang="pl" sz="3600" u="none" strike="noStrike" cap="none" dirty="0">
+              <a:solidFill>
+                <a:srgbClr val="E06666"/>
+              </a:solidFill>
+              <a:latin typeface="Arial" charset="0"/>
+              <a:ea typeface="Arial" charset="0"/>
+              <a:cs typeface="Arial" charset="0"/>
+              <a:sym typeface="Cabin"/>
+            </a:endParaRPr>
           </a:p>
         </p:txBody>
       </p:sp>
       <p:cxnSp>
         <p:nvCxnSpPr>
-          <p:cNvPr id="6" name="Shape 604"/>
-          <p:cNvCxnSpPr/>
+          <p:cNvPr id="14" name="Shape 597">
+            <a:extLst>
+              <a:ext uri="{FF2B5EF4-FFF2-40B4-BE49-F238E27FC236}">
+                <a16:creationId xmlns:a16="http://schemas.microsoft.com/office/drawing/2014/main" id="{CE14B2CC-484F-455B-815F-16A50C406D2F}"/>
+              </a:ext>
+            </a:extLst>
+          </p:cNvPr>
+          <p:cNvCxnSpPr>
+            <a:cxnSpLocks/>
+            <a:endCxn id="15" idx="1"/>
+          </p:cNvCxnSpPr>
           <p:nvPr/>
         </p:nvCxnSpPr>
         <p:spPr>
-          <a:xfrm rot="10800000">
-            <a:off x="1127215" y="5574171"/>
-            <a:ext cx="1217400" cy="13499"/>
+          <a:xfrm>
+            <a:off x="10837890" y="4421875"/>
+            <a:ext cx="1855586" cy="972706"/>
           </a:xfrm>
           <a:prstGeom prst="straightConnector1">
             <a:avLst/>
@@ -21784,25 +22040,27 @@
       </p:cxnSp>
       <p:sp>
         <p:nvSpPr>
-          <p:cNvPr id="7" name="Shape 605"/>
+          <p:cNvPr id="15" name="Shape 598">
+            <a:extLst>
+              <a:ext uri="{FF2B5EF4-FFF2-40B4-BE49-F238E27FC236}">
+                <a16:creationId xmlns:a16="http://schemas.microsoft.com/office/drawing/2014/main" id="{8FA5019A-11EC-473C-AC4C-64C86AA1BDE4}"/>
+              </a:ext>
+            </a:extLst>
+          </p:cNvPr>
           <p:cNvSpPr txBox="1"/>
           <p:nvPr/>
         </p:nvSpPr>
         <p:spPr>
           <a:xfrm>
-            <a:off x="174715" y="3120844"/>
-            <a:ext cx="1904999" cy="2184300"/>
+            <a:off x="12693476" y="4823081"/>
+            <a:ext cx="2527474" cy="1143000"/>
           </a:xfrm>
           <a:prstGeom prst="rect">
             <a:avLst/>
           </a:prstGeom>
           <a:noFill/>
-          <a:ln w="9525" cap="flat" cmpd="sng">
+          <a:ln>
             <a:noFill/>
-            <a:prstDash val="solid"/>
-            <a:round/>
-            <a:headEnd type="none" w="med" len="med"/>
-            <a:tailEnd type="none" w="med" len="med"/>
           </a:ln>
         </p:spPr>
         <p:txBody>
@@ -21838,37 +22096,9 @@
                 <a:cs typeface="Arial" charset="0"/>
                 <a:sym typeface="Cabin"/>
               </a:rPr>
-              <a:t>Tu program się zatrzyma</a:t>
-            </a:r>
-          </a:p>
-        </p:txBody>
-      </p:sp>
-      <p:sp>
-        <p:nvSpPr>
-          <p:cNvPr id="8" name="Shape 609"/>
-          <p:cNvSpPr txBox="1"/>
-          <p:nvPr/>
-        </p:nvSpPr>
-        <p:spPr>
-          <a:xfrm>
-            <a:off x="2344618" y="5934684"/>
-            <a:ext cx="4819500" cy="2028130"/>
-          </a:xfrm>
-          <a:prstGeom prst="rect">
-            <a:avLst/>
-          </a:prstGeom>
-          <a:solidFill>
-            <a:srgbClr val="E06666"/>
-          </a:solidFill>
-          <a:ln>
-            <a:noFill/>
-          </a:ln>
-        </p:spPr>
-        <p:txBody>
-          <a:bodyPr lIns="0" tIns="0" rIns="0" bIns="0" anchor="t" anchorCtr="0">
-            <a:noAutofit/>
-          </a:bodyPr>
-          <a:lstStyle/>
+              <a:t>Wszystko</a:t>
+            </a:r>
+          </a:p>
           <a:p>
             <a:pPr marL="0" marR="0" lvl="0" indent="0" algn="ctr" rtl="0">
               <a:lnSpc>
@@ -21880,13 +22110,25 @@
               <a:spcAft>
                 <a:spcPts val="0"/>
               </a:spcAft>
-              <a:buNone/>
-            </a:pPr>
-            <a:endParaRPr>
-              <a:solidFill>
-                <a:srgbClr val="E06666"/>
-              </a:solidFill>
-            </a:endParaRPr>
+              <a:buClr>
+                <a:srgbClr val="FF0000"/>
+              </a:buClr>
+              <a:buSzPct val="25000"/>
+              <a:buFont typeface="Cabin"/>
+              <a:buNone/>
+            </a:pPr>
+            <a:r>
+              <a:rPr lang="pl" sz="3600" b="0" i="0" u="none" strike="noStrike" cap="none" baseline="0" dirty="0">
+                <a:solidFill>
+                  <a:srgbClr val="E06666"/>
+                </a:solidFill>
+                <a:latin typeface="Arial" charset="0"/>
+                <a:ea typeface="Arial" charset="0"/>
+                <a:cs typeface="Arial" charset="0"/>
+                <a:sym typeface="Cabin"/>
+              </a:rPr>
+              <a:t>skończone</a:t>
+            </a:r>
           </a:p>
         </p:txBody>
       </p:sp>
@@ -24290,7 +24532,7 @@
         <p:spPr>
           <a:xfrm>
             <a:off x="9926612" y="3460549"/>
-            <a:ext cx="5204399" cy="1689000"/>
+            <a:ext cx="5440767" cy="1689000"/>
           </a:xfrm>
           <a:prstGeom prst="rect">
             <a:avLst/>
@@ -24330,7 +24572,7 @@
               <a:buNone/>
             </a:pPr>
             <a:r>
-              <a:rPr lang="pl" sz="3000" b="1" i="0" u="none" baseline="0">
+              <a:rPr lang="pl" sz="3000" b="1" i="0" u="none" baseline="0" dirty="0">
                 <a:solidFill>
                   <a:schemeClr val="lt1"/>
                 </a:solidFill>
@@ -24342,7 +24584,7 @@
               <a:t> </a:t>
             </a:r>
             <a:r>
-              <a:rPr lang="pl" sz="3000" b="0" i="0" u="none" strike="noStrike" cap="none" baseline="0">
+              <a:rPr lang="pl" sz="3000" b="0" i="0" u="none" strike="noStrike" cap="none" baseline="0" dirty="0">
                 <a:solidFill>
                   <a:schemeClr val="lt1"/>
                 </a:solidFill>
@@ -24351,29 +24593,10 @@
                 <a:cs typeface="Courier"/>
                 <a:sym typeface="Courier New"/>
               </a:rPr>
-              <a:t>$ python tryexcept.py </a:t>
-            </a:r>
-          </a:p>
-          <a:p>
-            <a:pPr marL="0" marR="0" lvl="0" indent="0" algn="l" rtl="0">
-              <a:lnSpc>
-                <a:spcPct val="100000"/>
-              </a:lnSpc>
-              <a:spcBef>
-                <a:spcPts val="0"/>
-              </a:spcBef>
-              <a:spcAft>
-                <a:spcPts val="0"/>
-              </a:spcAft>
-              <a:buClr>
-                <a:schemeClr val="lt1"/>
-              </a:buClr>
-              <a:buSzPct val="25000"/>
-              <a:buFont typeface="Cabin"/>
-              <a:buNone/>
-            </a:pPr>
-            <a:r>
-              <a:rPr lang="pl" sz="3000" b="0" i="0" u="none" baseline="0">
+              <a:t>$ python</a:t>
+            </a:r>
+            <a:r>
+              <a:rPr lang="en-US" sz="3000" b="0" i="0" u="none" strike="noStrike" cap="none" baseline="0" dirty="0">
                 <a:solidFill>
                   <a:schemeClr val="lt1"/>
                 </a:solidFill>
@@ -24382,10 +24605,10 @@
                 <a:cs typeface="Courier"/>
                 <a:sym typeface="Courier New"/>
               </a:rPr>
-              <a:t> </a:t>
-            </a:r>
-            <a:r>
-              <a:rPr lang="pl" sz="3000" b="0" i="0" u="none" strike="noStrike" cap="none" baseline="0">
+              <a:t>3</a:t>
+            </a:r>
+            <a:r>
+              <a:rPr lang="pl" sz="3000" b="0" i="0" u="none" strike="noStrike" cap="none" baseline="0" dirty="0">
                 <a:solidFill>
                   <a:schemeClr val="lt1"/>
                 </a:solidFill>
@@ -24394,7 +24617,7 @@
                 <a:cs typeface="Courier"/>
                 <a:sym typeface="Courier New"/>
               </a:rPr>
-              <a:t>First -1</a:t>
+              <a:t> tryexcept.py </a:t>
             </a:r>
           </a:p>
           <a:p>
@@ -24416,7 +24639,7 @@
               <a:buNone/>
             </a:pPr>
             <a:r>
-              <a:rPr lang="pl" sz="3000" b="0" i="0" u="none" baseline="0">
+              <a:rPr lang="pl" sz="3000" b="0" i="0" u="none" baseline="0" dirty="0">
                 <a:solidFill>
                   <a:schemeClr val="lt1"/>
                 </a:solidFill>
@@ -24428,7 +24651,50 @@
               <a:t> </a:t>
             </a:r>
             <a:r>
-              <a:rPr lang="pl" sz="3000" b="0" i="0" u="none" strike="noStrike" cap="none" baseline="0">
+              <a:rPr lang="pl" sz="3000" b="0" i="0" u="none" strike="noStrike" cap="none" baseline="0" dirty="0">
+                <a:solidFill>
+                  <a:schemeClr val="lt1"/>
+                </a:solidFill>
+                <a:latin typeface="Courier"/>
+                <a:ea typeface="Courier"/>
+                <a:cs typeface="Courier"/>
+                <a:sym typeface="Courier New"/>
+              </a:rPr>
+              <a:t>First -1</a:t>
+            </a:r>
+          </a:p>
+          <a:p>
+            <a:pPr marL="0" marR="0" lvl="0" indent="0" algn="l" rtl="0">
+              <a:lnSpc>
+                <a:spcPct val="100000"/>
+              </a:lnSpc>
+              <a:spcBef>
+                <a:spcPts val="0"/>
+              </a:spcBef>
+              <a:spcAft>
+                <a:spcPts val="0"/>
+              </a:spcAft>
+              <a:buClr>
+                <a:schemeClr val="lt1"/>
+              </a:buClr>
+              <a:buSzPct val="25000"/>
+              <a:buFont typeface="Cabin"/>
+              <a:buNone/>
+            </a:pPr>
+            <a:r>
+              <a:rPr lang="pl" sz="3000" b="0" i="0" u="none" baseline="0" dirty="0">
+                <a:solidFill>
+                  <a:schemeClr val="lt1"/>
+                </a:solidFill>
+                <a:latin typeface="Courier"/>
+                <a:ea typeface="Courier"/>
+                <a:cs typeface="Courier"/>
+                <a:sym typeface="Courier New"/>
+              </a:rPr>
+              <a:t> </a:t>
+            </a:r>
+            <a:r>
+              <a:rPr lang="pl" sz="3000" b="0" i="0" u="none" strike="noStrike" cap="none" baseline="0" dirty="0">
                 <a:solidFill>
                   <a:schemeClr val="lt1"/>
                 </a:solidFill>
@@ -25906,7 +26172,7 @@
               <a:buNone/>
             </a:pPr>
             <a:r>
-              <a:rPr lang="pl" sz="3000" b="0" i="0" u="none" strike="noStrike" cap="none" baseline="0">
+              <a:rPr lang="pl" sz="3000" b="0" i="0" u="none" strike="noStrike" cap="none" baseline="0" dirty="0">
                 <a:solidFill>
                   <a:schemeClr val="lt1"/>
                 </a:solidFill>
@@ -25918,7 +26184,7 @@
               <a:t>$ </a:t>
             </a:r>
             <a:r>
-              <a:rPr lang="pl" sz="3000" b="0" i="0" u="none" strike="noStrike" cap="none" baseline="0">
+              <a:rPr lang="pl" sz="3000" b="0" i="0" u="none" strike="noStrike" cap="none" baseline="0" dirty="0">
                 <a:solidFill>
                   <a:srgbClr val="FFFF00"/>
                 </a:solidFill>
@@ -25930,7 +26196,7 @@
               <a:t>python3 trynum.py</a:t>
             </a:r>
             <a:r>
-              <a:rPr lang="pl" sz="3000" b="0" i="0" u="none" strike="noStrike" cap="none" baseline="0">
+              <a:rPr lang="pl" sz="3000" b="0" i="0" u="none" strike="noStrike" cap="none" baseline="0" dirty="0">
                 <a:solidFill>
                   <a:schemeClr val="lt1"/>
                 </a:solidFill>
@@ -25961,7 +26227,7 @@
               <a:buNone/>
             </a:pPr>
             <a:r>
-              <a:rPr lang="pl" sz="3000" b="0" i="0" u="none" strike="noStrike" cap="none" baseline="0">
+              <a:rPr lang="pl-PL" sz="3000" b="0" i="0" u="none" strike="noStrike" cap="none" baseline="0" dirty="0">
                 <a:solidFill>
                   <a:schemeClr val="lt1"/>
                 </a:solidFill>
@@ -25970,41 +26236,22 @@
                 <a:cs typeface="Courier"/>
                 <a:sym typeface="Courier New"/>
               </a:rPr>
-              <a:t>Enter a number:</a:t>
-            </a:r>
-            <a:r>
-              <a:rPr lang="pl" sz="3000" b="0" i="0" u="none" strike="noStrike" cap="none" baseline="0">
-                <a:solidFill>
-                  <a:srgbClr val="FFFF00"/>
+              <a:t>Podaj liczbę</a:t>
+            </a:r>
+            <a:r>
+              <a:rPr lang="pl" sz="3000" b="0" i="0" u="none" strike="noStrike" cap="none" baseline="0" dirty="0">
+                <a:solidFill>
+                  <a:schemeClr val="lt1"/>
                 </a:solidFill>
                 <a:latin typeface="Courier"/>
                 <a:ea typeface="Courier"/>
                 <a:cs typeface="Courier"/>
                 <a:sym typeface="Courier New"/>
               </a:rPr>
-              <a:t>42</a:t>
-            </a:r>
-          </a:p>
-          <a:p>
-            <a:pPr marL="0" marR="0" lvl="0" indent="0" algn="l" rtl="0">
-              <a:lnSpc>
-                <a:spcPct val="100000"/>
-              </a:lnSpc>
-              <a:spcBef>
-                <a:spcPts val="0"/>
-              </a:spcBef>
-              <a:spcAft>
-                <a:spcPts val="0"/>
-              </a:spcAft>
-              <a:buClr>
-                <a:schemeClr val="lt1"/>
-              </a:buClr>
-              <a:buSzPct val="25000"/>
-              <a:buFont typeface="Cabin"/>
-              <a:buNone/>
-            </a:pPr>
-            <a:r>
-              <a:rPr lang="pl" sz="3000" b="0" i="0" u="none" strike="noStrike" cap="none" baseline="0">
+              <a:t>:</a:t>
+            </a:r>
+            <a:r>
+              <a:rPr lang="en-US" sz="3000" b="0" i="0" u="none" strike="noStrike" cap="none" baseline="0" dirty="0">
                 <a:solidFill>
                   <a:schemeClr val="lt1"/>
                 </a:solidFill>
@@ -26013,41 +26260,93 @@
                 <a:cs typeface="Courier"/>
                 <a:sym typeface="Courier New"/>
               </a:rPr>
-              <a:t>Nice work</a:t>
-            </a:r>
-          </a:p>
-          <a:p>
-            <a:pPr marL="0" marR="0" lvl="0" indent="0" algn="l" rtl="0">
-              <a:lnSpc>
-                <a:spcPct val="100000"/>
-              </a:lnSpc>
-              <a:spcBef>
-                <a:spcPts val="0"/>
-              </a:spcBef>
-              <a:spcAft>
-                <a:spcPts val="0"/>
-              </a:spcAft>
-              <a:buClr>
-                <a:schemeClr val="lt1"/>
-              </a:buClr>
-              <a:buSzPct val="25000"/>
-              <a:buFont typeface="Cabin"/>
-              <a:buNone/>
-            </a:pPr>
-            <a:r>
-              <a:rPr lang="pl" sz="3000" b="0" i="0" u="none" strike="noStrike" cap="none" baseline="0">
-                <a:solidFill>
-                  <a:schemeClr val="lt1"/>
+              <a:t> </a:t>
+            </a:r>
+            <a:r>
+              <a:rPr lang="pl" sz="3000" b="0" i="0" u="none" strike="noStrike" cap="none" baseline="0" dirty="0">
+                <a:solidFill>
+                  <a:srgbClr val="FFFF00"/>
                 </a:solidFill>
                 <a:latin typeface="Courier"/>
                 <a:ea typeface="Courier"/>
                 <a:cs typeface="Courier"/>
                 <a:sym typeface="Courier New"/>
               </a:rPr>
+              <a:t>42</a:t>
+            </a:r>
+          </a:p>
+          <a:p>
+            <a:pPr marL="0" marR="0" lvl="0" indent="0" algn="l" rtl="0">
+              <a:lnSpc>
+                <a:spcPct val="100000"/>
+              </a:lnSpc>
+              <a:spcBef>
+                <a:spcPts val="0"/>
+              </a:spcBef>
+              <a:spcAft>
+                <a:spcPts val="0"/>
+              </a:spcAft>
+              <a:buClr>
+                <a:schemeClr val="lt1"/>
+              </a:buClr>
+              <a:buSzPct val="25000"/>
+              <a:buFont typeface="Cabin"/>
+              <a:buNone/>
+            </a:pPr>
+            <a:r>
+              <a:rPr lang="pl-PL" sz="3000" b="0" i="0" u="none" strike="noStrike" cap="none" baseline="0">
+                <a:solidFill>
+                  <a:schemeClr val="lt1"/>
+                </a:solidFill>
+                <a:latin typeface="Courier"/>
+                <a:ea typeface="Courier"/>
+                <a:cs typeface="Courier"/>
+                <a:sym typeface="Courier New"/>
+              </a:rPr>
+              <a:t>Niezła robota</a:t>
+            </a:r>
+            <a:endParaRPr lang="pl" sz="3000" b="0" i="0" u="none" strike="noStrike" cap="none" baseline="0" dirty="0">
+              <a:solidFill>
+                <a:schemeClr val="lt1"/>
+              </a:solidFill>
+              <a:latin typeface="Courier"/>
+              <a:ea typeface="Courier"/>
+              <a:cs typeface="Courier"/>
+              <a:sym typeface="Courier New"/>
+            </a:endParaRPr>
+          </a:p>
+          <a:p>
+            <a:pPr marL="0" marR="0" lvl="0" indent="0" algn="l" rtl="0">
+              <a:lnSpc>
+                <a:spcPct val="100000"/>
+              </a:lnSpc>
+              <a:spcBef>
+                <a:spcPts val="0"/>
+              </a:spcBef>
+              <a:spcAft>
+                <a:spcPts val="0"/>
+              </a:spcAft>
+              <a:buClr>
+                <a:schemeClr val="lt1"/>
+              </a:buClr>
+              <a:buSzPct val="25000"/>
+              <a:buFont typeface="Cabin"/>
+              <a:buNone/>
+            </a:pPr>
+            <a:r>
+              <a:rPr lang="pl" sz="3000" b="0" i="0" u="none" strike="noStrike" cap="none" baseline="0" dirty="0">
+                <a:solidFill>
+                  <a:schemeClr val="lt1"/>
+                </a:solidFill>
+                <a:latin typeface="Courier"/>
+                <a:ea typeface="Courier"/>
+                <a:cs typeface="Courier"/>
+                <a:sym typeface="Courier New"/>
+              </a:rPr>
               <a:t>$ </a:t>
             </a:r>
             <a:r>
-              <a:rPr lang="pl" sz="3000" b="0" i="0" u="none" strike="noStrike" cap="none" baseline="0">
+              <a:rPr lang="pl" sz="3000" b="0" i="0" u="none" strike="noStrike" cap="none" baseline="0" dirty="0">
                 <a:solidFill>
                   <a:srgbClr val="FFFF00"/>
                 </a:solidFill>
@@ -26087,7 +26386,7 @@
               <a:buNone/>
             </a:pPr>
             <a:r>
-              <a:rPr lang="pl" sz="3000" b="0" i="0" u="none" strike="noStrike" cap="none" baseline="0">
+              <a:rPr lang="pl-PL" sz="3000" b="0" i="0" u="none" strike="noStrike" cap="none" baseline="0" dirty="0">
                 <a:solidFill>
                   <a:schemeClr val="lt1"/>
                 </a:solidFill>
@@ -26096,10 +26395,34 @@
                 <a:cs typeface="Courier"/>
                 <a:sym typeface="Courier New"/>
               </a:rPr>
-              <a:t>Enter a number:</a:t>
-            </a:r>
-            <a:r>
-              <a:rPr lang="pl" sz="3000" b="0" i="0" u="none" strike="noStrike" cap="none" baseline="0">
+              <a:t>Podaj liczbę</a:t>
+            </a:r>
+            <a:r>
+              <a:rPr lang="pl" sz="3000" b="0" i="0" u="none" strike="noStrike" cap="none" baseline="0" dirty="0">
+                <a:solidFill>
+                  <a:schemeClr val="lt1"/>
+                </a:solidFill>
+                <a:latin typeface="Courier"/>
+                <a:ea typeface="Courier"/>
+                <a:cs typeface="Courier"/>
+                <a:sym typeface="Courier New"/>
+              </a:rPr>
+              <a:t>:</a:t>
+            </a:r>
+            <a:r>
+              <a:rPr lang="en-US" sz="3000" b="0" i="0" u="none" strike="noStrike" cap="none" baseline="0" dirty="0">
+                <a:solidFill>
+                  <a:schemeClr val="lt1"/>
+                </a:solidFill>
+                <a:latin typeface="Courier"/>
+                <a:ea typeface="Courier"/>
+                <a:cs typeface="Courier"/>
+                <a:sym typeface="Courier New"/>
+              </a:rPr>
+              <a:t> </a:t>
+            </a:r>
+            <a:r>
+              <a:rPr lang="pl" sz="3000" b="0" i="0" u="none" strike="noStrike" cap="none" baseline="0" dirty="0">
                 <a:solidFill>
                   <a:srgbClr val="FFFF00"/>
                 </a:solidFill>
@@ -26139,7 +26462,7 @@
               <a:buNone/>
             </a:pPr>
             <a:r>
-              <a:rPr lang="pl" sz="3000" b="0" i="0" u="none" strike="noStrike" cap="none" baseline="0">
+              <a:rPr lang="pl-PL" sz="3000" b="0" i="0" u="none" strike="noStrike" cap="none" baseline="0" dirty="0">
                 <a:solidFill>
                   <a:schemeClr val="lt1"/>
                 </a:solidFill>
@@ -26148,29 +26471,21 @@
                 <a:cs typeface="Courier"/>
                 <a:sym typeface="Courier New"/>
               </a:rPr>
-              <a:t>Not a number</a:t>
-            </a:r>
-          </a:p>
-          <a:p>
-            <a:pPr marL="0" marR="0" lvl="0" indent="0" algn="l" rtl="0">
-              <a:lnSpc>
-                <a:spcPct val="100000"/>
-              </a:lnSpc>
-              <a:spcBef>
-                <a:spcPts val="0"/>
-              </a:spcBef>
-              <a:spcAft>
-                <a:spcPts val="0"/>
-              </a:spcAft>
-              <a:buClr>
-                <a:schemeClr val="lt1"/>
-              </a:buClr>
-              <a:buSzPct val="25000"/>
-              <a:buFont typeface="Cabin"/>
-              <a:buNone/>
-            </a:pPr>
-            <a:r>
-              <a:rPr lang="pl" sz="3000" b="0" i="0" u="none" strike="noStrike" cap="none" baseline="0">
+              <a:t>To nie jest liczba</a:t>
+            </a:r>
+            <a:br>
+              <a:rPr lang="en-US" sz="3000" b="0" i="0" u="none" strike="noStrike" cap="none" baseline="0" dirty="0">
+                <a:solidFill>
+                  <a:schemeClr val="lt1"/>
+                </a:solidFill>
+                <a:latin typeface="Courier"/>
+                <a:ea typeface="Courier"/>
+                <a:cs typeface="Courier"/>
+                <a:sym typeface="Courier New"/>
+              </a:rPr>
+            </a:br>
+            <a:r>
+              <a:rPr lang="pl" sz="3000" b="0" i="0" u="none" strike="noStrike" cap="none" baseline="0" dirty="0">
                 <a:solidFill>
                   <a:schemeClr val="lt1"/>
                 </a:solidFill>
@@ -26227,7 +26542,7 @@
               <a:buNone/>
             </a:pPr>
             <a:r>
-              <a:rPr lang="pl" sz="3000" b="0" i="0" u="none" strike="noStrike" cap="none" baseline="0">
+              <a:rPr lang="pl" sz="3000" b="0" i="0" u="none" strike="noStrike" cap="none" baseline="0" dirty="0">
                 <a:solidFill>
                   <a:srgbClr val="00FF00"/>
                 </a:solidFill>
@@ -26236,29 +26551,10 @@
                 <a:cs typeface="Courier"/>
                 <a:sym typeface="Courier New"/>
               </a:rPr>
-              <a:t>rawstr = input('Enter a number:')</a:t>
-            </a:r>
-          </a:p>
-          <a:p>
-            <a:pPr marL="0" marR="0" lvl="0" indent="0" algn="l" rtl="0">
-              <a:lnSpc>
-                <a:spcPct val="100000"/>
-              </a:lnSpc>
-              <a:spcBef>
-                <a:spcPts val="0"/>
-              </a:spcBef>
-              <a:spcAft>
-                <a:spcPts val="0"/>
-              </a:spcAft>
-              <a:buClr>
-                <a:srgbClr val="00FF00"/>
-              </a:buClr>
-              <a:buSzPct val="25000"/>
-              <a:buFont typeface="Cabin"/>
-              <a:buNone/>
-            </a:pPr>
-            <a:r>
-              <a:rPr lang="pl" sz="3000" b="0" i="0" u="none" strike="noStrike" cap="none" baseline="0">
+              <a:t>rawstr = input('</a:t>
+            </a:r>
+            <a:r>
+              <a:rPr lang="pl-PL" sz="3000" b="0" i="0" u="none" strike="noStrike" cap="none" baseline="0" dirty="0">
                 <a:solidFill>
                   <a:srgbClr val="00FF00"/>
                 </a:solidFill>
@@ -26267,29 +26563,10 @@
                 <a:cs typeface="Courier"/>
                 <a:sym typeface="Courier New"/>
               </a:rPr>
-              <a:t>try: </a:t>
-            </a:r>
-          </a:p>
-          <a:p>
-            <a:pPr marL="0" marR="0" lvl="0" indent="0" algn="l" rtl="0">
-              <a:lnSpc>
-                <a:spcPct val="100000"/>
-              </a:lnSpc>
-              <a:spcBef>
-                <a:spcPts val="0"/>
-              </a:spcBef>
-              <a:spcAft>
-                <a:spcPts val="0"/>
-              </a:spcAft>
-              <a:buClr>
-                <a:srgbClr val="00FF00"/>
-              </a:buClr>
-              <a:buSzPct val="25000"/>
-              <a:buFont typeface="Cabin"/>
-              <a:buNone/>
-            </a:pPr>
-            <a:r>
-              <a:rPr lang="pl" sz="3000" b="0" i="0" u="none" strike="noStrike" cap="none" baseline="0">
+              <a:t>Podaj liczbę</a:t>
+            </a:r>
+            <a:r>
+              <a:rPr lang="pl" sz="3000" b="0" i="0" u="none" strike="noStrike" cap="none" baseline="0" dirty="0">
                 <a:solidFill>
                   <a:srgbClr val="00FF00"/>
                 </a:solidFill>
@@ -26298,29 +26575,10 @@
                 <a:cs typeface="Courier"/>
                 <a:sym typeface="Courier New"/>
               </a:rPr>
-              <a:t>    ival = int(rawstr)</a:t>
-            </a:r>
-          </a:p>
-          <a:p>
-            <a:pPr marL="0" marR="0" lvl="0" indent="0" algn="l" rtl="0">
-              <a:lnSpc>
-                <a:spcPct val="100000"/>
-              </a:lnSpc>
-              <a:spcBef>
-                <a:spcPts val="0"/>
-              </a:spcBef>
-              <a:spcAft>
-                <a:spcPts val="0"/>
-              </a:spcAft>
-              <a:buClr>
-                <a:srgbClr val="00FF00"/>
-              </a:buClr>
-              <a:buSzPct val="25000"/>
-              <a:buFont typeface="Cabin"/>
-              <a:buNone/>
-            </a:pPr>
-            <a:r>
-              <a:rPr lang="pl" sz="3000" b="0" i="0" u="none" strike="noStrike" cap="none" baseline="0">
+              <a:t>:</a:t>
+            </a:r>
+            <a:r>
+              <a:rPr lang="en-US" sz="3000" b="0" i="0" u="none" strike="noStrike" cap="none" baseline="0" dirty="0">
                 <a:solidFill>
                   <a:srgbClr val="00FF00"/>
                 </a:solidFill>
@@ -26329,29 +26587,10 @@
                 <a:cs typeface="Courier"/>
                 <a:sym typeface="Courier New"/>
               </a:rPr>
-              <a:t>except: </a:t>
-            </a:r>
-          </a:p>
-          <a:p>
-            <a:pPr marL="0" marR="0" lvl="0" indent="0" algn="l" rtl="0">
-              <a:lnSpc>
-                <a:spcPct val="100000"/>
-              </a:lnSpc>
-              <a:spcBef>
-                <a:spcPts val="0"/>
-              </a:spcBef>
-              <a:spcAft>
-                <a:spcPts val="0"/>
-              </a:spcAft>
-              <a:buClr>
-                <a:srgbClr val="00FF00"/>
-              </a:buClr>
-              <a:buSzPct val="25000"/>
-              <a:buFont typeface="Cabin"/>
-              <a:buNone/>
-            </a:pPr>
-            <a:r>
-              <a:rPr lang="pl" sz="3000" b="0" i="0" u="none" strike="noStrike" cap="none" baseline="0">
+              <a:t> </a:t>
+            </a:r>
+            <a:r>
+              <a:rPr lang="pl" sz="3000" b="0" i="0" u="none" strike="noStrike" cap="none" baseline="0" dirty="0">
                 <a:solidFill>
                   <a:srgbClr val="00FF00"/>
                 </a:solidFill>
@@ -26360,10 +26599,134 @@
                 <a:cs typeface="Courier"/>
                 <a:sym typeface="Courier New"/>
               </a:rPr>
+              <a:t>')</a:t>
+            </a:r>
+          </a:p>
+          <a:p>
+            <a:pPr marL="0" marR="0" lvl="0" indent="0" algn="l" rtl="0">
+              <a:lnSpc>
+                <a:spcPct val="100000"/>
+              </a:lnSpc>
+              <a:spcBef>
+                <a:spcPts val="0"/>
+              </a:spcBef>
+              <a:spcAft>
+                <a:spcPts val="0"/>
+              </a:spcAft>
+              <a:buClr>
+                <a:srgbClr val="00FF00"/>
+              </a:buClr>
+              <a:buSzPct val="25000"/>
+              <a:buFont typeface="Cabin"/>
+              <a:buNone/>
+            </a:pPr>
+            <a:r>
+              <a:rPr lang="pl" sz="3000" b="0" i="0" u="none" strike="noStrike" cap="none" baseline="0" dirty="0">
+                <a:solidFill>
+                  <a:srgbClr val="00FF00"/>
+                </a:solidFill>
+                <a:latin typeface="Courier"/>
+                <a:ea typeface="Courier"/>
+                <a:cs typeface="Courier"/>
+                <a:sym typeface="Courier New"/>
+              </a:rPr>
+              <a:t>try: </a:t>
+            </a:r>
+          </a:p>
+          <a:p>
+            <a:pPr marL="0" marR="0" lvl="0" indent="0" algn="l" rtl="0">
+              <a:lnSpc>
+                <a:spcPct val="100000"/>
+              </a:lnSpc>
+              <a:spcBef>
+                <a:spcPts val="0"/>
+              </a:spcBef>
+              <a:spcAft>
+                <a:spcPts val="0"/>
+              </a:spcAft>
+              <a:buClr>
+                <a:srgbClr val="00FF00"/>
+              </a:buClr>
+              <a:buSzPct val="25000"/>
+              <a:buFont typeface="Cabin"/>
+              <a:buNone/>
+            </a:pPr>
+            <a:r>
+              <a:rPr lang="pl" sz="3000" b="0" i="0" u="none" strike="noStrike" cap="none" baseline="0" dirty="0">
+                <a:solidFill>
+                  <a:srgbClr val="00FF00"/>
+                </a:solidFill>
+                <a:latin typeface="Courier"/>
+                <a:ea typeface="Courier"/>
+                <a:cs typeface="Courier"/>
+                <a:sym typeface="Courier New"/>
+              </a:rPr>
+              <a:t>    ival = int(rawstr)</a:t>
+            </a:r>
+          </a:p>
+          <a:p>
+            <a:pPr marL="0" marR="0" lvl="0" indent="0" algn="l" rtl="0">
+              <a:lnSpc>
+                <a:spcPct val="100000"/>
+              </a:lnSpc>
+              <a:spcBef>
+                <a:spcPts val="0"/>
+              </a:spcBef>
+              <a:spcAft>
+                <a:spcPts val="0"/>
+              </a:spcAft>
+              <a:buClr>
+                <a:srgbClr val="00FF00"/>
+              </a:buClr>
+              <a:buSzPct val="25000"/>
+              <a:buFont typeface="Cabin"/>
+              <a:buNone/>
+            </a:pPr>
+            <a:r>
+              <a:rPr lang="pl" sz="3000" b="0" i="0" u="none" strike="noStrike" cap="none" baseline="0" dirty="0">
+                <a:solidFill>
+                  <a:srgbClr val="00FF00"/>
+                </a:solidFill>
+                <a:latin typeface="Courier"/>
+                <a:ea typeface="Courier"/>
+                <a:cs typeface="Courier"/>
+                <a:sym typeface="Courier New"/>
+              </a:rPr>
+              <a:t>except: </a:t>
+            </a:r>
+          </a:p>
+          <a:p>
+            <a:pPr marL="0" marR="0" lvl="0" indent="0" algn="l" rtl="0">
+              <a:lnSpc>
+                <a:spcPct val="100000"/>
+              </a:lnSpc>
+              <a:spcBef>
+                <a:spcPts val="0"/>
+              </a:spcBef>
+              <a:spcAft>
+                <a:spcPts val="0"/>
+              </a:spcAft>
+              <a:buClr>
+                <a:srgbClr val="00FF00"/>
+              </a:buClr>
+              <a:buSzPct val="25000"/>
+              <a:buFont typeface="Cabin"/>
+              <a:buNone/>
+            </a:pPr>
+            <a:r>
+              <a:rPr lang="pl" sz="3000" b="0" i="0" u="none" strike="noStrike" cap="none" baseline="0" dirty="0">
+                <a:solidFill>
+                  <a:srgbClr val="00FF00"/>
+                </a:solidFill>
+                <a:latin typeface="Courier"/>
+                <a:ea typeface="Courier"/>
+                <a:cs typeface="Courier"/>
+                <a:sym typeface="Courier New"/>
+              </a:rPr>
               <a:t>    </a:t>
             </a:r>
             <a:r>
-              <a:rPr lang="pl" sz="3000" b="0" i="0" u="none" strike="noStrike" cap="none" baseline="0">
+              <a:rPr lang="pl" sz="3000" b="0" i="0" u="none" strike="noStrike" cap="none" baseline="0" dirty="0">
                 <a:solidFill>
                   <a:srgbClr val="FF9900"/>
                 </a:solidFill>
@@ -26422,7 +26785,7 @@
               <a:buNone/>
             </a:pPr>
             <a:r>
-              <a:rPr lang="pl" sz="3000" b="0" i="0" u="none" strike="noStrike" cap="none" baseline="0">
+              <a:rPr lang="pl" sz="3000" b="0" i="0" u="none" strike="noStrike" cap="none" baseline="0" dirty="0">
                 <a:solidFill>
                   <a:srgbClr val="00FF00"/>
                 </a:solidFill>
@@ -26442,7 +26805,7 @@
               <a:buSzPct val="25000"/>
             </a:pPr>
             <a:r>
-              <a:rPr lang="pl" sz="3000" b="0" i="0" u="none" strike="noStrike" cap="none" baseline="0">
+              <a:rPr lang="pl" sz="3000" b="0" i="0" u="none" strike="noStrike" cap="none" baseline="0" dirty="0">
                 <a:solidFill>
                   <a:srgbClr val="00FF00"/>
                 </a:solidFill>
@@ -26451,10 +26814,22 @@
                 <a:cs typeface="Courier"/>
                 <a:sym typeface="Courier New"/>
               </a:rPr>
-              <a:t>    print('Nice work</a:t>
-            </a:r>
-            <a:r>
-              <a:rPr lang="pl" sz="3000" b="0" i="0" u="none" baseline="0">
+              <a:t>    print('</a:t>
+            </a:r>
+            <a:r>
+              <a:rPr lang="pl-PL" sz="3000" b="0" i="0" u="none" strike="noStrike" cap="none" baseline="0" dirty="0">
+                <a:solidFill>
+                  <a:srgbClr val="00FF00"/>
+                </a:solidFill>
+                <a:latin typeface="Courier"/>
+                <a:ea typeface="Courier"/>
+                <a:cs typeface="Courier"/>
+                <a:sym typeface="Courier New"/>
+              </a:rPr>
+              <a:t>Niezła robota</a:t>
+            </a:r>
+            <a:r>
+              <a:rPr lang="pl" sz="3000" b="0" i="0" u="none" baseline="0" dirty="0">
                 <a:solidFill>
                   <a:srgbClr val="00FF00"/>
                 </a:solidFill>
@@ -26494,7 +26869,7 @@
               <a:buNone/>
             </a:pPr>
             <a:r>
-              <a:rPr lang="pl" sz="3000" b="0" i="0" u="none" strike="noStrike" cap="none" baseline="0">
+              <a:rPr lang="pl" sz="3000" b="0" i="0" u="none" strike="noStrike" cap="none" baseline="0" dirty="0">
                 <a:solidFill>
                   <a:srgbClr val="00FF00"/>
                 </a:solidFill>
@@ -26514,7 +26889,7 @@
               <a:buSzPct val="25000"/>
             </a:pPr>
             <a:r>
-              <a:rPr lang="pl" sz="3000" b="0" i="0" u="none" strike="noStrike" cap="none" baseline="0">
+              <a:rPr lang="pl" sz="3000" b="0" i="0" u="none" strike="noStrike" cap="none" baseline="0" dirty="0">
                 <a:solidFill>
                   <a:srgbClr val="00FF00"/>
                 </a:solidFill>
@@ -26523,10 +26898,22 @@
                 <a:cs typeface="Courier"/>
                 <a:sym typeface="Courier New"/>
               </a:rPr>
-              <a:t>    print('Not a number</a:t>
-            </a:r>
-            <a:r>
-              <a:rPr lang="pl" sz="3000" b="0" i="0" u="none" baseline="0">
+              <a:t>    print('</a:t>
+            </a:r>
+            <a:r>
+              <a:rPr lang="pl-PL" sz="3000" b="0" i="0" u="none" strike="noStrike" cap="none" baseline="0" dirty="0">
+                <a:solidFill>
+                  <a:srgbClr val="00FF00"/>
+                </a:solidFill>
+                <a:latin typeface="Courier"/>
+                <a:ea typeface="Courier"/>
+                <a:cs typeface="Courier"/>
+                <a:sym typeface="Courier New"/>
+              </a:rPr>
+              <a:t>To nie jest liczba</a:t>
+            </a:r>
+            <a:r>
+              <a:rPr lang="pl" sz="3000" b="0" i="0" u="none" baseline="0" dirty="0">
                 <a:solidFill>
                   <a:srgbClr val="00FF00"/>
                 </a:solidFill>
@@ -26857,7 +27244,7 @@
               <a:buNone/>
             </a:pPr>
             <a:r>
-              <a:rPr lang="pl" sz="2400" b="0" i="0" u="sng" strike="noStrike" cap="none" baseline="0">
+              <a:rPr lang="pl-PL" sz="2400" b="0" i="0" u="sng" strike="noStrike" cap="none" baseline="0">
                 <a:solidFill>
                   <a:srgbClr val="FFFF00"/>
                 </a:solidFill>
@@ -26867,8 +27254,18 @@
                 <a:sym typeface="Cabin"/>
                 <a:hlinkClick r:id="rId3"/>
               </a:rPr>
-              <a:t>http://en.wikipedia.org/wiki/George_Boole</a:t>
-            </a:r>
+              <a:t>https://pl.wikipedia.org/wiki/George_Boole</a:t>
+            </a:r>
+            <a:endParaRPr lang="pl" sz="2400" b="0" i="0" u="sng" strike="noStrike" cap="none" baseline="0">
+              <a:solidFill>
+                <a:srgbClr val="FFFF00"/>
+              </a:solidFill>
+              <a:latin typeface="Arial" charset="0"/>
+              <a:ea typeface="Arial" charset="0"/>
+              <a:cs typeface="Arial" charset="0"/>
+              <a:sym typeface="Cabin"/>
+              <a:hlinkClick r:id="rId4"/>
+            </a:endParaRPr>
           </a:p>
         </p:txBody>
       </p:sp>
@@ -29832,8 +30229,85 @@
                   <a:srgbClr val="FFFFFF"/>
                 </a:solidFill>
               </a:rPr>
-              <a:t>Autorstwo pierwszej wersji: Charles Severance, University of Michigan School of Information</a:t>
-            </a:r>
+              <a:t>Autorstwo pierwszej wersji: Charles Severance, </a:t>
+            </a:r>
+            <a:br>
+              <a:rPr lang="en-US" sz="1800" b="0" i="0" u="none" baseline="0" dirty="0">
+                <a:solidFill>
+                  <a:srgbClr val="FFFFFF"/>
+                </a:solidFill>
+              </a:rPr>
+            </a:br>
+            <a:r>
+              <a:rPr lang="pl" sz="1800" b="0" i="0" u="none" baseline="0" dirty="0">
+                <a:solidFill>
+                  <a:srgbClr val="FFFFFF"/>
+                </a:solidFill>
+              </a:rPr>
+              <a:t>University of Michigan School of Information</a:t>
+            </a:r>
+            <a:endParaRPr lang="en-US" sz="1800" b="0" i="0" u="none" baseline="0" dirty="0">
+              <a:solidFill>
+                <a:srgbClr val="FFFFFF"/>
+              </a:solidFill>
+            </a:endParaRPr>
+          </a:p>
+          <a:p>
+            <a:pPr lvl="0" algn="l" rtl="0">
+              <a:spcBef>
+                <a:spcPts val="0"/>
+              </a:spcBef>
+              <a:buNone/>
+            </a:pPr>
+            <a:endParaRPr lang="en-US" sz="1800" dirty="0">
+              <a:solidFill>
+                <a:srgbClr val="FFFFFF"/>
+              </a:solidFill>
+            </a:endParaRPr>
+          </a:p>
+          <a:p>
+            <a:pPr lvl="0" algn="l" rtl="0">
+              <a:spcBef>
+                <a:spcPts val="0"/>
+              </a:spcBef>
+              <a:buNone/>
+            </a:pPr>
+            <a:r>
+              <a:rPr lang="pl-PL" sz="1800" dirty="0">
+                <a:solidFill>
+                  <a:srgbClr val="FFFFFF"/>
+                </a:solidFill>
+              </a:rPr>
+              <a:t>Polska wersja powstała z inicjatywy Wydziału Matematyki </a:t>
+            </a:r>
+            <a:br>
+              <a:rPr lang="en-US" sz="1800" dirty="0">
+                <a:solidFill>
+                  <a:srgbClr val="FFFFFF"/>
+                </a:solidFill>
+              </a:rPr>
+            </a:br>
+            <a:r>
+              <a:rPr lang="pl-PL" sz="1800" dirty="0">
+                <a:solidFill>
+                  <a:srgbClr val="FFFFFF"/>
+                </a:solidFill>
+              </a:rPr>
+              <a:t>i Informatyki Uniwersytetu im. </a:t>
+            </a:r>
+            <a:r>
+              <a:rPr lang="pl-PL" sz="1800">
+                <a:solidFill>
+                  <a:srgbClr val="FFFFFF"/>
+                </a:solidFill>
+              </a:rPr>
+              <a:t>Adama Mickiewicza w Poznaniu</a:t>
+            </a:r>
+            <a:endParaRPr lang="en-US" sz="1800" dirty="0">
+              <a:solidFill>
+                <a:srgbClr val="FFFFFF"/>
+              </a:solidFill>
+            </a:endParaRPr>
           </a:p>
           <a:p>
             <a:pPr lvl="0" algn="l" rtl="0">
@@ -29861,23 +30335,7 @@
                   <a:srgbClr val="FFFFFF"/>
                 </a:solidFill>
               </a:rPr>
-              <a:t>Tłumaczenie</a:t>
-            </a:r>
-            <a:r>
-              <a:rPr lang="pl" sz="1800" b="0" i="0" u="none" baseline="0">
-                <a:solidFill>
-                  <a:srgbClr val="FFFFFF"/>
-                </a:solidFill>
-              </a:rPr>
-              <a:t>: Agata i Krzysztof Wierzbiccy</a:t>
-            </a:r>
-            <a:r>
-              <a:rPr lang="pl" sz="1800" b="0" i="0" u="none" baseline="0" dirty="0">
-                <a:solidFill>
-                  <a:srgbClr val="FFFFFF"/>
-                </a:solidFill>
-              </a:rPr>
-              <a:t>, EnglishT.eu </a:t>
+              <a:t>Tłumaczenie: Agata i Krzysztof Wierzbiccy, EnglishT.eu </a:t>
             </a:r>
           </a:p>
           <a:p>
@@ -31917,8 +32375,8 @@
         </p:nvSpPr>
         <p:spPr>
           <a:xfrm>
-            <a:off x="12817632" y="4212861"/>
-            <a:ext cx="2921099" cy="749399"/>
+            <a:off x="12695427" y="4212861"/>
+            <a:ext cx="3165510" cy="749399"/>
           </a:xfrm>
           <a:prstGeom prst="rect">
             <a:avLst/>
@@ -31990,8 +32448,8 @@
         </p:nvSpPr>
         <p:spPr>
           <a:xfrm>
-            <a:off x="12817632" y="5317761"/>
-            <a:ext cx="2921099" cy="749399"/>
+            <a:off x="12695427" y="5317761"/>
+            <a:ext cx="3165510" cy="749399"/>
           </a:xfrm>
           <a:prstGeom prst="rect">
             <a:avLst/>
@@ -32124,8 +32582,8 @@
         </p:nvSpPr>
         <p:spPr>
           <a:xfrm>
-            <a:off x="12817632" y="3107961"/>
-            <a:ext cx="2921099" cy="749399"/>
+            <a:off x="12695427" y="3107961"/>
+            <a:ext cx="3165510" cy="749399"/>
           </a:xfrm>
           <a:prstGeom prst="rect">
             <a:avLst/>
@@ -32193,14 +32651,15 @@
         <p:nvCxnSpPr>
           <p:cNvPr id="314" name="Shape 314"/>
           <p:cNvCxnSpPr>
+            <a:cxnSpLocks/>
             <a:endCxn id="313" idx="2"/>
           </p:cNvCxnSpPr>
           <p:nvPr/>
         </p:nvCxnSpPr>
         <p:spPr>
-          <a:xfrm rot="10800000" flipH="1">
+          <a:xfrm flipV="1">
             <a:off x="14267981" y="3857360"/>
-            <a:ext cx="10200" cy="355500"/>
+            <a:ext cx="10201" cy="355500"/>
           </a:xfrm>
           <a:prstGeom prst="straightConnector1">
             <a:avLst/>
@@ -33007,8 +33466,8 @@
         </p:nvSpPr>
         <p:spPr>
           <a:xfrm>
-            <a:off x="1155700" y="2603501"/>
-            <a:ext cx="14188888" cy="5640168"/>
+            <a:off x="1155699" y="2603501"/>
+            <a:ext cx="14716647" cy="5640168"/>
           </a:xfrm>
           <a:prstGeom prst="rect">
             <a:avLst/>
@@ -33187,19 +33646,19 @@
                 <a:cs typeface="Arial" charset="0"/>
                 <a:sym typeface="Cabin"/>
               </a:rPr>
-              <a:t> -  NotePad++:  Ustawienia -&gt; Ustawienia -&gt; Języki/ </a:t>
-            </a:r>
-            <a:r>
-              <a:rPr lang="pl" sz="3000" b="0" i="0" u="none" strike="noStrike" cap="none" baseline="0" dirty="0">
-                <a:solidFill>
-                  <a:srgbClr val="FF9900"/>
+              <a:t> -  Note</a:t>
+            </a:r>
+            <a:r>
+              <a:rPr lang="en-US" sz="3000" b="0" i="0" u="none" strike="noStrike" cap="none" baseline="0" dirty="0">
+                <a:solidFill>
+                  <a:schemeClr val="lt1"/>
                 </a:solidFill>
                 <a:latin typeface="Arial" charset="0"/>
                 <a:ea typeface="Arial" charset="0"/>
                 <a:cs typeface="Arial" charset="0"/>
                 <a:sym typeface="Cabin"/>
               </a:rPr>
-              <a:t>Rozmiar tabulacji</a:t>
+              <a:t>p</a:t>
             </a:r>
             <a:r>
               <a:rPr lang="pl" sz="3000" b="0" i="0" u="none" strike="noStrike" cap="none" baseline="0" dirty="0">
@@ -33211,7 +33670,67 @@
                 <a:cs typeface="Arial" charset="0"/>
                 <a:sym typeface="Cabin"/>
               </a:rPr>
-              <a:t> Zastąp spacją</a:t>
+              <a:t>ad++:  </a:t>
+            </a:r>
+            <a:r>
+              <a:rPr lang="pl" sz="2800" b="0" i="0" u="none" strike="noStrike" cap="none" baseline="0" dirty="0">
+                <a:solidFill>
+                  <a:schemeClr val="lt1"/>
+                </a:solidFill>
+                <a:latin typeface="Arial" charset="0"/>
+                <a:ea typeface="Arial" charset="0"/>
+                <a:cs typeface="Arial" charset="0"/>
+                <a:sym typeface="Cabin"/>
+              </a:rPr>
+              <a:t>Ustawienia -&gt; Ustawienia -&gt; Języki/ </a:t>
+            </a:r>
+            <a:r>
+              <a:rPr lang="pl" sz="2800" b="0" i="0" u="none" strike="noStrike" cap="none" baseline="0" dirty="0">
+                <a:solidFill>
+                  <a:srgbClr val="FF9900"/>
+                </a:solidFill>
+                <a:latin typeface="Arial" charset="0"/>
+                <a:ea typeface="Arial" charset="0"/>
+                <a:cs typeface="Arial" charset="0"/>
+                <a:sym typeface="Cabin"/>
+              </a:rPr>
+              <a:t>Rozmiar tabulacji</a:t>
+            </a:r>
+            <a:r>
+              <a:rPr lang="pl" sz="2800" b="0" i="0" u="none" strike="noStrike" cap="none" baseline="0" dirty="0">
+                <a:solidFill>
+                  <a:schemeClr val="lt1"/>
+                </a:solidFill>
+                <a:latin typeface="Arial" charset="0"/>
+                <a:ea typeface="Arial" charset="0"/>
+                <a:cs typeface="Arial" charset="0"/>
+                <a:sym typeface="Cabin"/>
+              </a:rPr>
+              <a:t> </a:t>
+            </a:r>
+            <a:r>
+              <a:rPr lang="en-US" sz="2800" b="0" i="0" u="none" strike="noStrike" cap="none" baseline="0" dirty="0">
+                <a:solidFill>
+                  <a:schemeClr val="lt1"/>
+                </a:solidFill>
+                <a:latin typeface="Arial" charset="0"/>
+                <a:ea typeface="Arial" charset="0"/>
+                <a:cs typeface="Arial" charset="0"/>
+                <a:sym typeface="Cabin"/>
+              </a:rPr>
+              <a:t>[x] </a:t>
+            </a:r>
+            <a:r>
+              <a:rPr lang="pl" sz="2800" b="0" i="0" u="none" strike="noStrike" cap="none" baseline="0" dirty="0">
+                <a:solidFill>
+                  <a:schemeClr val="lt1"/>
+                </a:solidFill>
+                <a:latin typeface="Arial" charset="0"/>
+                <a:ea typeface="Arial" charset="0"/>
+                <a:cs typeface="Arial" charset="0"/>
+                <a:sym typeface="Cabin"/>
+              </a:rPr>
+              <a:t>Zastąp spacją</a:t>
             </a:r>
           </a:p>
           <a:p>
@@ -33449,33 +33968,6 @@
           </a:ln>
         </p:spPr>
       </p:pic>
-      <p:pic>
-        <p:nvPicPr>
-          <p:cNvPr id="335" name="Shape 335"/>
-          <p:cNvPicPr preferRelativeResize="0"/>
-          <p:nvPr/>
-        </p:nvPicPr>
-        <p:blipFill rotWithShape="1">
-          <a:blip r:embed="rId4">
-            <a:alphaModFix/>
-          </a:blip>
-          <a:srcRect/>
-          <a:stretch/>
-        </p:blipFill>
-        <p:spPr>
-          <a:xfrm>
-            <a:off x="8164436" y="3624290"/>
-            <a:ext cx="7755120" cy="4483596"/>
-          </a:xfrm>
-          <a:prstGeom prst="rect">
-            <a:avLst/>
-          </a:prstGeom>
-          <a:noFill/>
-          <a:ln>
-            <a:noFill/>
-          </a:ln>
-        </p:spPr>
-      </p:pic>
       <p:sp>
         <p:nvSpPr>
           <p:cNvPr id="336" name="Shape 336"/>
@@ -33494,7 +33986,7 @@
             </a:avLst>
           </a:prstGeom>
           <a:blipFill rotWithShape="1">
-            <a:blip r:embed="rId5">
+            <a:blip r:embed="rId4">
               <a:alphaModFix/>
             </a:blip>
             <a:stretch>
@@ -33529,13 +34021,100 @@
       </p:sp>
       <p:sp>
         <p:nvSpPr>
+          <p:cNvPr id="338" name="Shape 338"/>
+          <p:cNvSpPr txBox="1"/>
+          <p:nvPr/>
+        </p:nvSpPr>
+        <p:spPr>
+          <a:xfrm>
+            <a:off x="10556875" y="977900"/>
+            <a:ext cx="4279900" cy="1663700"/>
+          </a:xfrm>
+          <a:prstGeom prst="rect">
+            <a:avLst/>
+          </a:prstGeom>
+          <a:noFill/>
+          <a:ln>
+            <a:noFill/>
+          </a:ln>
+        </p:spPr>
+        <p:txBody>
+          <a:bodyPr lIns="0" tIns="0" rIns="0" bIns="0" anchor="ctr" anchorCtr="0">
+            <a:noAutofit/>
+          </a:bodyPr>
+          <a:lstStyle/>
+          <a:p>
+            <a:pPr marL="0" marR="0" lvl="0" indent="0" algn="ctr" rtl="0">
+              <a:lnSpc>
+                <a:spcPct val="100000"/>
+              </a:lnSpc>
+              <a:spcBef>
+                <a:spcPts val="0"/>
+              </a:spcBef>
+              <a:spcAft>
+                <a:spcPts val="0"/>
+              </a:spcAft>
+              <a:buClr>
+                <a:schemeClr val="lt1"/>
+              </a:buClr>
+              <a:buSzPct val="25000"/>
+              <a:buFont typeface="Cabin"/>
+              <a:buNone/>
+            </a:pPr>
+            <a:r>
+              <a:rPr lang="pl" sz="3600" b="0" i="0" u="none" strike="noStrike" cap="none" baseline="0" dirty="0">
+                <a:solidFill>
+                  <a:srgbClr val="FFD966"/>
+                </a:solidFill>
+                <a:latin typeface="Arial" charset="0"/>
+                <a:ea typeface="Arial" charset="0"/>
+                <a:cs typeface="Arial" charset="0"/>
+                <a:sym typeface="Cabin"/>
+              </a:rPr>
+              <a:t>Zaoszczędź sobie niepotrzebnych problemów</a:t>
+            </a:r>
+          </a:p>
+        </p:txBody>
+      </p:sp>
+      <p:pic>
+        <p:nvPicPr>
+          <p:cNvPr id="3" name="Picture 2">
+            <a:extLst>
+              <a:ext uri="{FF2B5EF4-FFF2-40B4-BE49-F238E27FC236}">
+                <a16:creationId xmlns:a16="http://schemas.microsoft.com/office/drawing/2014/main" id="{CE194377-CDD8-4D7A-A072-36026B8B194D}"/>
+              </a:ext>
+            </a:extLst>
+          </p:cNvPr>
+          <p:cNvPicPr>
+            <a:picLocks noChangeAspect="1"/>
+          </p:cNvPicPr>
+          <p:nvPr/>
+        </p:nvPicPr>
+        <p:blipFill>
+          <a:blip r:embed="rId5"/>
+          <a:stretch>
+            <a:fillRect/>
+          </a:stretch>
+        </p:blipFill>
+        <p:spPr>
+          <a:xfrm>
+            <a:off x="4981433" y="3653174"/>
+            <a:ext cx="10787190" cy="5093951"/>
+          </a:xfrm>
+          <a:prstGeom prst="rect">
+            <a:avLst/>
+          </a:prstGeom>
+        </p:spPr>
+      </p:pic>
+      <p:sp>
+        <p:nvSpPr>
           <p:cNvPr id="337" name="Shape 337"/>
           <p:cNvSpPr/>
           <p:nvPr/>
         </p:nvSpPr>
         <p:spPr>
           <a:xfrm>
-            <a:off x="11986930" y="6513643"/>
+            <a:off x="11222656" y="6595530"/>
             <a:ext cx="1270000" cy="1270000"/>
           </a:xfrm>
           <a:prstGeom prst="rightArrow">
@@ -33545,7 +34124,7 @@
             </a:avLst>
           </a:prstGeom>
           <a:blipFill rotWithShape="1">
-            <a:blip r:embed="rId5">
+            <a:blip r:embed="rId4">
               <a:alphaModFix/>
             </a:blip>
             <a:stretch>
@@ -33575,63 +34154,6 @@
               <a:buNone/>
             </a:pPr>
             <a:endParaRPr/>
-          </a:p>
-        </p:txBody>
-      </p:sp>
-      <p:sp>
-        <p:nvSpPr>
-          <p:cNvPr id="338" name="Shape 338"/>
-          <p:cNvSpPr txBox="1"/>
-          <p:nvPr/>
-        </p:nvSpPr>
-        <p:spPr>
-          <a:xfrm>
-            <a:off x="10556875" y="977900"/>
-            <a:ext cx="4279900" cy="1663700"/>
-          </a:xfrm>
-          <a:prstGeom prst="rect">
-            <a:avLst/>
-          </a:prstGeom>
-          <a:noFill/>
-          <a:ln>
-            <a:noFill/>
-          </a:ln>
-        </p:spPr>
-        <p:txBody>
-          <a:bodyPr lIns="0" tIns="0" rIns="0" bIns="0" anchor="ctr" anchorCtr="0">
-            <a:noAutofit/>
-          </a:bodyPr>
-          <a:lstStyle/>
-          <a:p>
-            <a:pPr marL="0" marR="0" lvl="0" indent="0" algn="ctr" rtl="0">
-              <a:lnSpc>
-                <a:spcPct val="100000"/>
-              </a:lnSpc>
-              <a:spcBef>
-                <a:spcPts val="0"/>
-              </a:spcBef>
-              <a:spcAft>
-                <a:spcPts val="0"/>
-              </a:spcAft>
-              <a:buClr>
-                <a:schemeClr val="lt1"/>
-              </a:buClr>
-              <a:buSzPct val="25000"/>
-              <a:buFont typeface="Cabin"/>
-              <a:buNone/>
-            </a:pPr>
-            <a:r>
-              <a:rPr lang="pl" sz="3600" b="0" i="0" u="none" strike="noStrike" cap="none" baseline="0" dirty="0">
-                <a:solidFill>
-                  <a:srgbClr val="FFD966"/>
-                </a:solidFill>
-                <a:latin typeface="Arial" charset="0"/>
-                <a:ea typeface="Arial" charset="0"/>
-                <a:cs typeface="Arial" charset="0"/>
-                <a:sym typeface="Cabin"/>
-              </a:rPr>
-              <a:t>Zaoszczędź sobie niepotrzebnych problemów</a:t>
-            </a:r>
           </a:p>
         </p:txBody>
       </p:sp>
